--- a/Kidney Exchange Program.pptx
+++ b/Kidney Exchange Program.pptx
@@ -14,7 +14,10 @@
     <p:sldId id="264" r:id="rId8"/>
     <p:sldId id="263" r:id="rId9"/>
     <p:sldId id="265" r:id="rId10"/>
-    <p:sldId id="266" r:id="rId11"/>
+    <p:sldId id="268" r:id="rId11"/>
+    <p:sldId id="267" r:id="rId12"/>
+    <p:sldId id="269" r:id="rId13"/>
+    <p:sldId id="266" r:id="rId14"/>
   </p:sldIdLst>
   <p:sldSz cx="12192000" cy="6858000"/>
   <p:notesSz cx="6858000" cy="9144000"/>
@@ -113,6 +116,11 @@
       </a:defRPr>
     </a:lvl9pPr>
   </p:defaultTextStyle>
+  <p:extLst>
+    <p:ext uri="{EFAFB233-063F-42B5-8137-9DF3F51BA10A}">
+      <p15:sldGuideLst xmlns:p15="http://schemas.microsoft.com/office/powerpoint/2012/main"/>
+    </p:ext>
+  </p:extLst>
 </p:presentation>
 </file>
 
@@ -265,7 +273,7 @@
           <a:p>
             <a:fld id="{58F98782-3A6D-4E3F-ACD4-B45034E7EC8A}" type="datetimeFigureOut">
               <a:rPr lang="nb-NO" smtClean="0"/>
-              <a:t>24.11.2019</a:t>
+              <a:t>25.11.2019</a:t>
             </a:fld>
             <a:endParaRPr lang="nb-NO"/>
           </a:p>
@@ -465,7 +473,7 @@
           <a:p>
             <a:fld id="{58F98782-3A6D-4E3F-ACD4-B45034E7EC8A}" type="datetimeFigureOut">
               <a:rPr lang="nb-NO" smtClean="0"/>
-              <a:t>24.11.2019</a:t>
+              <a:t>25.11.2019</a:t>
             </a:fld>
             <a:endParaRPr lang="nb-NO"/>
           </a:p>
@@ -675,7 +683,7 @@
           <a:p>
             <a:fld id="{58F98782-3A6D-4E3F-ACD4-B45034E7EC8A}" type="datetimeFigureOut">
               <a:rPr lang="nb-NO" smtClean="0"/>
-              <a:t>24.11.2019</a:t>
+              <a:t>25.11.2019</a:t>
             </a:fld>
             <a:endParaRPr lang="nb-NO"/>
           </a:p>
@@ -875,7 +883,7 @@
           <a:p>
             <a:fld id="{58F98782-3A6D-4E3F-ACD4-B45034E7EC8A}" type="datetimeFigureOut">
               <a:rPr lang="nb-NO" smtClean="0"/>
-              <a:t>24.11.2019</a:t>
+              <a:t>25.11.2019</a:t>
             </a:fld>
             <a:endParaRPr lang="nb-NO"/>
           </a:p>
@@ -1151,7 +1159,7 @@
           <a:p>
             <a:fld id="{58F98782-3A6D-4E3F-ACD4-B45034E7EC8A}" type="datetimeFigureOut">
               <a:rPr lang="nb-NO" smtClean="0"/>
-              <a:t>24.11.2019</a:t>
+              <a:t>25.11.2019</a:t>
             </a:fld>
             <a:endParaRPr lang="nb-NO"/>
           </a:p>
@@ -1419,7 +1427,7 @@
           <a:p>
             <a:fld id="{58F98782-3A6D-4E3F-ACD4-B45034E7EC8A}" type="datetimeFigureOut">
               <a:rPr lang="nb-NO" smtClean="0"/>
-              <a:t>24.11.2019</a:t>
+              <a:t>25.11.2019</a:t>
             </a:fld>
             <a:endParaRPr lang="nb-NO"/>
           </a:p>
@@ -1834,7 +1842,7 @@
           <a:p>
             <a:fld id="{58F98782-3A6D-4E3F-ACD4-B45034E7EC8A}" type="datetimeFigureOut">
               <a:rPr lang="nb-NO" smtClean="0"/>
-              <a:t>24.11.2019</a:t>
+              <a:t>25.11.2019</a:t>
             </a:fld>
             <a:endParaRPr lang="nb-NO"/>
           </a:p>
@@ -1976,7 +1984,7 @@
           <a:p>
             <a:fld id="{58F98782-3A6D-4E3F-ACD4-B45034E7EC8A}" type="datetimeFigureOut">
               <a:rPr lang="nb-NO" smtClean="0"/>
-              <a:t>24.11.2019</a:t>
+              <a:t>25.11.2019</a:t>
             </a:fld>
             <a:endParaRPr lang="nb-NO"/>
           </a:p>
@@ -2089,7 +2097,7 @@
           <a:p>
             <a:fld id="{58F98782-3A6D-4E3F-ACD4-B45034E7EC8A}" type="datetimeFigureOut">
               <a:rPr lang="nb-NO" smtClean="0"/>
-              <a:t>24.11.2019</a:t>
+              <a:t>25.11.2019</a:t>
             </a:fld>
             <a:endParaRPr lang="nb-NO"/>
           </a:p>
@@ -2402,7 +2410,7 @@
           <a:p>
             <a:fld id="{58F98782-3A6D-4E3F-ACD4-B45034E7EC8A}" type="datetimeFigureOut">
               <a:rPr lang="nb-NO" smtClean="0"/>
-              <a:t>24.11.2019</a:t>
+              <a:t>25.11.2019</a:t>
             </a:fld>
             <a:endParaRPr lang="nb-NO"/>
           </a:p>
@@ -2691,7 +2699,7 @@
           <a:p>
             <a:fld id="{58F98782-3A6D-4E3F-ACD4-B45034E7EC8A}" type="datetimeFigureOut">
               <a:rPr lang="nb-NO" smtClean="0"/>
-              <a:t>24.11.2019</a:t>
+              <a:t>25.11.2019</a:t>
             </a:fld>
             <a:endParaRPr lang="nb-NO"/>
           </a:p>
@@ -2934,7 +2942,7 @@
           <a:p>
             <a:fld id="{58F98782-3A6D-4E3F-ACD4-B45034E7EC8A}" type="datetimeFigureOut">
               <a:rPr lang="nb-NO" smtClean="0"/>
-              <a:t>24.11.2019</a:t>
+              <a:t>25.11.2019</a:t>
             </a:fld>
             <a:endParaRPr lang="nb-NO"/>
           </a:p>
@@ -3441,10 +3449,10 @@
       </p:grpSpPr>
       <p:sp>
         <p:nvSpPr>
-          <p:cNvPr id="2" name="Title 1">
-            <a:extLst>
-              <a:ext uri="{FF2B5EF4-FFF2-40B4-BE49-F238E27FC236}">
-                <a16:creationId xmlns:a16="http://schemas.microsoft.com/office/drawing/2014/main" id="{D8D7D835-2177-46FA-A39F-10895FF54418}"/>
+          <p:cNvPr id="7" name="Title 6">
+            <a:extLst>
+              <a:ext uri="{FF2B5EF4-FFF2-40B4-BE49-F238E27FC236}">
+                <a16:creationId xmlns:a16="http://schemas.microsoft.com/office/drawing/2014/main" id="{FFBE1F86-471E-421C-A384-ECD8A2FB6035}"/>
               </a:ext>
             </a:extLst>
           </p:cNvPr>
@@ -3462,6 +3470,3764 @@
           <a:p>
             <a:r>
               <a:rPr lang="is-IS" dirty="0"/>
+              <a:t>Kidney Exchange Program: Results</a:t>
+            </a:r>
+            <a:endParaRPr lang="nb-NO" dirty="0"/>
+          </a:p>
+        </p:txBody>
+      </p:sp>
+      <p:graphicFrame>
+        <p:nvGraphicFramePr>
+          <p:cNvPr id="12" name="Table 11">
+            <a:extLst>
+              <a:ext uri="{FF2B5EF4-FFF2-40B4-BE49-F238E27FC236}">
+                <a16:creationId xmlns:a16="http://schemas.microsoft.com/office/drawing/2014/main" id="{2935E32B-5EC6-47F6-939E-0B346D424248}"/>
+              </a:ext>
+            </a:extLst>
+          </p:cNvPr>
+          <p:cNvGraphicFramePr>
+            <a:graphicFrameLocks noGrp="1"/>
+          </p:cNvGraphicFramePr>
+          <p:nvPr>
+            <p:extLst>
+              <p:ext uri="{D42A27DB-BD31-4B8C-83A1-F6EECF244321}">
+                <p14:modId xmlns:p14="http://schemas.microsoft.com/office/powerpoint/2010/main" val="2377078169"/>
+              </p:ext>
+            </p:extLst>
+          </p:nvPr>
+        </p:nvGraphicFramePr>
+        <p:xfrm>
+          <a:off x="2792512" y="1472819"/>
+          <a:ext cx="6606976" cy="5020056"/>
+        </p:xfrm>
+        <a:graphic>
+          <a:graphicData uri="http://schemas.openxmlformats.org/drawingml/2006/table">
+            <a:tbl>
+              <a:tblPr firstRow="1" bandRow="1">
+                <a:tableStyleId>{0505E3EF-67EA-436B-97B2-0124C06EBD24}</a:tableStyleId>
+              </a:tblPr>
+              <a:tblGrid>
+                <a:gridCol w="1653667">
+                  <a:extLst>
+                    <a:ext uri="{9D8B030D-6E8A-4147-A177-3AD203B41FA5}">
+                      <a16:colId xmlns:a16="http://schemas.microsoft.com/office/drawing/2014/main" val="329480618"/>
+                    </a:ext>
+                  </a:extLst>
+                </a:gridCol>
+                <a:gridCol w="1653667">
+                  <a:extLst>
+                    <a:ext uri="{9D8B030D-6E8A-4147-A177-3AD203B41FA5}">
+                      <a16:colId xmlns:a16="http://schemas.microsoft.com/office/drawing/2014/main" val="988528891"/>
+                    </a:ext>
+                  </a:extLst>
+                </a:gridCol>
+                <a:gridCol w="1653667">
+                  <a:extLst>
+                    <a:ext uri="{9D8B030D-6E8A-4147-A177-3AD203B41FA5}">
+                      <a16:colId xmlns:a16="http://schemas.microsoft.com/office/drawing/2014/main" val="4011600564"/>
+                    </a:ext>
+                  </a:extLst>
+                </a:gridCol>
+                <a:gridCol w="1645975">
+                  <a:extLst>
+                    <a:ext uri="{9D8B030D-6E8A-4147-A177-3AD203B41FA5}">
+                      <a16:colId xmlns:a16="http://schemas.microsoft.com/office/drawing/2014/main" val="1840455392"/>
+                    </a:ext>
+                  </a:extLst>
+                </a:gridCol>
+              </a:tblGrid>
+              <a:tr h="279134">
+                <a:tc>
+                  <a:txBody>
+                    <a:bodyPr/>
+                    <a:lstStyle/>
+                    <a:p>
+                      <a:pPr algn="ctr"/>
+                      <a:r>
+                        <a:rPr lang="is-IS" sz="1400" dirty="0"/>
+                        <a:t>Donor #1</a:t>
+                      </a:r>
+                      <a:endParaRPr lang="nb-NO" sz="1400" dirty="0"/>
+                    </a:p>
+                  </a:txBody>
+                  <a:tcPr/>
+                </a:tc>
+                <a:tc>
+                  <a:txBody>
+                    <a:bodyPr/>
+                    <a:lstStyle/>
+                    <a:p>
+                      <a:pPr algn="ctr"/>
+                      <a:r>
+                        <a:rPr lang="is-IS" sz="1400"/>
+                        <a:t>Recipient #1</a:t>
+                      </a:r>
+                      <a:endParaRPr lang="nb-NO" sz="1400" dirty="0"/>
+                    </a:p>
+                  </a:txBody>
+                  <a:tcPr/>
+                </a:tc>
+                <a:tc>
+                  <a:txBody>
+                    <a:bodyPr/>
+                    <a:lstStyle/>
+                    <a:p>
+                      <a:pPr marL="0" marR="0" lvl="0" indent="0" algn="ctr" defTabSz="914400" rtl="0" eaLnBrk="1" fontAlgn="auto" latinLnBrk="0" hangingPunct="1">
+                        <a:lnSpc>
+                          <a:spcPct val="100000"/>
+                        </a:lnSpc>
+                        <a:spcBef>
+                          <a:spcPts val="0"/>
+                        </a:spcBef>
+                        <a:spcAft>
+                          <a:spcPts val="0"/>
+                        </a:spcAft>
+                        <a:buClrTx/>
+                        <a:buSzTx/>
+                        <a:buFontTx/>
+                        <a:buNone/>
+                        <a:tabLst/>
+                        <a:defRPr/>
+                      </a:pPr>
+                      <a:r>
+                        <a:rPr lang="is-IS" sz="1400" dirty="0"/>
+                        <a:t>Donor #2</a:t>
+                      </a:r>
+                      <a:endParaRPr lang="nb-NO" sz="1400" dirty="0"/>
+                    </a:p>
+                  </a:txBody>
+                  <a:tcPr/>
+                </a:tc>
+                <a:tc>
+                  <a:txBody>
+                    <a:bodyPr/>
+                    <a:lstStyle/>
+                    <a:p>
+                      <a:pPr marL="0" marR="0" lvl="0" indent="0" algn="ctr" defTabSz="914400" rtl="0" eaLnBrk="1" fontAlgn="auto" latinLnBrk="0" hangingPunct="1">
+                        <a:lnSpc>
+                          <a:spcPct val="100000"/>
+                        </a:lnSpc>
+                        <a:spcBef>
+                          <a:spcPts val="0"/>
+                        </a:spcBef>
+                        <a:spcAft>
+                          <a:spcPts val="0"/>
+                        </a:spcAft>
+                        <a:buClrTx/>
+                        <a:buSzTx/>
+                        <a:buFontTx/>
+                        <a:buNone/>
+                        <a:tabLst/>
+                        <a:defRPr/>
+                      </a:pPr>
+                      <a:r>
+                        <a:rPr lang="is-IS" sz="1400" dirty="0"/>
+                        <a:t>Recipient #2</a:t>
+                      </a:r>
+                      <a:endParaRPr lang="nb-NO" sz="1400" dirty="0"/>
+                    </a:p>
+                  </a:txBody>
+                  <a:tcPr/>
+                </a:tc>
+                <a:extLst>
+                  <a:ext uri="{0D108BD9-81ED-4DB2-BD59-A6C34878D82A}">
+                    <a16:rowId xmlns:a16="http://schemas.microsoft.com/office/drawing/2014/main" val="145833975"/>
+                  </a:ext>
+                </a:extLst>
+              </a:tr>
+              <a:tr h="1544689">
+                <a:tc>
+                  <a:txBody>
+                    <a:bodyPr/>
+                    <a:lstStyle/>
+                    <a:p>
+                      <a:r>
+                        <a:rPr lang="nb-NO" sz="1200" b="0" dirty="0" err="1"/>
+                        <a:t>Bloodtype</a:t>
+                      </a:r>
+                      <a:r>
+                        <a:rPr lang="nb-NO" sz="1200" b="0" dirty="0"/>
+                        <a:t>: </a:t>
+                      </a:r>
+                      <a:r>
+                        <a:rPr lang="nb-NO" sz="1200" b="0" dirty="0">
+                          <a:latin typeface="Calibri" panose="020F0502020204030204" pitchFamily="34" charset="0"/>
+                          <a:cs typeface="Calibri" panose="020F0502020204030204" pitchFamily="34" charset="0"/>
+                        </a:rPr>
+                        <a:t>ˈ</a:t>
+                      </a:r>
+                      <a:r>
+                        <a:rPr lang="nb-NO" sz="1200" b="0" dirty="0"/>
+                        <a:t>O</a:t>
+                      </a:r>
+                      <a:r>
+                        <a:rPr lang="nb-NO" sz="1200" b="0" dirty="0">
+                          <a:latin typeface="Calibri" panose="020F0502020204030204" pitchFamily="34" charset="0"/>
+                          <a:cs typeface="Calibri" panose="020F0502020204030204" pitchFamily="34" charset="0"/>
+                        </a:rPr>
+                        <a:t>ˈ</a:t>
+                      </a:r>
+                      <a:br>
+                        <a:rPr lang="nb-NO" sz="1200" b="0" dirty="0"/>
+                      </a:br>
+                      <a:r>
+                        <a:rPr lang="nb-NO" sz="1200" b="0" dirty="0" err="1"/>
+                        <a:t>History</a:t>
+                      </a:r>
+                      <a:r>
+                        <a:rPr lang="nb-NO" sz="1200" b="0" dirty="0"/>
+                        <a:t> </a:t>
+                      </a:r>
+                      <a:r>
+                        <a:rPr lang="nb-NO" sz="1200" b="0" dirty="0" err="1"/>
+                        <a:t>of</a:t>
+                      </a:r>
+                      <a:r>
+                        <a:rPr lang="nb-NO" sz="1200" b="0" dirty="0"/>
+                        <a:t> Smoking: 0.0</a:t>
+                      </a:r>
+                      <a:br>
+                        <a:rPr lang="nb-NO" sz="1200" b="0" dirty="0"/>
+                      </a:br>
+                      <a:r>
+                        <a:rPr lang="nb-NO" sz="1200" b="0" dirty="0"/>
+                        <a:t>Age: 34</a:t>
+                      </a:r>
+                      <a:br>
+                        <a:rPr lang="nb-NO" sz="1200" dirty="0"/>
+                      </a:br>
+                      <a:r>
+                        <a:rPr lang="nb-NO" sz="1200" b="0" dirty="0" err="1"/>
+                        <a:t>eGFR</a:t>
+                      </a:r>
+                      <a:r>
+                        <a:rPr lang="nb-NO" sz="1200" b="0" dirty="0"/>
+                        <a:t>: 108.85</a:t>
+                      </a:r>
+                      <a:br>
+                        <a:rPr lang="nb-NO" sz="1200" b="0" dirty="0"/>
+                      </a:br>
+                      <a:r>
+                        <a:rPr lang="nb-NO" sz="1200" b="0" dirty="0"/>
+                        <a:t>BMI: 18.0</a:t>
+                      </a:r>
+                      <a:br>
+                        <a:rPr lang="nb-NO" sz="1200" b="0" dirty="0"/>
+                      </a:br>
+                      <a:r>
+                        <a:rPr lang="nb-NO" sz="1200" b="0" dirty="0" err="1"/>
+                        <a:t>African</a:t>
+                      </a:r>
+                      <a:r>
+                        <a:rPr lang="nb-NO" sz="1200" b="0" dirty="0"/>
+                        <a:t> Heritage: 0</a:t>
+                      </a:r>
+                      <a:br>
+                        <a:rPr lang="nb-NO" sz="1200" dirty="0"/>
+                      </a:br>
+                      <a:r>
+                        <a:rPr lang="nb-NO" sz="1200" b="0" dirty="0"/>
+                        <a:t>SBP: 122.0</a:t>
+                      </a:r>
+                    </a:p>
+                    <a:p>
+                      <a:r>
+                        <a:rPr lang="nb-NO" sz="1200" b="0" dirty="0" err="1"/>
+                        <a:t>Gender</a:t>
+                      </a:r>
+                      <a:r>
+                        <a:rPr lang="nb-NO" sz="1200" b="0" dirty="0"/>
+                        <a:t>: 0</a:t>
+                      </a:r>
+                      <a:endParaRPr lang="nb-NO" sz="1200" dirty="0"/>
+                    </a:p>
+                  </a:txBody>
+                  <a:tcPr/>
+                </a:tc>
+                <a:tc>
+                  <a:txBody>
+                    <a:bodyPr/>
+                    <a:lstStyle/>
+                    <a:p>
+                      <a:r>
+                        <a:rPr lang="nb-NO" sz="1200" b="0" dirty="0" err="1"/>
+                        <a:t>Bloodtype</a:t>
+                      </a:r>
+                      <a:r>
+                        <a:rPr lang="nb-NO" sz="1200" b="0" dirty="0"/>
+                        <a:t>: </a:t>
+                      </a:r>
+                      <a:r>
+                        <a:rPr lang="nb-NO" sz="1200" b="0" dirty="0">
+                          <a:latin typeface="Calibri" panose="020F0502020204030204" pitchFamily="34" charset="0"/>
+                          <a:cs typeface="Calibri" panose="020F0502020204030204" pitchFamily="34" charset="0"/>
+                        </a:rPr>
+                        <a:t>ˈ</a:t>
+                      </a:r>
+                      <a:r>
+                        <a:rPr lang="nb-NO" sz="1200" b="0" dirty="0"/>
+                        <a:t>B</a:t>
+                      </a:r>
+                      <a:r>
+                        <a:rPr lang="nb-NO" sz="1200" b="0" dirty="0">
+                          <a:latin typeface="Calibri" panose="020F0502020204030204" pitchFamily="34" charset="0"/>
+                          <a:cs typeface="Calibri" panose="020F0502020204030204" pitchFamily="34" charset="0"/>
+                        </a:rPr>
+                        <a:t>ˈ</a:t>
+                      </a:r>
+                      <a:endParaRPr lang="nb-NO" sz="1200" b="0" dirty="0"/>
+                    </a:p>
+                    <a:p>
+                      <a:r>
+                        <a:rPr lang="nb-NO" sz="1200" b="0" dirty="0" err="1"/>
+                        <a:t>History</a:t>
+                      </a:r>
+                      <a:r>
+                        <a:rPr lang="nb-NO" sz="1200" b="0" dirty="0"/>
+                        <a:t> </a:t>
+                      </a:r>
+                      <a:r>
+                        <a:rPr lang="nb-NO" sz="1200" b="0" dirty="0" err="1"/>
+                        <a:t>of</a:t>
+                      </a:r>
+                      <a:r>
+                        <a:rPr lang="nb-NO" sz="1200" b="0" dirty="0"/>
+                        <a:t> Smoking: 1.0</a:t>
+                      </a:r>
+                    </a:p>
+                    <a:p>
+                      <a:r>
+                        <a:rPr lang="nb-NO" sz="1200" b="0" dirty="0"/>
+                        <a:t>Age: 55</a:t>
+                      </a:r>
+                      <a:br>
+                        <a:rPr lang="nb-NO" sz="1200" dirty="0"/>
+                      </a:br>
+                      <a:r>
+                        <a:rPr lang="nb-NO" sz="1200" b="0" dirty="0" err="1"/>
+                        <a:t>eGFR</a:t>
+                      </a:r>
+                      <a:r>
+                        <a:rPr lang="nb-NO" sz="1200" b="0" dirty="0"/>
+                        <a:t>: 60.42</a:t>
+                      </a:r>
+                    </a:p>
+                    <a:p>
+                      <a:r>
+                        <a:rPr lang="nb-NO" sz="1200" b="0" dirty="0"/>
+                        <a:t>BMI: 19.0</a:t>
+                      </a:r>
+                    </a:p>
+                    <a:p>
+                      <a:r>
+                        <a:rPr lang="nb-NO" sz="1200" b="0" dirty="0" err="1"/>
+                        <a:t>African</a:t>
+                      </a:r>
+                      <a:r>
+                        <a:rPr lang="nb-NO" sz="1200" b="0" dirty="0"/>
+                        <a:t> Heritage: 0</a:t>
+                      </a:r>
+                      <a:br>
+                        <a:rPr lang="nb-NO" sz="1200" dirty="0"/>
+                      </a:br>
+                      <a:r>
+                        <a:rPr lang="nb-NO" sz="1200" b="0" dirty="0"/>
+                        <a:t>SBP: 120.0</a:t>
+                      </a:r>
+                    </a:p>
+                    <a:p>
+                      <a:r>
+                        <a:rPr lang="nb-NO" sz="1200" b="0" dirty="0" err="1"/>
+                        <a:t>Gender</a:t>
+                      </a:r>
+                      <a:r>
+                        <a:rPr lang="nb-NO" sz="1200" b="0" dirty="0"/>
+                        <a:t>: 1</a:t>
+                      </a:r>
+                    </a:p>
+                  </a:txBody>
+                  <a:tcPr/>
+                </a:tc>
+                <a:tc>
+                  <a:txBody>
+                    <a:bodyPr/>
+                    <a:lstStyle/>
+                    <a:p>
+                      <a:r>
+                        <a:rPr lang="nb-NO" sz="1200" b="0" dirty="0" err="1"/>
+                        <a:t>Bloodtype</a:t>
+                      </a:r>
+                      <a:r>
+                        <a:rPr lang="nb-NO" sz="1200" b="0" dirty="0"/>
+                        <a:t>: </a:t>
+                      </a:r>
+                      <a:r>
+                        <a:rPr lang="nb-NO" sz="1200" b="0" dirty="0">
+                          <a:latin typeface="Calibri" panose="020F0502020204030204" pitchFamily="34" charset="0"/>
+                          <a:cs typeface="Calibri" panose="020F0502020204030204" pitchFamily="34" charset="0"/>
+                        </a:rPr>
+                        <a:t>ˈ</a:t>
+                      </a:r>
+                      <a:r>
+                        <a:rPr lang="nb-NO" sz="1200" b="0" dirty="0"/>
+                        <a:t>O</a:t>
+                      </a:r>
+                      <a:r>
+                        <a:rPr lang="nb-NO" sz="1200" b="0" dirty="0">
+                          <a:latin typeface="Calibri" panose="020F0502020204030204" pitchFamily="34" charset="0"/>
+                          <a:cs typeface="Calibri" panose="020F0502020204030204" pitchFamily="34" charset="0"/>
+                        </a:rPr>
+                        <a:t>ˈ</a:t>
+                      </a:r>
+                      <a:endParaRPr lang="nb-NO" sz="1200" b="0" dirty="0"/>
+                    </a:p>
+                    <a:p>
+                      <a:r>
+                        <a:rPr lang="nb-NO" sz="1200" b="0" dirty="0" err="1"/>
+                        <a:t>History</a:t>
+                      </a:r>
+                      <a:r>
+                        <a:rPr lang="nb-NO" sz="1200" b="0" dirty="0"/>
+                        <a:t> </a:t>
+                      </a:r>
+                      <a:r>
+                        <a:rPr lang="nb-NO" sz="1200" b="0" dirty="0" err="1"/>
+                        <a:t>of</a:t>
+                      </a:r>
+                      <a:r>
+                        <a:rPr lang="nb-NO" sz="1200" b="0" dirty="0"/>
+                        <a:t> Smoking: 0.0</a:t>
+                      </a:r>
+                    </a:p>
+                    <a:p>
+                      <a:r>
+                        <a:rPr lang="nb-NO" sz="1200" b="0" dirty="0"/>
+                        <a:t>Age: 51</a:t>
+                      </a:r>
+                      <a:br>
+                        <a:rPr lang="nb-NO" sz="1200" dirty="0"/>
+                      </a:br>
+                      <a:r>
+                        <a:rPr lang="nb-NO" sz="1200" b="0" dirty="0" err="1"/>
+                        <a:t>eGFR</a:t>
+                      </a:r>
+                      <a:r>
+                        <a:rPr lang="nb-NO" sz="1200" b="0" dirty="0"/>
+                        <a:t>: 62.18</a:t>
+                      </a:r>
+                    </a:p>
+                    <a:p>
+                      <a:r>
+                        <a:rPr lang="nb-NO" sz="1200" b="0" dirty="0"/>
+                        <a:t>BMI: 21.0</a:t>
+                      </a:r>
+                    </a:p>
+                    <a:p>
+                      <a:r>
+                        <a:rPr lang="nb-NO" sz="1200" b="0" dirty="0" err="1"/>
+                        <a:t>African</a:t>
+                      </a:r>
+                      <a:r>
+                        <a:rPr lang="nb-NO" sz="1200" b="0" dirty="0"/>
+                        <a:t> Heritage: 0</a:t>
+                      </a:r>
+                      <a:br>
+                        <a:rPr lang="nb-NO" sz="1200" dirty="0"/>
+                      </a:br>
+                      <a:r>
+                        <a:rPr lang="nb-NO" sz="1200" b="0" dirty="0"/>
+                        <a:t>SBP: 120.0</a:t>
+                      </a:r>
+                    </a:p>
+                    <a:p>
+                      <a:r>
+                        <a:rPr lang="nb-NO" sz="1200" b="0" dirty="0" err="1"/>
+                        <a:t>Gender</a:t>
+                      </a:r>
+                      <a:r>
+                        <a:rPr lang="nb-NO" sz="1200" b="0" dirty="0"/>
+                        <a:t>: 1</a:t>
+                      </a:r>
+                    </a:p>
+                  </a:txBody>
+                  <a:tcPr/>
+                </a:tc>
+                <a:tc>
+                  <a:txBody>
+                    <a:bodyPr/>
+                    <a:lstStyle/>
+                    <a:p>
+                      <a:r>
+                        <a:rPr lang="nb-NO" sz="1200" b="0" dirty="0" err="1"/>
+                        <a:t>Bloodtype</a:t>
+                      </a:r>
+                      <a:r>
+                        <a:rPr lang="nb-NO" sz="1200" b="0" dirty="0"/>
+                        <a:t>: </a:t>
+                      </a:r>
+                      <a:r>
+                        <a:rPr lang="nb-NO" sz="1200" b="0" dirty="0">
+                          <a:latin typeface="Calibri" panose="020F0502020204030204" pitchFamily="34" charset="0"/>
+                          <a:cs typeface="Calibri" panose="020F0502020204030204" pitchFamily="34" charset="0"/>
+                        </a:rPr>
+                        <a:t>ˈ</a:t>
+                      </a:r>
+                      <a:r>
+                        <a:rPr lang="nb-NO" sz="1200" b="0" dirty="0"/>
+                        <a:t>O</a:t>
+                      </a:r>
+                      <a:r>
+                        <a:rPr lang="nb-NO" sz="1200" b="0" dirty="0">
+                          <a:latin typeface="Calibri" panose="020F0502020204030204" pitchFamily="34" charset="0"/>
+                          <a:cs typeface="Calibri" panose="020F0502020204030204" pitchFamily="34" charset="0"/>
+                        </a:rPr>
+                        <a:t>ˈ</a:t>
+                      </a:r>
+                      <a:endParaRPr lang="nb-NO" sz="1200" b="0" dirty="0"/>
+                    </a:p>
+                    <a:p>
+                      <a:r>
+                        <a:rPr lang="nb-NO" sz="1200" b="0" dirty="0" err="1"/>
+                        <a:t>History</a:t>
+                      </a:r>
+                      <a:r>
+                        <a:rPr lang="nb-NO" sz="1200" b="0" dirty="0"/>
+                        <a:t> </a:t>
+                      </a:r>
+                      <a:r>
+                        <a:rPr lang="nb-NO" sz="1200" b="0" dirty="0" err="1"/>
+                        <a:t>of</a:t>
+                      </a:r>
+                      <a:r>
+                        <a:rPr lang="nb-NO" sz="1200" b="0" dirty="0"/>
+                        <a:t> Smoking: 0.0</a:t>
+                      </a:r>
+                    </a:p>
+                    <a:p>
+                      <a:r>
+                        <a:rPr lang="nb-NO" sz="1200" b="0" dirty="0"/>
+                        <a:t>Age: 29</a:t>
+                      </a:r>
+                      <a:br>
+                        <a:rPr lang="nb-NO" sz="1200" dirty="0"/>
+                      </a:br>
+                      <a:r>
+                        <a:rPr lang="nb-NO" sz="1200" b="0" dirty="0" err="1"/>
+                        <a:t>eGFR</a:t>
+                      </a:r>
+                      <a:r>
+                        <a:rPr lang="nb-NO" sz="1200" b="0" dirty="0"/>
+                        <a:t>: 97.76</a:t>
+                      </a:r>
+                    </a:p>
+                    <a:p>
+                      <a:r>
+                        <a:rPr lang="nb-NO" sz="1200" b="0" dirty="0"/>
+                        <a:t>BMI: 30.0</a:t>
+                      </a:r>
+                    </a:p>
+                    <a:p>
+                      <a:r>
+                        <a:rPr lang="nb-NO" sz="1200" b="0" dirty="0" err="1"/>
+                        <a:t>African</a:t>
+                      </a:r>
+                      <a:r>
+                        <a:rPr lang="nb-NO" sz="1200" b="0" dirty="0"/>
+                        <a:t> Heritage: 0</a:t>
+                      </a:r>
+                      <a:br>
+                        <a:rPr lang="nb-NO" sz="1200" dirty="0"/>
+                      </a:br>
+                      <a:r>
+                        <a:rPr lang="nb-NO" sz="1200" b="0" dirty="0"/>
+                        <a:t>SBP: 108.0</a:t>
+                      </a:r>
+                    </a:p>
+                    <a:p>
+                      <a:r>
+                        <a:rPr lang="nb-NO" sz="1200" b="0" dirty="0" err="1"/>
+                        <a:t>Gender</a:t>
+                      </a:r>
+                      <a:r>
+                        <a:rPr lang="nb-NO" sz="1200" b="0" dirty="0"/>
+                        <a:t>: 1</a:t>
+                      </a:r>
+                      <a:endParaRPr lang="nb-NO" sz="1200" dirty="0"/>
+                    </a:p>
+                  </a:txBody>
+                  <a:tcPr/>
+                </a:tc>
+                <a:extLst>
+                  <a:ext uri="{0D108BD9-81ED-4DB2-BD59-A6C34878D82A}">
+                    <a16:rowId xmlns:a16="http://schemas.microsoft.com/office/drawing/2014/main" val="1464580395"/>
+                  </a:ext>
+                </a:extLst>
+              </a:tr>
+              <a:tr h="632702">
+                <a:tc gridSpan="2">
+                  <a:txBody>
+                    <a:bodyPr/>
+                    <a:lstStyle/>
+                    <a:p>
+                      <a:pPr algn="ctr"/>
+                      <a:r>
+                        <a:rPr lang="nb-NO" sz="1200" b="0" dirty="0" err="1"/>
+                        <a:t>Unrelated</a:t>
+                      </a:r>
+                      <a:r>
+                        <a:rPr lang="nb-NO" sz="1200" b="0" dirty="0"/>
+                        <a:t>: 1.0</a:t>
+                      </a:r>
+                      <a:br>
+                        <a:rPr lang="nb-NO" sz="1200" b="0" dirty="0"/>
+                      </a:br>
+                      <a:r>
+                        <a:rPr lang="nb-NO" sz="1200" b="0" dirty="0"/>
+                        <a:t>HLA-B </a:t>
+                      </a:r>
+                      <a:r>
+                        <a:rPr lang="nb-NO" sz="1200" b="0" dirty="0" err="1"/>
+                        <a:t>Mismatches</a:t>
+                      </a:r>
+                      <a:r>
+                        <a:rPr lang="nb-NO" sz="1200" b="0" dirty="0"/>
+                        <a:t>: 2.0</a:t>
+                      </a:r>
+                      <a:br>
+                        <a:rPr lang="nb-NO" sz="1200" dirty="0"/>
+                      </a:br>
+                      <a:r>
+                        <a:rPr lang="nb-NO" sz="1200" b="0" dirty="0"/>
+                        <a:t>HLA-DR </a:t>
+                      </a:r>
+                      <a:r>
+                        <a:rPr lang="nb-NO" sz="1200" b="0" dirty="0" err="1"/>
+                        <a:t>Mismatches</a:t>
+                      </a:r>
+                      <a:r>
+                        <a:rPr lang="nb-NO" sz="1200" b="0" dirty="0"/>
+                        <a:t>: 1.0</a:t>
+                      </a:r>
+                      <a:endParaRPr lang="nb-NO" sz="1200" dirty="0"/>
+                    </a:p>
+                  </a:txBody>
+                  <a:tcPr/>
+                </a:tc>
+                <a:tc hMerge="1">
+                  <a:txBody>
+                    <a:bodyPr/>
+                    <a:lstStyle/>
+                    <a:p>
+                      <a:endParaRPr lang="nb-NO"/>
+                    </a:p>
+                  </a:txBody>
+                  <a:tcPr/>
+                </a:tc>
+                <a:tc gridSpan="2">
+                  <a:txBody>
+                    <a:bodyPr/>
+                    <a:lstStyle/>
+                    <a:p>
+                      <a:pPr algn="ctr"/>
+                      <a:r>
+                        <a:rPr lang="nb-NO" sz="1200" b="0" dirty="0" err="1"/>
+                        <a:t>Unrelated</a:t>
+                      </a:r>
+                      <a:r>
+                        <a:rPr lang="nb-NO" sz="1200" b="0" dirty="0"/>
+                        <a:t>: 1.0</a:t>
+                      </a:r>
+                    </a:p>
+                    <a:p>
+                      <a:pPr algn="ctr"/>
+                      <a:r>
+                        <a:rPr lang="nb-NO" sz="1200" b="0" dirty="0"/>
+                        <a:t>HLA-B </a:t>
+                      </a:r>
+                      <a:r>
+                        <a:rPr lang="nb-NO" sz="1200" b="0" dirty="0" err="1"/>
+                        <a:t>Mismatches</a:t>
+                      </a:r>
+                      <a:r>
+                        <a:rPr lang="nb-NO" sz="1200" b="0" dirty="0"/>
+                        <a:t>: 0.0</a:t>
+                      </a:r>
+                      <a:br>
+                        <a:rPr lang="nb-NO" sz="1200" dirty="0"/>
+                      </a:br>
+                      <a:r>
+                        <a:rPr lang="nb-NO" sz="1200" b="0" dirty="0"/>
+                        <a:t>HLA-DR </a:t>
+                      </a:r>
+                      <a:r>
+                        <a:rPr lang="nb-NO" sz="1200" b="0" dirty="0" err="1"/>
+                        <a:t>Mismatches</a:t>
+                      </a:r>
+                      <a:r>
+                        <a:rPr lang="nb-NO" sz="1200" b="0" dirty="0"/>
+                        <a:t>: 1.0</a:t>
+                      </a:r>
+                    </a:p>
+                  </a:txBody>
+                  <a:tcPr/>
+                </a:tc>
+                <a:tc hMerge="1">
+                  <a:txBody>
+                    <a:bodyPr/>
+                    <a:lstStyle/>
+                    <a:p>
+                      <a:endParaRPr lang="nb-NO" dirty="0"/>
+                    </a:p>
+                  </a:txBody>
+                  <a:tcPr/>
+                </a:tc>
+                <a:extLst>
+                  <a:ext uri="{0D108BD9-81ED-4DB2-BD59-A6C34878D82A}">
+                    <a16:rowId xmlns:a16="http://schemas.microsoft.com/office/drawing/2014/main" val="3243449554"/>
+                  </a:ext>
+                </a:extLst>
+              </a:tr>
+              <a:tr h="288913">
+                <a:tc>
+                  <a:txBody>
+                    <a:bodyPr/>
+                    <a:lstStyle/>
+                    <a:p>
+                      <a:pPr algn="ctr"/>
+                      <a:r>
+                        <a:rPr lang="is-IS" sz="1400" b="1" dirty="0"/>
+                        <a:t>Donor #3</a:t>
+                      </a:r>
+                      <a:endParaRPr lang="nb-NO" sz="1400" b="1" dirty="0"/>
+                    </a:p>
+                  </a:txBody>
+                  <a:tcPr/>
+                </a:tc>
+                <a:tc>
+                  <a:txBody>
+                    <a:bodyPr/>
+                    <a:lstStyle/>
+                    <a:p>
+                      <a:pPr marL="0" marR="0" lvl="0" indent="0" algn="ctr" defTabSz="914400" rtl="0" eaLnBrk="1" fontAlgn="auto" latinLnBrk="0" hangingPunct="1">
+                        <a:lnSpc>
+                          <a:spcPct val="100000"/>
+                        </a:lnSpc>
+                        <a:spcBef>
+                          <a:spcPts val="0"/>
+                        </a:spcBef>
+                        <a:spcAft>
+                          <a:spcPts val="0"/>
+                        </a:spcAft>
+                        <a:buClrTx/>
+                        <a:buSzTx/>
+                        <a:buFontTx/>
+                        <a:buNone/>
+                        <a:tabLst/>
+                        <a:defRPr/>
+                      </a:pPr>
+                      <a:r>
+                        <a:rPr lang="is-IS" sz="1400" b="1" dirty="0"/>
+                        <a:t>Recipient #3</a:t>
+                      </a:r>
+                      <a:endParaRPr lang="nb-NO" sz="1400" b="1" dirty="0"/>
+                    </a:p>
+                  </a:txBody>
+                  <a:tcPr/>
+                </a:tc>
+                <a:tc>
+                  <a:txBody>
+                    <a:bodyPr/>
+                    <a:lstStyle/>
+                    <a:p>
+                      <a:pPr marL="0" marR="0" lvl="0" indent="0" algn="ctr" defTabSz="914400" rtl="0" eaLnBrk="1" fontAlgn="auto" latinLnBrk="0" hangingPunct="1">
+                        <a:lnSpc>
+                          <a:spcPct val="100000"/>
+                        </a:lnSpc>
+                        <a:spcBef>
+                          <a:spcPts val="0"/>
+                        </a:spcBef>
+                        <a:spcAft>
+                          <a:spcPts val="0"/>
+                        </a:spcAft>
+                        <a:buClrTx/>
+                        <a:buSzTx/>
+                        <a:buFontTx/>
+                        <a:buNone/>
+                        <a:tabLst/>
+                        <a:defRPr/>
+                      </a:pPr>
+                      <a:r>
+                        <a:rPr lang="is-IS" sz="1400" b="1" dirty="0"/>
+                        <a:t>Donor #4</a:t>
+                      </a:r>
+                      <a:endParaRPr lang="nb-NO" sz="1400" b="1" dirty="0"/>
+                    </a:p>
+                  </a:txBody>
+                  <a:tcPr/>
+                </a:tc>
+                <a:tc>
+                  <a:txBody>
+                    <a:bodyPr/>
+                    <a:lstStyle/>
+                    <a:p>
+                      <a:pPr marL="0" marR="0" lvl="0" indent="0" algn="ctr" defTabSz="914400" rtl="0" eaLnBrk="1" fontAlgn="auto" latinLnBrk="0" hangingPunct="1">
+                        <a:lnSpc>
+                          <a:spcPct val="100000"/>
+                        </a:lnSpc>
+                        <a:spcBef>
+                          <a:spcPts val="0"/>
+                        </a:spcBef>
+                        <a:spcAft>
+                          <a:spcPts val="0"/>
+                        </a:spcAft>
+                        <a:buClrTx/>
+                        <a:buSzTx/>
+                        <a:buFontTx/>
+                        <a:buNone/>
+                        <a:tabLst/>
+                        <a:defRPr/>
+                      </a:pPr>
+                      <a:r>
+                        <a:rPr lang="is-IS" sz="1400" b="1" dirty="0"/>
+                        <a:t>Recipient #4</a:t>
+                      </a:r>
+                      <a:endParaRPr lang="nb-NO" sz="1400" b="1" dirty="0"/>
+                    </a:p>
+                  </a:txBody>
+                  <a:tcPr/>
+                </a:tc>
+                <a:extLst>
+                  <a:ext uri="{0D108BD9-81ED-4DB2-BD59-A6C34878D82A}">
+                    <a16:rowId xmlns:a16="http://schemas.microsoft.com/office/drawing/2014/main" val="1980868666"/>
+                  </a:ext>
+                </a:extLst>
+              </a:tr>
+              <a:tr h="1534910">
+                <a:tc>
+                  <a:txBody>
+                    <a:bodyPr/>
+                    <a:lstStyle/>
+                    <a:p>
+                      <a:r>
+                        <a:rPr lang="nb-NO" sz="1200" dirty="0" err="1"/>
+                        <a:t>Bloodtype</a:t>
+                      </a:r>
+                      <a:r>
+                        <a:rPr lang="nb-NO" sz="1200" dirty="0"/>
+                        <a:t>: </a:t>
+                      </a:r>
+                      <a:r>
+                        <a:rPr lang="nb-NO" sz="1200" b="0" dirty="0">
+                          <a:latin typeface="Calibri" panose="020F0502020204030204" pitchFamily="34" charset="0"/>
+                          <a:cs typeface="Calibri" panose="020F0502020204030204" pitchFamily="34" charset="0"/>
+                        </a:rPr>
+                        <a:t>ˈ</a:t>
+                      </a:r>
+                      <a:r>
+                        <a:rPr lang="nb-NO" sz="1200" dirty="0"/>
+                        <a:t>O</a:t>
+                      </a:r>
+                      <a:r>
+                        <a:rPr lang="nb-NO" sz="1200" b="0" dirty="0">
+                          <a:latin typeface="Calibri" panose="020F0502020204030204" pitchFamily="34" charset="0"/>
+                          <a:cs typeface="Calibri" panose="020F0502020204030204" pitchFamily="34" charset="0"/>
+                        </a:rPr>
+                        <a:t>ˈ</a:t>
+                      </a:r>
+                      <a:endParaRPr lang="nb-NO" sz="1200" dirty="0"/>
+                    </a:p>
+                    <a:p>
+                      <a:r>
+                        <a:rPr lang="nb-NO" sz="1200" dirty="0" err="1"/>
+                        <a:t>History</a:t>
+                      </a:r>
+                      <a:r>
+                        <a:rPr lang="nb-NO" sz="1200" dirty="0"/>
+                        <a:t> </a:t>
+                      </a:r>
+                      <a:r>
+                        <a:rPr lang="nb-NO" sz="1200" dirty="0" err="1"/>
+                        <a:t>of</a:t>
+                      </a:r>
+                      <a:r>
+                        <a:rPr lang="nb-NO" sz="1200" dirty="0"/>
+                        <a:t> Smoking: 0.0</a:t>
+                      </a:r>
+                    </a:p>
+                    <a:p>
+                      <a:r>
+                        <a:rPr lang="nb-NO" sz="1200" dirty="0"/>
+                        <a:t>Age: 19</a:t>
+                      </a:r>
+                      <a:br>
+                        <a:rPr lang="nb-NO" sz="1200" dirty="0"/>
+                      </a:br>
+                      <a:r>
+                        <a:rPr lang="nb-NO" sz="1200" dirty="0" err="1"/>
+                        <a:t>eGFR</a:t>
+                      </a:r>
+                      <a:r>
+                        <a:rPr lang="nb-NO" sz="1200" dirty="0"/>
+                        <a:t>: 104.52</a:t>
+                      </a:r>
+                    </a:p>
+                    <a:p>
+                      <a:r>
+                        <a:rPr lang="nb-NO" sz="1200" dirty="0"/>
+                        <a:t>BMI: 24.0</a:t>
+                      </a:r>
+                    </a:p>
+                    <a:p>
+                      <a:r>
+                        <a:rPr lang="nb-NO" sz="1200" dirty="0" err="1"/>
+                        <a:t>African</a:t>
+                      </a:r>
+                      <a:r>
+                        <a:rPr lang="nb-NO" sz="1200" dirty="0"/>
+                        <a:t> Heritage: 0</a:t>
+                      </a:r>
+                      <a:br>
+                        <a:rPr lang="nb-NO" sz="1200" dirty="0"/>
+                      </a:br>
+                      <a:r>
+                        <a:rPr lang="nb-NO" sz="1200" dirty="0"/>
+                        <a:t>SBP: 122.0</a:t>
+                      </a:r>
+                    </a:p>
+                    <a:p>
+                      <a:r>
+                        <a:rPr lang="nb-NO" sz="1200" dirty="0" err="1"/>
+                        <a:t>Gender</a:t>
+                      </a:r>
+                      <a:r>
+                        <a:rPr lang="nb-NO" sz="1200" dirty="0"/>
+                        <a:t>: 0</a:t>
+                      </a:r>
+                    </a:p>
+                  </a:txBody>
+                  <a:tcPr/>
+                </a:tc>
+                <a:tc>
+                  <a:txBody>
+                    <a:bodyPr/>
+                    <a:lstStyle/>
+                    <a:p>
+                      <a:r>
+                        <a:rPr lang="nb-NO" sz="1200" dirty="0" err="1"/>
+                        <a:t>Bloodtype</a:t>
+                      </a:r>
+                      <a:r>
+                        <a:rPr lang="nb-NO" sz="1200" dirty="0"/>
+                        <a:t>: </a:t>
+                      </a:r>
+                      <a:r>
+                        <a:rPr lang="nb-NO" sz="1200" b="0" dirty="0">
+                          <a:latin typeface="Calibri" panose="020F0502020204030204" pitchFamily="34" charset="0"/>
+                          <a:cs typeface="Calibri" panose="020F0502020204030204" pitchFamily="34" charset="0"/>
+                        </a:rPr>
+                        <a:t>ˈ</a:t>
+                      </a:r>
+                      <a:r>
+                        <a:rPr lang="nb-NO" sz="1200" dirty="0"/>
+                        <a:t>A</a:t>
+                      </a:r>
+                      <a:r>
+                        <a:rPr lang="nb-NO" sz="1200" b="0" dirty="0">
+                          <a:latin typeface="Calibri" panose="020F0502020204030204" pitchFamily="34" charset="0"/>
+                          <a:cs typeface="Calibri" panose="020F0502020204030204" pitchFamily="34" charset="0"/>
+                        </a:rPr>
+                        <a:t>ˈ</a:t>
+                      </a:r>
+                      <a:endParaRPr lang="nb-NO" sz="1200" dirty="0"/>
+                    </a:p>
+                    <a:p>
+                      <a:r>
+                        <a:rPr lang="nb-NO" sz="1200" dirty="0" err="1"/>
+                        <a:t>History</a:t>
+                      </a:r>
+                      <a:r>
+                        <a:rPr lang="nb-NO" sz="1200" dirty="0"/>
+                        <a:t> </a:t>
+                      </a:r>
+                      <a:r>
+                        <a:rPr lang="nb-NO" sz="1200" dirty="0" err="1"/>
+                        <a:t>of</a:t>
+                      </a:r>
+                      <a:r>
+                        <a:rPr lang="nb-NO" sz="1200" dirty="0"/>
+                        <a:t> Smoking: 1.0</a:t>
+                      </a:r>
+                    </a:p>
+                    <a:p>
+                      <a:r>
+                        <a:rPr lang="nb-NO" sz="1200" dirty="0"/>
+                        <a:t>Age: 44</a:t>
+                      </a:r>
+                      <a:br>
+                        <a:rPr lang="nb-NO" sz="1200" dirty="0"/>
+                      </a:br>
+                      <a:r>
+                        <a:rPr lang="nb-NO" sz="1200" dirty="0" err="1"/>
+                        <a:t>eGFR</a:t>
+                      </a:r>
+                      <a:r>
+                        <a:rPr lang="nb-NO" sz="1200" dirty="0"/>
+                        <a:t>: 88.55</a:t>
+                      </a:r>
+                    </a:p>
+                    <a:p>
+                      <a:r>
+                        <a:rPr lang="nb-NO" sz="1200" dirty="0"/>
+                        <a:t>BMI: 18.0</a:t>
+                      </a:r>
+                    </a:p>
+                    <a:p>
+                      <a:r>
+                        <a:rPr lang="nb-NO" sz="1200" dirty="0" err="1"/>
+                        <a:t>African</a:t>
+                      </a:r>
+                      <a:r>
+                        <a:rPr lang="nb-NO" sz="1200" dirty="0"/>
+                        <a:t> Heritage: 0</a:t>
+                      </a:r>
+                      <a:br>
+                        <a:rPr lang="nb-NO" sz="1200" dirty="0"/>
+                      </a:br>
+                      <a:r>
+                        <a:rPr lang="nb-NO" sz="1200" dirty="0"/>
+                        <a:t>SBP: 122.0</a:t>
+                      </a:r>
+                    </a:p>
+                    <a:p>
+                      <a:r>
+                        <a:rPr lang="nb-NO" sz="1200" dirty="0" err="1"/>
+                        <a:t>Gender</a:t>
+                      </a:r>
+                      <a:r>
+                        <a:rPr lang="nb-NO" sz="1200" dirty="0"/>
+                        <a:t>: 0</a:t>
+                      </a:r>
+                    </a:p>
+                  </a:txBody>
+                  <a:tcPr/>
+                </a:tc>
+                <a:tc>
+                  <a:txBody>
+                    <a:bodyPr/>
+                    <a:lstStyle/>
+                    <a:p>
+                      <a:r>
+                        <a:rPr lang="nb-NO" sz="1200" dirty="0" err="1"/>
+                        <a:t>Bloodtype</a:t>
+                      </a:r>
+                      <a:r>
+                        <a:rPr lang="nb-NO" sz="1200" dirty="0"/>
+                        <a:t>: </a:t>
+                      </a:r>
+                      <a:r>
+                        <a:rPr lang="nb-NO" sz="1200" b="0" dirty="0">
+                          <a:latin typeface="Calibri" panose="020F0502020204030204" pitchFamily="34" charset="0"/>
+                          <a:cs typeface="Calibri" panose="020F0502020204030204" pitchFamily="34" charset="0"/>
+                        </a:rPr>
+                        <a:t>ˈ</a:t>
+                      </a:r>
+                      <a:r>
+                        <a:rPr lang="nb-NO" sz="1200" dirty="0"/>
+                        <a:t>O</a:t>
+                      </a:r>
+                      <a:r>
+                        <a:rPr lang="nb-NO" sz="1200" b="0" dirty="0">
+                          <a:latin typeface="Calibri" panose="020F0502020204030204" pitchFamily="34" charset="0"/>
+                          <a:cs typeface="Calibri" panose="020F0502020204030204" pitchFamily="34" charset="0"/>
+                        </a:rPr>
+                        <a:t>ˈ</a:t>
+                      </a:r>
+                      <a:endParaRPr lang="nb-NO" sz="1200" dirty="0"/>
+                    </a:p>
+                    <a:p>
+                      <a:r>
+                        <a:rPr lang="nb-NO" sz="1200" dirty="0" err="1"/>
+                        <a:t>History</a:t>
+                      </a:r>
+                      <a:r>
+                        <a:rPr lang="nb-NO" sz="1200" dirty="0"/>
+                        <a:t> </a:t>
+                      </a:r>
+                      <a:r>
+                        <a:rPr lang="nb-NO" sz="1200" dirty="0" err="1"/>
+                        <a:t>of</a:t>
+                      </a:r>
+                      <a:r>
+                        <a:rPr lang="nb-NO" sz="1200" dirty="0"/>
+                        <a:t> Smoking: 0.0</a:t>
+                      </a:r>
+                    </a:p>
+                    <a:p>
+                      <a:r>
+                        <a:rPr lang="nb-NO" sz="1200" dirty="0"/>
+                        <a:t>Age: 36</a:t>
+                      </a:r>
+                      <a:br>
+                        <a:rPr lang="nb-NO" sz="1200" dirty="0"/>
+                      </a:br>
+                      <a:r>
+                        <a:rPr lang="nb-NO" sz="1200" dirty="0" err="1"/>
+                        <a:t>eGFR</a:t>
+                      </a:r>
+                      <a:r>
+                        <a:rPr lang="nb-NO" sz="1200" dirty="0"/>
+                        <a:t>: 86.52</a:t>
+                      </a:r>
+                    </a:p>
+                    <a:p>
+                      <a:r>
+                        <a:rPr lang="nb-NO" sz="1200" dirty="0"/>
+                        <a:t>BMI: 20.0</a:t>
+                      </a:r>
+                    </a:p>
+                    <a:p>
+                      <a:r>
+                        <a:rPr lang="nb-NO" sz="1200" dirty="0" err="1"/>
+                        <a:t>African</a:t>
+                      </a:r>
+                      <a:r>
+                        <a:rPr lang="nb-NO" sz="1200" dirty="0"/>
+                        <a:t> Heritage: 0</a:t>
+                      </a:r>
+                      <a:br>
+                        <a:rPr lang="nb-NO" sz="1200" dirty="0"/>
+                      </a:br>
+                      <a:r>
+                        <a:rPr lang="nb-NO" sz="1200" dirty="0"/>
+                        <a:t>SBP: 122.0</a:t>
+                      </a:r>
+                    </a:p>
+                    <a:p>
+                      <a:r>
+                        <a:rPr lang="nb-NO" sz="1200" dirty="0" err="1"/>
+                        <a:t>Gender</a:t>
+                      </a:r>
+                      <a:r>
+                        <a:rPr lang="nb-NO" sz="1200" dirty="0"/>
+                        <a:t>: 0</a:t>
+                      </a:r>
+                    </a:p>
+                  </a:txBody>
+                  <a:tcPr/>
+                </a:tc>
+                <a:tc>
+                  <a:txBody>
+                    <a:bodyPr/>
+                    <a:lstStyle/>
+                    <a:p>
+                      <a:r>
+                        <a:rPr lang="nb-NO" sz="1200" dirty="0" err="1"/>
+                        <a:t>Bloodtype</a:t>
+                      </a:r>
+                      <a:r>
+                        <a:rPr lang="nb-NO" sz="1200" dirty="0"/>
+                        <a:t>: </a:t>
+                      </a:r>
+                      <a:r>
+                        <a:rPr lang="nb-NO" sz="1200" b="0" dirty="0">
+                          <a:latin typeface="Calibri" panose="020F0502020204030204" pitchFamily="34" charset="0"/>
+                          <a:cs typeface="Calibri" panose="020F0502020204030204" pitchFamily="34" charset="0"/>
+                        </a:rPr>
+                        <a:t>ˈ</a:t>
+                      </a:r>
+                      <a:r>
+                        <a:rPr lang="nb-NO" sz="1200" dirty="0"/>
+                        <a:t>A</a:t>
+                      </a:r>
+                      <a:r>
+                        <a:rPr lang="nb-NO" sz="1200" b="0" dirty="0">
+                          <a:latin typeface="Calibri" panose="020F0502020204030204" pitchFamily="34" charset="0"/>
+                          <a:cs typeface="Calibri" panose="020F0502020204030204" pitchFamily="34" charset="0"/>
+                        </a:rPr>
+                        <a:t>ˈ</a:t>
+                      </a:r>
+                      <a:endParaRPr lang="nb-NO" sz="1200" dirty="0"/>
+                    </a:p>
+                    <a:p>
+                      <a:r>
+                        <a:rPr lang="nb-NO" sz="1200" dirty="0" err="1"/>
+                        <a:t>History</a:t>
+                      </a:r>
+                      <a:r>
+                        <a:rPr lang="nb-NO" sz="1200" dirty="0"/>
+                        <a:t> </a:t>
+                      </a:r>
+                      <a:r>
+                        <a:rPr lang="nb-NO" sz="1200" dirty="0" err="1"/>
+                        <a:t>of</a:t>
+                      </a:r>
+                      <a:r>
+                        <a:rPr lang="nb-NO" sz="1200" dirty="0"/>
+                        <a:t> Smoking: 0.0</a:t>
+                      </a:r>
+                    </a:p>
+                    <a:p>
+                      <a:r>
+                        <a:rPr lang="nb-NO" sz="1200" dirty="0"/>
+                        <a:t>Age: 27</a:t>
+                      </a:r>
+                      <a:br>
+                        <a:rPr lang="nb-NO" sz="1200" dirty="0"/>
+                      </a:br>
+                      <a:r>
+                        <a:rPr lang="nb-NO" sz="1200" dirty="0" err="1"/>
+                        <a:t>eGFR</a:t>
+                      </a:r>
+                      <a:r>
+                        <a:rPr lang="nb-NO" sz="1200" dirty="0"/>
+                        <a:t>: 81.81</a:t>
+                      </a:r>
+                    </a:p>
+                    <a:p>
+                      <a:r>
+                        <a:rPr lang="nb-NO" sz="1200" dirty="0"/>
+                        <a:t>BMI: 27.0</a:t>
+                      </a:r>
+                    </a:p>
+                    <a:p>
+                      <a:r>
+                        <a:rPr lang="nb-NO" sz="1200" dirty="0" err="1"/>
+                        <a:t>African</a:t>
+                      </a:r>
+                      <a:r>
+                        <a:rPr lang="nb-NO" sz="1200" dirty="0"/>
+                        <a:t> Heritage: 0</a:t>
+                      </a:r>
+                      <a:br>
+                        <a:rPr lang="nb-NO" sz="1200" dirty="0"/>
+                      </a:br>
+                      <a:r>
+                        <a:rPr lang="nb-NO" sz="1200" dirty="0"/>
+                        <a:t>SBP: 108.0</a:t>
+                      </a:r>
+                    </a:p>
+                    <a:p>
+                      <a:r>
+                        <a:rPr lang="nb-NO" sz="1200" dirty="0"/>
+                        <a:t> </a:t>
+                      </a:r>
+                      <a:r>
+                        <a:rPr lang="nb-NO" sz="1200" dirty="0" err="1"/>
+                        <a:t>Gender</a:t>
+                      </a:r>
+                      <a:r>
+                        <a:rPr lang="nb-NO" sz="1200" dirty="0"/>
+                        <a:t>: 1</a:t>
+                      </a:r>
+                    </a:p>
+                  </a:txBody>
+                  <a:tcPr/>
+                </a:tc>
+                <a:extLst>
+                  <a:ext uri="{0D108BD9-81ED-4DB2-BD59-A6C34878D82A}">
+                    <a16:rowId xmlns:a16="http://schemas.microsoft.com/office/drawing/2014/main" val="2790948535"/>
+                  </a:ext>
+                </a:extLst>
+              </a:tr>
+              <a:tr h="661416">
+                <a:tc gridSpan="2">
+                  <a:txBody>
+                    <a:bodyPr/>
+                    <a:lstStyle/>
+                    <a:p>
+                      <a:pPr algn="ctr"/>
+                      <a:r>
+                        <a:rPr lang="nb-NO" sz="1200" dirty="0" err="1"/>
+                        <a:t>Unrelated</a:t>
+                      </a:r>
+                      <a:r>
+                        <a:rPr lang="nb-NO" sz="1200" dirty="0"/>
+                        <a:t>: 1.0</a:t>
+                      </a:r>
+                    </a:p>
+                    <a:p>
+                      <a:pPr algn="ctr"/>
+                      <a:r>
+                        <a:rPr lang="nb-NO" sz="1200" dirty="0"/>
+                        <a:t>HLA-B </a:t>
+                      </a:r>
+                      <a:r>
+                        <a:rPr lang="nb-NO" sz="1200" dirty="0" err="1"/>
+                        <a:t>Mismatches</a:t>
+                      </a:r>
+                      <a:r>
+                        <a:rPr lang="nb-NO" sz="1200" dirty="0"/>
+                        <a:t>: 1.0</a:t>
+                      </a:r>
+                      <a:br>
+                        <a:rPr lang="nb-NO" sz="1200" dirty="0"/>
+                      </a:br>
+                      <a:r>
+                        <a:rPr lang="nb-NO" sz="1200" dirty="0"/>
+                        <a:t>HLA-DR </a:t>
+                      </a:r>
+                      <a:r>
+                        <a:rPr lang="nb-NO" sz="1200" dirty="0" err="1"/>
+                        <a:t>Mismatches</a:t>
+                      </a:r>
+                      <a:r>
+                        <a:rPr lang="nb-NO" sz="1200" dirty="0"/>
+                        <a:t>: 0.0</a:t>
+                      </a:r>
+                    </a:p>
+                  </a:txBody>
+                  <a:tcPr/>
+                </a:tc>
+                <a:tc hMerge="1">
+                  <a:txBody>
+                    <a:bodyPr/>
+                    <a:lstStyle/>
+                    <a:p>
+                      <a:endParaRPr lang="nb-NO" dirty="0"/>
+                    </a:p>
+                  </a:txBody>
+                  <a:tcPr/>
+                </a:tc>
+                <a:tc gridSpan="2">
+                  <a:txBody>
+                    <a:bodyPr/>
+                    <a:lstStyle/>
+                    <a:p>
+                      <a:pPr algn="ctr"/>
+                      <a:r>
+                        <a:rPr lang="nb-NO" sz="1200" dirty="0" err="1"/>
+                        <a:t>Unrelated</a:t>
+                      </a:r>
+                      <a:r>
+                        <a:rPr lang="nb-NO" sz="1200" dirty="0"/>
+                        <a:t>: 1.0</a:t>
+                      </a:r>
+                    </a:p>
+                    <a:p>
+                      <a:pPr algn="ctr"/>
+                      <a:r>
+                        <a:rPr lang="nb-NO" sz="1200" dirty="0"/>
+                        <a:t>HLA-B </a:t>
+                      </a:r>
+                      <a:r>
+                        <a:rPr lang="nb-NO" sz="1200" dirty="0" err="1"/>
+                        <a:t>Mismatches</a:t>
+                      </a:r>
+                      <a:r>
+                        <a:rPr lang="nb-NO" sz="1200" dirty="0"/>
+                        <a:t>: 1.0</a:t>
+                      </a:r>
+                      <a:br>
+                        <a:rPr lang="nb-NO" sz="1200" dirty="0"/>
+                      </a:br>
+                      <a:r>
+                        <a:rPr lang="nb-NO" sz="1200" dirty="0"/>
+                        <a:t>HLA-DR </a:t>
+                      </a:r>
+                      <a:r>
+                        <a:rPr lang="nb-NO" sz="1200" dirty="0" err="1"/>
+                        <a:t>Mismatches</a:t>
+                      </a:r>
+                      <a:r>
+                        <a:rPr lang="nb-NO" sz="1200" dirty="0"/>
+                        <a:t>: 1.0</a:t>
+                      </a:r>
+                    </a:p>
+                  </a:txBody>
+                  <a:tcPr/>
+                </a:tc>
+                <a:tc hMerge="1">
+                  <a:txBody>
+                    <a:bodyPr/>
+                    <a:lstStyle/>
+                    <a:p>
+                      <a:endParaRPr lang="nb-NO" dirty="0"/>
+                    </a:p>
+                  </a:txBody>
+                  <a:tcPr/>
+                </a:tc>
+                <a:extLst>
+                  <a:ext uri="{0D108BD9-81ED-4DB2-BD59-A6C34878D82A}">
+                    <a16:rowId xmlns:a16="http://schemas.microsoft.com/office/drawing/2014/main" val="3211128030"/>
+                  </a:ext>
+                </a:extLst>
+              </a:tr>
+            </a:tbl>
+          </a:graphicData>
+        </a:graphic>
+      </p:graphicFrame>
+    </p:spTree>
+    <p:extLst>
+      <p:ext uri="{BB962C8B-B14F-4D97-AF65-F5344CB8AC3E}">
+        <p14:creationId xmlns:p14="http://schemas.microsoft.com/office/powerpoint/2010/main" val="2853478543"/>
+      </p:ext>
+    </p:extLst>
+  </p:cSld>
+  <p:clrMapOvr>
+    <a:masterClrMapping/>
+  </p:clrMapOvr>
+</p:sld>
+</file>
+
+<file path=ppt/slides/slide11.xml><?xml version="1.0" encoding="utf-8"?>
+<p:sld xmlns:a="http://schemas.openxmlformats.org/drawingml/2006/main" xmlns:r="http://schemas.openxmlformats.org/officeDocument/2006/relationships" xmlns:p="http://schemas.openxmlformats.org/presentationml/2006/main">
+  <p:cSld>
+    <p:spTree>
+      <p:nvGrpSpPr>
+        <p:cNvPr id="1" name=""/>
+        <p:cNvGrpSpPr/>
+        <p:nvPr/>
+      </p:nvGrpSpPr>
+      <p:grpSpPr>
+        <a:xfrm>
+          <a:off x="0" y="0"/>
+          <a:ext cx="0" cy="0"/>
+          <a:chOff x="0" y="0"/>
+          <a:chExt cx="0" cy="0"/>
+        </a:xfrm>
+      </p:grpSpPr>
+      <p:sp>
+        <p:nvSpPr>
+          <p:cNvPr id="2" name="Title 1">
+            <a:extLst>
+              <a:ext uri="{FF2B5EF4-FFF2-40B4-BE49-F238E27FC236}">
+                <a16:creationId xmlns:a16="http://schemas.microsoft.com/office/drawing/2014/main" id="{08169518-1F9D-466B-8727-040589FDDF01}"/>
+              </a:ext>
+            </a:extLst>
+          </p:cNvPr>
+          <p:cNvSpPr>
+            <a:spLocks noGrp="1"/>
+          </p:cNvSpPr>
+          <p:nvPr>
+            <p:ph type="title"/>
+          </p:nvPr>
+        </p:nvSpPr>
+        <p:spPr/>
+        <p:txBody>
+          <a:bodyPr/>
+          <a:lstStyle/>
+          <a:p>
+            <a:r>
+              <a:rPr lang="is-IS" dirty="0"/>
+              <a:t>Kidney Exchange Program: Results</a:t>
+            </a:r>
+            <a:endParaRPr lang="nb-NO" dirty="0"/>
+          </a:p>
+        </p:txBody>
+      </p:sp>
+      <p:sp>
+        <p:nvSpPr>
+          <p:cNvPr id="3" name="Text Placeholder 2">
+            <a:extLst>
+              <a:ext uri="{FF2B5EF4-FFF2-40B4-BE49-F238E27FC236}">
+                <a16:creationId xmlns:a16="http://schemas.microsoft.com/office/drawing/2014/main" id="{CEA888C6-CA67-4E84-80AD-DA8CBCBBC2BA}"/>
+              </a:ext>
+            </a:extLst>
+          </p:cNvPr>
+          <p:cNvSpPr>
+            <a:spLocks noGrp="1"/>
+          </p:cNvSpPr>
+          <p:nvPr>
+            <p:ph type="body" idx="1"/>
+          </p:nvPr>
+        </p:nvSpPr>
+        <p:spPr/>
+        <p:txBody>
+          <a:bodyPr/>
+          <a:lstStyle/>
+          <a:p>
+            <a:pPr algn="ctr"/>
+            <a:r>
+              <a:rPr lang="is-IS" dirty="0"/>
+              <a:t>Possible Kidney Exchanges</a:t>
+            </a:r>
+            <a:endParaRPr lang="nb-NO" dirty="0"/>
+          </a:p>
+        </p:txBody>
+      </p:sp>
+      <p:sp>
+        <p:nvSpPr>
+          <p:cNvPr id="5" name="Text Placeholder 4">
+            <a:extLst>
+              <a:ext uri="{FF2B5EF4-FFF2-40B4-BE49-F238E27FC236}">
+                <a16:creationId xmlns:a16="http://schemas.microsoft.com/office/drawing/2014/main" id="{B5924681-0DEE-40A0-A93B-2CF61F6F1862}"/>
+              </a:ext>
+            </a:extLst>
+          </p:cNvPr>
+          <p:cNvSpPr>
+            <a:spLocks noGrp="1"/>
+          </p:cNvSpPr>
+          <p:nvPr>
+            <p:ph type="body" sz="quarter" idx="3"/>
+          </p:nvPr>
+        </p:nvSpPr>
+        <p:spPr/>
+        <p:txBody>
+          <a:bodyPr/>
+          <a:lstStyle/>
+          <a:p>
+            <a:pPr algn="ctr"/>
+            <a:r>
+              <a:rPr lang="is-IS" dirty="0"/>
+              <a:t>Best 3-way Exchange Kidney Chain</a:t>
+            </a:r>
+            <a:endParaRPr lang="nb-NO" dirty="0"/>
+          </a:p>
+        </p:txBody>
+      </p:sp>
+      <p:pic>
+        <p:nvPicPr>
+          <p:cNvPr id="2050" name="Picture 2" descr="https://raw.githubusercontent.com/Kjarten/KidneyExchange-IS/master/image_2A.png?token=AKJGZRX36XZUIF2ROQ324NC53RKBG">
+            <a:extLst>
+              <a:ext uri="{FF2B5EF4-FFF2-40B4-BE49-F238E27FC236}">
+                <a16:creationId xmlns:a16="http://schemas.microsoft.com/office/drawing/2014/main" id="{23D74B4C-1CB5-479D-884F-3C7EF7FC3FE9}"/>
+              </a:ext>
+            </a:extLst>
+          </p:cNvPr>
+          <p:cNvPicPr>
+            <a:picLocks noGrp="1" noChangeAspect="1" noChangeArrowheads="1"/>
+          </p:cNvPicPr>
+          <p:nvPr>
+            <p:ph sz="half" idx="2"/>
+          </p:nvPr>
+        </p:nvPicPr>
+        <p:blipFill>
+          <a:blip r:embed="rId2">
+            <a:extLst>
+              <a:ext uri="{28A0092B-C50C-407E-A947-70E740481C1C}">
+                <a14:useLocalDpi xmlns:a14="http://schemas.microsoft.com/office/drawing/2010/main" val="0"/>
+              </a:ext>
+            </a:extLst>
+          </a:blip>
+          <a:srcRect/>
+          <a:stretch>
+            <a:fillRect/>
+          </a:stretch>
+        </p:blipFill>
+        <p:spPr bwMode="auto">
+          <a:xfrm>
+            <a:off x="984404" y="2505075"/>
+            <a:ext cx="4868554" cy="3684588"/>
+          </a:xfrm>
+          <a:prstGeom prst="rect">
+            <a:avLst/>
+          </a:prstGeom>
+          <a:noFill/>
+          <a:extLst>
+            <a:ext uri="{909E8E84-426E-40DD-AFC4-6F175D3DCCD1}">
+              <a14:hiddenFill xmlns:a14="http://schemas.microsoft.com/office/drawing/2010/main">
+                <a:solidFill>
+                  <a:srgbClr val="FFFFFF"/>
+                </a:solidFill>
+              </a14:hiddenFill>
+            </a:ext>
+          </a:extLst>
+        </p:spPr>
+      </p:pic>
+      <p:pic>
+        <p:nvPicPr>
+          <p:cNvPr id="2052" name="Picture 4" descr="https://raw.githubusercontent.com/Kjarten/KidneyExchange-IS/master/image_2B.png?token=AKJGZRXEITRWOF72KJRY6BK53RKDE">
+            <a:extLst>
+              <a:ext uri="{FF2B5EF4-FFF2-40B4-BE49-F238E27FC236}">
+                <a16:creationId xmlns:a16="http://schemas.microsoft.com/office/drawing/2014/main" id="{953EC5D7-CDD9-45C2-9568-22A1E947CD39}"/>
+              </a:ext>
+            </a:extLst>
+          </p:cNvPr>
+          <p:cNvPicPr>
+            <a:picLocks noGrp="1" noChangeAspect="1" noChangeArrowheads="1"/>
+          </p:cNvPicPr>
+          <p:nvPr>
+            <p:ph sz="quarter" idx="4"/>
+          </p:nvPr>
+        </p:nvPicPr>
+        <p:blipFill>
+          <a:blip r:embed="rId3">
+            <a:extLst>
+              <a:ext uri="{28A0092B-C50C-407E-A947-70E740481C1C}">
+                <a14:useLocalDpi xmlns:a14="http://schemas.microsoft.com/office/drawing/2010/main" val="0"/>
+              </a:ext>
+            </a:extLst>
+          </a:blip>
+          <a:srcRect/>
+          <a:stretch>
+            <a:fillRect/>
+          </a:stretch>
+        </p:blipFill>
+        <p:spPr bwMode="auto">
+          <a:xfrm>
+            <a:off x="6329517" y="2505075"/>
+            <a:ext cx="4868554" cy="3684588"/>
+          </a:xfrm>
+          <a:prstGeom prst="rect">
+            <a:avLst/>
+          </a:prstGeom>
+          <a:noFill/>
+          <a:extLst>
+            <a:ext uri="{909E8E84-426E-40DD-AFC4-6F175D3DCCD1}">
+              <a14:hiddenFill xmlns:a14="http://schemas.microsoft.com/office/drawing/2010/main">
+                <a:solidFill>
+                  <a:srgbClr val="FFFFFF"/>
+                </a:solidFill>
+              </a14:hiddenFill>
+            </a:ext>
+          </a:extLst>
+        </p:spPr>
+      </p:pic>
+    </p:spTree>
+    <p:extLst>
+      <p:ext uri="{BB962C8B-B14F-4D97-AF65-F5344CB8AC3E}">
+        <p14:creationId xmlns:p14="http://schemas.microsoft.com/office/powerpoint/2010/main" val="3817738234"/>
+      </p:ext>
+    </p:extLst>
+  </p:cSld>
+  <p:clrMapOvr>
+    <a:masterClrMapping/>
+  </p:clrMapOvr>
+</p:sld>
+</file>
+
+<file path=ppt/slides/slide12.xml><?xml version="1.0" encoding="utf-8"?>
+<p:sld xmlns:a="http://schemas.openxmlformats.org/drawingml/2006/main" xmlns:r="http://schemas.openxmlformats.org/officeDocument/2006/relationships" xmlns:p="http://schemas.openxmlformats.org/presentationml/2006/main">
+  <p:cSld>
+    <p:spTree>
+      <p:nvGrpSpPr>
+        <p:cNvPr id="1" name=""/>
+        <p:cNvGrpSpPr/>
+        <p:nvPr/>
+      </p:nvGrpSpPr>
+      <p:grpSpPr>
+        <a:xfrm>
+          <a:off x="0" y="0"/>
+          <a:ext cx="0" cy="0"/>
+          <a:chOff x="0" y="0"/>
+          <a:chExt cx="0" cy="0"/>
+        </a:xfrm>
+      </p:grpSpPr>
+      <p:sp>
+        <p:nvSpPr>
+          <p:cNvPr id="2" name="Title 1">
+            <a:extLst>
+              <a:ext uri="{FF2B5EF4-FFF2-40B4-BE49-F238E27FC236}">
+                <a16:creationId xmlns:a16="http://schemas.microsoft.com/office/drawing/2014/main" id="{F1EF527D-7970-47E2-A27C-15304FD77297}"/>
+              </a:ext>
+            </a:extLst>
+          </p:cNvPr>
+          <p:cNvSpPr>
+            <a:spLocks noGrp="1"/>
+          </p:cNvSpPr>
+          <p:nvPr>
+            <p:ph type="title"/>
+          </p:nvPr>
+        </p:nvSpPr>
+        <p:spPr/>
+        <p:txBody>
+          <a:bodyPr/>
+          <a:lstStyle/>
+          <a:p>
+            <a:r>
+              <a:rPr lang="is-IS" dirty="0"/>
+              <a:t>Kidney Exchange Program: Results</a:t>
+            </a:r>
+            <a:endParaRPr lang="nb-NO" dirty="0"/>
+          </a:p>
+        </p:txBody>
+      </p:sp>
+      <p:graphicFrame>
+        <p:nvGraphicFramePr>
+          <p:cNvPr id="4" name="Content Placeholder 3">
+            <a:extLst>
+              <a:ext uri="{FF2B5EF4-FFF2-40B4-BE49-F238E27FC236}">
+                <a16:creationId xmlns:a16="http://schemas.microsoft.com/office/drawing/2014/main" id="{027CC554-5DA5-4F75-859A-C7FCD892942E}"/>
+              </a:ext>
+            </a:extLst>
+          </p:cNvPr>
+          <p:cNvGraphicFramePr>
+            <a:graphicFrameLocks noGrp="1"/>
+          </p:cNvGraphicFramePr>
+          <p:nvPr>
+            <p:ph idx="1"/>
+            <p:extLst>
+              <p:ext uri="{D42A27DB-BD31-4B8C-83A1-F6EECF244321}">
+                <p14:modId xmlns:p14="http://schemas.microsoft.com/office/powerpoint/2010/main" val="345453150"/>
+              </p:ext>
+            </p:extLst>
+          </p:nvPr>
+        </p:nvGraphicFramePr>
+        <p:xfrm>
+          <a:off x="1134999" y="1999361"/>
+          <a:ext cx="9922002" cy="2499360"/>
+        </p:xfrm>
+        <a:graphic>
+          <a:graphicData uri="http://schemas.openxmlformats.org/drawingml/2006/table">
+            <a:tbl>
+              <a:tblPr firstRow="1" bandRow="1">
+                <a:tableStyleId>{0505E3EF-67EA-436B-97B2-0124C06EBD24}</a:tableStyleId>
+              </a:tblPr>
+              <a:tblGrid>
+                <a:gridCol w="1653667">
+                  <a:extLst>
+                    <a:ext uri="{9D8B030D-6E8A-4147-A177-3AD203B41FA5}">
+                      <a16:colId xmlns:a16="http://schemas.microsoft.com/office/drawing/2014/main" val="329480618"/>
+                    </a:ext>
+                  </a:extLst>
+                </a:gridCol>
+                <a:gridCol w="1653667">
+                  <a:extLst>
+                    <a:ext uri="{9D8B030D-6E8A-4147-A177-3AD203B41FA5}">
+                      <a16:colId xmlns:a16="http://schemas.microsoft.com/office/drawing/2014/main" val="988528891"/>
+                    </a:ext>
+                  </a:extLst>
+                </a:gridCol>
+                <a:gridCol w="1653667">
+                  <a:extLst>
+                    <a:ext uri="{9D8B030D-6E8A-4147-A177-3AD203B41FA5}">
+                      <a16:colId xmlns:a16="http://schemas.microsoft.com/office/drawing/2014/main" val="4011600564"/>
+                    </a:ext>
+                  </a:extLst>
+                </a:gridCol>
+                <a:gridCol w="1653667">
+                  <a:extLst>
+                    <a:ext uri="{9D8B030D-6E8A-4147-A177-3AD203B41FA5}">
+                      <a16:colId xmlns:a16="http://schemas.microsoft.com/office/drawing/2014/main" val="1840455392"/>
+                    </a:ext>
+                  </a:extLst>
+                </a:gridCol>
+                <a:gridCol w="1653667">
+                  <a:extLst>
+                    <a:ext uri="{9D8B030D-6E8A-4147-A177-3AD203B41FA5}">
+                      <a16:colId xmlns:a16="http://schemas.microsoft.com/office/drawing/2014/main" val="1086113150"/>
+                    </a:ext>
+                  </a:extLst>
+                </a:gridCol>
+                <a:gridCol w="1653667">
+                  <a:extLst>
+                    <a:ext uri="{9D8B030D-6E8A-4147-A177-3AD203B41FA5}">
+                      <a16:colId xmlns:a16="http://schemas.microsoft.com/office/drawing/2014/main" val="4283244130"/>
+                    </a:ext>
+                  </a:extLst>
+                </a:gridCol>
+              </a:tblGrid>
+              <a:tr h="0">
+                <a:tc>
+                  <a:txBody>
+                    <a:bodyPr/>
+                    <a:lstStyle/>
+                    <a:p>
+                      <a:pPr algn="ctr"/>
+                      <a:r>
+                        <a:rPr lang="is-IS" sz="1400" dirty="0"/>
+                        <a:t>Donor #1</a:t>
+                      </a:r>
+                      <a:endParaRPr lang="nb-NO" sz="1400" dirty="0"/>
+                    </a:p>
+                  </a:txBody>
+                  <a:tcPr/>
+                </a:tc>
+                <a:tc>
+                  <a:txBody>
+                    <a:bodyPr/>
+                    <a:lstStyle/>
+                    <a:p>
+                      <a:pPr algn="ctr"/>
+                      <a:r>
+                        <a:rPr lang="is-IS" sz="1400"/>
+                        <a:t>Recipient #1</a:t>
+                      </a:r>
+                      <a:endParaRPr lang="nb-NO" sz="1400" dirty="0"/>
+                    </a:p>
+                  </a:txBody>
+                  <a:tcPr/>
+                </a:tc>
+                <a:tc>
+                  <a:txBody>
+                    <a:bodyPr/>
+                    <a:lstStyle/>
+                    <a:p>
+                      <a:pPr marL="0" marR="0" lvl="0" indent="0" algn="ctr" defTabSz="914400" rtl="0" eaLnBrk="1" fontAlgn="auto" latinLnBrk="0" hangingPunct="1">
+                        <a:lnSpc>
+                          <a:spcPct val="100000"/>
+                        </a:lnSpc>
+                        <a:spcBef>
+                          <a:spcPts val="0"/>
+                        </a:spcBef>
+                        <a:spcAft>
+                          <a:spcPts val="0"/>
+                        </a:spcAft>
+                        <a:buClrTx/>
+                        <a:buSzTx/>
+                        <a:buFontTx/>
+                        <a:buNone/>
+                        <a:tabLst/>
+                        <a:defRPr/>
+                      </a:pPr>
+                      <a:r>
+                        <a:rPr lang="is-IS" sz="1400" dirty="0"/>
+                        <a:t>Donor #2</a:t>
+                      </a:r>
+                      <a:endParaRPr lang="nb-NO" sz="1400" dirty="0"/>
+                    </a:p>
+                  </a:txBody>
+                  <a:tcPr/>
+                </a:tc>
+                <a:tc>
+                  <a:txBody>
+                    <a:bodyPr/>
+                    <a:lstStyle/>
+                    <a:p>
+                      <a:pPr marL="0" marR="0" lvl="0" indent="0" algn="ctr" defTabSz="914400" rtl="0" eaLnBrk="1" fontAlgn="auto" latinLnBrk="0" hangingPunct="1">
+                        <a:lnSpc>
+                          <a:spcPct val="100000"/>
+                        </a:lnSpc>
+                        <a:spcBef>
+                          <a:spcPts val="0"/>
+                        </a:spcBef>
+                        <a:spcAft>
+                          <a:spcPts val="0"/>
+                        </a:spcAft>
+                        <a:buClrTx/>
+                        <a:buSzTx/>
+                        <a:buFontTx/>
+                        <a:buNone/>
+                        <a:tabLst/>
+                        <a:defRPr/>
+                      </a:pPr>
+                      <a:r>
+                        <a:rPr lang="is-IS" sz="1400" dirty="0"/>
+                        <a:t>Recipient #2</a:t>
+                      </a:r>
+                      <a:endParaRPr lang="nb-NO" sz="1400" dirty="0"/>
+                    </a:p>
+                  </a:txBody>
+                  <a:tcPr/>
+                </a:tc>
+                <a:tc>
+                  <a:txBody>
+                    <a:bodyPr/>
+                    <a:lstStyle/>
+                    <a:p>
+                      <a:pPr marL="0" marR="0" lvl="0" indent="0" algn="ctr" defTabSz="914400" rtl="0" eaLnBrk="1" fontAlgn="auto" latinLnBrk="0" hangingPunct="1">
+                        <a:lnSpc>
+                          <a:spcPct val="100000"/>
+                        </a:lnSpc>
+                        <a:spcBef>
+                          <a:spcPts val="0"/>
+                        </a:spcBef>
+                        <a:spcAft>
+                          <a:spcPts val="0"/>
+                        </a:spcAft>
+                        <a:buClrTx/>
+                        <a:buSzTx/>
+                        <a:buFontTx/>
+                        <a:buNone/>
+                        <a:tabLst/>
+                        <a:defRPr/>
+                      </a:pPr>
+                      <a:r>
+                        <a:rPr lang="is-IS" sz="1400" b="1" dirty="0"/>
+                        <a:t>Donor #3</a:t>
+                      </a:r>
+                      <a:endParaRPr lang="nb-NO" sz="1400" b="1" dirty="0"/>
+                    </a:p>
+                  </a:txBody>
+                  <a:tcPr/>
+                </a:tc>
+                <a:tc>
+                  <a:txBody>
+                    <a:bodyPr/>
+                    <a:lstStyle/>
+                    <a:p>
+                      <a:pPr marL="0" marR="0" lvl="0" indent="0" algn="ctr" defTabSz="914400" rtl="0" eaLnBrk="1" fontAlgn="auto" latinLnBrk="0" hangingPunct="1">
+                        <a:lnSpc>
+                          <a:spcPct val="100000"/>
+                        </a:lnSpc>
+                        <a:spcBef>
+                          <a:spcPts val="0"/>
+                        </a:spcBef>
+                        <a:spcAft>
+                          <a:spcPts val="0"/>
+                        </a:spcAft>
+                        <a:buClrTx/>
+                        <a:buSzTx/>
+                        <a:buFontTx/>
+                        <a:buNone/>
+                        <a:tabLst/>
+                        <a:defRPr/>
+                      </a:pPr>
+                      <a:r>
+                        <a:rPr lang="is-IS" sz="1400" b="1" dirty="0"/>
+                        <a:t>Recipient #3</a:t>
+                      </a:r>
+                      <a:endParaRPr lang="nb-NO" sz="1400" b="1" dirty="0"/>
+                    </a:p>
+                  </a:txBody>
+                  <a:tcPr/>
+                </a:tc>
+                <a:extLst>
+                  <a:ext uri="{0D108BD9-81ED-4DB2-BD59-A6C34878D82A}">
+                    <a16:rowId xmlns:a16="http://schemas.microsoft.com/office/drawing/2014/main" val="145833975"/>
+                  </a:ext>
+                </a:extLst>
+              </a:tr>
+              <a:tr h="1544689">
+                <a:tc>
+                  <a:txBody>
+                    <a:bodyPr/>
+                    <a:lstStyle/>
+                    <a:p>
+                      <a:r>
+                        <a:rPr lang="nb-NO" sz="1200" b="0" i="0" kern="1200" dirty="0" err="1">
+                          <a:solidFill>
+                            <a:schemeClr val="dk1"/>
+                          </a:solidFill>
+                          <a:effectLst/>
+                          <a:latin typeface="+mn-lt"/>
+                          <a:ea typeface="+mn-ea"/>
+                          <a:cs typeface="+mn-cs"/>
+                        </a:rPr>
+                        <a:t>Bloodtype</a:t>
+                      </a:r>
+                      <a:r>
+                        <a:rPr lang="nb-NO" sz="1200" b="0" i="0" kern="1200" dirty="0">
+                          <a:solidFill>
+                            <a:schemeClr val="dk1"/>
+                          </a:solidFill>
+                          <a:effectLst/>
+                          <a:latin typeface="+mn-lt"/>
+                          <a:ea typeface="+mn-ea"/>
+                          <a:cs typeface="+mn-cs"/>
+                        </a:rPr>
+                        <a:t>: </a:t>
+                      </a:r>
+                      <a:r>
+                        <a:rPr lang="nb-NO" sz="1200" b="0" dirty="0">
+                          <a:latin typeface="Calibri" panose="020F0502020204030204" pitchFamily="34" charset="0"/>
+                          <a:cs typeface="Calibri" panose="020F0502020204030204" pitchFamily="34" charset="0"/>
+                        </a:rPr>
+                        <a:t>ˈ</a:t>
+                      </a:r>
+                      <a:r>
+                        <a:rPr lang="nb-NO" sz="1200" b="0" i="0" kern="1200" dirty="0">
+                          <a:solidFill>
+                            <a:schemeClr val="dk1"/>
+                          </a:solidFill>
+                          <a:effectLst/>
+                          <a:latin typeface="+mn-lt"/>
+                          <a:ea typeface="+mn-ea"/>
+                          <a:cs typeface="+mn-cs"/>
+                        </a:rPr>
+                        <a:t>O</a:t>
+                      </a:r>
+                      <a:r>
+                        <a:rPr lang="nb-NO" sz="1200" b="0" dirty="0">
+                          <a:latin typeface="Calibri" panose="020F0502020204030204" pitchFamily="34" charset="0"/>
+                          <a:cs typeface="Calibri" panose="020F0502020204030204" pitchFamily="34" charset="0"/>
+                        </a:rPr>
+                        <a:t>ˈ</a:t>
+                      </a:r>
+                      <a:endParaRPr lang="nb-NO" sz="1200" b="0" i="0" kern="1200" dirty="0">
+                        <a:solidFill>
+                          <a:schemeClr val="dk1"/>
+                        </a:solidFill>
+                        <a:effectLst/>
+                        <a:latin typeface="+mn-lt"/>
+                        <a:ea typeface="+mn-ea"/>
+                        <a:cs typeface="+mn-cs"/>
+                      </a:endParaRPr>
+                    </a:p>
+                    <a:p>
+                      <a:r>
+                        <a:rPr lang="nb-NO" sz="1200" b="0" i="0" kern="1200" dirty="0" err="1">
+                          <a:solidFill>
+                            <a:schemeClr val="dk1"/>
+                          </a:solidFill>
+                          <a:effectLst/>
+                          <a:latin typeface="+mn-lt"/>
+                          <a:ea typeface="+mn-ea"/>
+                          <a:cs typeface="+mn-cs"/>
+                        </a:rPr>
+                        <a:t>History</a:t>
+                      </a:r>
+                      <a:r>
+                        <a:rPr lang="nb-NO" sz="1200" b="0" i="0" kern="1200" dirty="0">
+                          <a:solidFill>
+                            <a:schemeClr val="dk1"/>
+                          </a:solidFill>
+                          <a:effectLst/>
+                          <a:latin typeface="+mn-lt"/>
+                          <a:ea typeface="+mn-ea"/>
+                          <a:cs typeface="+mn-cs"/>
+                        </a:rPr>
+                        <a:t> </a:t>
+                      </a:r>
+                      <a:r>
+                        <a:rPr lang="nb-NO" sz="1200" b="0" i="0" kern="1200" dirty="0" err="1">
+                          <a:solidFill>
+                            <a:schemeClr val="dk1"/>
+                          </a:solidFill>
+                          <a:effectLst/>
+                          <a:latin typeface="+mn-lt"/>
+                          <a:ea typeface="+mn-ea"/>
+                          <a:cs typeface="+mn-cs"/>
+                        </a:rPr>
+                        <a:t>of</a:t>
+                      </a:r>
+                      <a:r>
+                        <a:rPr lang="nb-NO" sz="1200" b="0" i="0" kern="1200" dirty="0">
+                          <a:solidFill>
+                            <a:schemeClr val="dk1"/>
+                          </a:solidFill>
+                          <a:effectLst/>
+                          <a:latin typeface="+mn-lt"/>
+                          <a:ea typeface="+mn-ea"/>
+                          <a:cs typeface="+mn-cs"/>
+                        </a:rPr>
+                        <a:t> Smoking: 0.0</a:t>
+                      </a:r>
+                    </a:p>
+                    <a:p>
+                      <a:r>
+                        <a:rPr lang="nb-NO" sz="1200" b="0" i="0" kern="1200" dirty="0">
+                          <a:solidFill>
+                            <a:schemeClr val="dk1"/>
+                          </a:solidFill>
+                          <a:effectLst/>
+                          <a:latin typeface="+mn-lt"/>
+                          <a:ea typeface="+mn-ea"/>
+                          <a:cs typeface="+mn-cs"/>
+                        </a:rPr>
+                        <a:t>Age: 21</a:t>
+                      </a:r>
+                      <a:br>
+                        <a:rPr lang="nb-NO" sz="1200" dirty="0"/>
+                      </a:br>
+                      <a:r>
+                        <a:rPr lang="nb-NO" sz="1200" b="0" i="0" kern="1200" dirty="0" err="1">
+                          <a:solidFill>
+                            <a:schemeClr val="dk1"/>
+                          </a:solidFill>
+                          <a:effectLst/>
+                          <a:latin typeface="+mn-lt"/>
+                          <a:ea typeface="+mn-ea"/>
+                          <a:cs typeface="+mn-cs"/>
+                        </a:rPr>
+                        <a:t>eGFR</a:t>
+                      </a:r>
+                      <a:r>
+                        <a:rPr lang="nb-NO" sz="1200" b="0" i="0" kern="1200" dirty="0">
+                          <a:solidFill>
+                            <a:schemeClr val="dk1"/>
+                          </a:solidFill>
+                          <a:effectLst/>
+                          <a:latin typeface="+mn-lt"/>
+                          <a:ea typeface="+mn-ea"/>
+                          <a:cs typeface="+mn-cs"/>
+                        </a:rPr>
+                        <a:t>: 85.84</a:t>
+                      </a:r>
+                    </a:p>
+                    <a:p>
+                      <a:r>
+                        <a:rPr lang="nb-NO" sz="1200" b="0" i="0" kern="1200" dirty="0">
+                          <a:solidFill>
+                            <a:schemeClr val="dk1"/>
+                          </a:solidFill>
+                          <a:effectLst/>
+                          <a:latin typeface="+mn-lt"/>
+                          <a:ea typeface="+mn-ea"/>
+                          <a:cs typeface="+mn-cs"/>
+                        </a:rPr>
+                        <a:t>BMI: 21.0</a:t>
+                      </a:r>
+                    </a:p>
+                    <a:p>
+                      <a:r>
+                        <a:rPr lang="nb-NO" sz="1200" b="0" i="0" kern="1200" dirty="0" err="1">
+                          <a:solidFill>
+                            <a:schemeClr val="dk1"/>
+                          </a:solidFill>
+                          <a:effectLst/>
+                          <a:latin typeface="+mn-lt"/>
+                          <a:ea typeface="+mn-ea"/>
+                          <a:cs typeface="+mn-cs"/>
+                        </a:rPr>
+                        <a:t>African</a:t>
+                      </a:r>
+                      <a:r>
+                        <a:rPr lang="nb-NO" sz="1200" b="0" i="0" kern="1200" dirty="0">
+                          <a:solidFill>
+                            <a:schemeClr val="dk1"/>
+                          </a:solidFill>
+                          <a:effectLst/>
+                          <a:latin typeface="+mn-lt"/>
+                          <a:ea typeface="+mn-ea"/>
+                          <a:cs typeface="+mn-cs"/>
+                        </a:rPr>
+                        <a:t> Heritage: 0</a:t>
+                      </a:r>
+                      <a:br>
+                        <a:rPr lang="nb-NO" sz="1200" dirty="0"/>
+                      </a:br>
+                      <a:r>
+                        <a:rPr lang="nb-NO" sz="1200" b="0" i="0" kern="1200" dirty="0">
+                          <a:solidFill>
+                            <a:schemeClr val="dk1"/>
+                          </a:solidFill>
+                          <a:effectLst/>
+                          <a:latin typeface="+mn-lt"/>
+                          <a:ea typeface="+mn-ea"/>
+                          <a:cs typeface="+mn-cs"/>
+                        </a:rPr>
+                        <a:t>SBP: 108.0</a:t>
+                      </a:r>
+                    </a:p>
+                    <a:p>
+                      <a:r>
+                        <a:rPr lang="nb-NO" sz="1200" b="0" i="0" kern="1200" dirty="0" err="1">
+                          <a:solidFill>
+                            <a:schemeClr val="dk1"/>
+                          </a:solidFill>
+                          <a:effectLst/>
+                          <a:latin typeface="+mn-lt"/>
+                          <a:ea typeface="+mn-ea"/>
+                          <a:cs typeface="+mn-cs"/>
+                        </a:rPr>
+                        <a:t>Gender</a:t>
+                      </a:r>
+                      <a:r>
+                        <a:rPr lang="nb-NO" sz="1200" b="0" i="0" kern="1200" dirty="0">
+                          <a:solidFill>
+                            <a:schemeClr val="dk1"/>
+                          </a:solidFill>
+                          <a:effectLst/>
+                          <a:latin typeface="+mn-lt"/>
+                          <a:ea typeface="+mn-ea"/>
+                          <a:cs typeface="+mn-cs"/>
+                        </a:rPr>
+                        <a:t>: 1</a:t>
+                      </a:r>
+                      <a:endParaRPr lang="nb-NO" sz="1200" dirty="0"/>
+                    </a:p>
+                  </a:txBody>
+                  <a:tcPr/>
+                </a:tc>
+                <a:tc>
+                  <a:txBody>
+                    <a:bodyPr/>
+                    <a:lstStyle/>
+                    <a:p>
+                      <a:r>
+                        <a:rPr lang="nb-NO" sz="1200" b="0" i="0" kern="1200" dirty="0" err="1">
+                          <a:solidFill>
+                            <a:schemeClr val="dk1"/>
+                          </a:solidFill>
+                          <a:effectLst/>
+                          <a:latin typeface="+mn-lt"/>
+                          <a:ea typeface="+mn-ea"/>
+                          <a:cs typeface="+mn-cs"/>
+                        </a:rPr>
+                        <a:t>Bloodtype</a:t>
+                      </a:r>
+                      <a:r>
+                        <a:rPr lang="nb-NO" sz="1200" b="0" i="0" kern="1200" dirty="0">
+                          <a:solidFill>
+                            <a:schemeClr val="dk1"/>
+                          </a:solidFill>
+                          <a:effectLst/>
+                          <a:latin typeface="+mn-lt"/>
+                          <a:ea typeface="+mn-ea"/>
+                          <a:cs typeface="+mn-cs"/>
+                        </a:rPr>
+                        <a:t>: </a:t>
+                      </a:r>
+                      <a:r>
+                        <a:rPr lang="nb-NO" sz="1200" b="0" dirty="0">
+                          <a:latin typeface="Calibri" panose="020F0502020204030204" pitchFamily="34" charset="0"/>
+                          <a:cs typeface="Calibri" panose="020F0502020204030204" pitchFamily="34" charset="0"/>
+                        </a:rPr>
+                        <a:t>ˈ</a:t>
+                      </a:r>
+                      <a:r>
+                        <a:rPr lang="nb-NO" sz="1200" b="0" i="0" kern="1200" dirty="0">
+                          <a:solidFill>
+                            <a:schemeClr val="dk1"/>
+                          </a:solidFill>
+                          <a:effectLst/>
+                          <a:latin typeface="+mn-lt"/>
+                          <a:ea typeface="+mn-ea"/>
+                          <a:cs typeface="+mn-cs"/>
+                        </a:rPr>
+                        <a:t>A</a:t>
+                      </a:r>
+                      <a:r>
+                        <a:rPr lang="nb-NO" sz="1200" b="0" dirty="0">
+                          <a:latin typeface="Calibri" panose="020F0502020204030204" pitchFamily="34" charset="0"/>
+                          <a:cs typeface="Calibri" panose="020F0502020204030204" pitchFamily="34" charset="0"/>
+                        </a:rPr>
+                        <a:t>ˈ</a:t>
+                      </a:r>
+                      <a:r>
+                        <a:rPr lang="nb-NO" sz="1200" b="0" i="0" kern="1200" dirty="0">
+                          <a:solidFill>
+                            <a:schemeClr val="dk1"/>
+                          </a:solidFill>
+                          <a:effectLst/>
+                          <a:latin typeface="+mn-lt"/>
+                          <a:ea typeface="+mn-ea"/>
+                          <a:cs typeface="+mn-cs"/>
+                        </a:rPr>
+                        <a:t> </a:t>
+                      </a:r>
+                    </a:p>
+                    <a:p>
+                      <a:r>
+                        <a:rPr lang="nb-NO" sz="1200" b="0" i="0" kern="1200" dirty="0" err="1">
+                          <a:solidFill>
+                            <a:schemeClr val="dk1"/>
+                          </a:solidFill>
+                          <a:effectLst/>
+                          <a:latin typeface="+mn-lt"/>
+                          <a:ea typeface="+mn-ea"/>
+                          <a:cs typeface="+mn-cs"/>
+                        </a:rPr>
+                        <a:t>History</a:t>
+                      </a:r>
+                      <a:r>
+                        <a:rPr lang="nb-NO" sz="1200" b="0" i="0" kern="1200" dirty="0">
+                          <a:solidFill>
+                            <a:schemeClr val="dk1"/>
+                          </a:solidFill>
+                          <a:effectLst/>
+                          <a:latin typeface="+mn-lt"/>
+                          <a:ea typeface="+mn-ea"/>
+                          <a:cs typeface="+mn-cs"/>
+                        </a:rPr>
+                        <a:t> </a:t>
+                      </a:r>
+                      <a:r>
+                        <a:rPr lang="nb-NO" sz="1200" b="0" i="0" kern="1200" dirty="0" err="1">
+                          <a:solidFill>
+                            <a:schemeClr val="dk1"/>
+                          </a:solidFill>
+                          <a:effectLst/>
+                          <a:latin typeface="+mn-lt"/>
+                          <a:ea typeface="+mn-ea"/>
+                          <a:cs typeface="+mn-cs"/>
+                        </a:rPr>
+                        <a:t>of</a:t>
+                      </a:r>
+                      <a:r>
+                        <a:rPr lang="nb-NO" sz="1200" b="0" i="0" kern="1200" dirty="0">
+                          <a:solidFill>
+                            <a:schemeClr val="dk1"/>
+                          </a:solidFill>
+                          <a:effectLst/>
+                          <a:latin typeface="+mn-lt"/>
+                          <a:ea typeface="+mn-ea"/>
+                          <a:cs typeface="+mn-cs"/>
+                        </a:rPr>
+                        <a:t> Smoking: 0.0</a:t>
+                      </a:r>
+                    </a:p>
+                    <a:p>
+                      <a:r>
+                        <a:rPr lang="nb-NO" sz="1200" b="0" i="0" kern="1200" dirty="0">
+                          <a:solidFill>
+                            <a:schemeClr val="dk1"/>
+                          </a:solidFill>
+                          <a:effectLst/>
+                          <a:latin typeface="+mn-lt"/>
+                          <a:ea typeface="+mn-ea"/>
+                          <a:cs typeface="+mn-cs"/>
+                        </a:rPr>
+                        <a:t>Age: 28</a:t>
+                      </a:r>
+                      <a:br>
+                        <a:rPr lang="nb-NO" sz="1200" dirty="0"/>
+                      </a:br>
+                      <a:r>
+                        <a:rPr lang="nb-NO" sz="1200" b="0" i="0" kern="1200" dirty="0" err="1">
+                          <a:solidFill>
+                            <a:schemeClr val="dk1"/>
+                          </a:solidFill>
+                          <a:effectLst/>
+                          <a:latin typeface="+mn-lt"/>
+                          <a:ea typeface="+mn-ea"/>
+                          <a:cs typeface="+mn-cs"/>
+                        </a:rPr>
+                        <a:t>eGFR</a:t>
+                      </a:r>
+                      <a:r>
+                        <a:rPr lang="nb-NO" sz="1200" b="0" i="0" kern="1200" dirty="0">
+                          <a:solidFill>
+                            <a:schemeClr val="dk1"/>
+                          </a:solidFill>
+                          <a:effectLst/>
+                          <a:latin typeface="+mn-lt"/>
+                          <a:ea typeface="+mn-ea"/>
+                          <a:cs typeface="+mn-cs"/>
+                        </a:rPr>
+                        <a:t>: 84.94</a:t>
+                      </a:r>
+                    </a:p>
+                    <a:p>
+                      <a:r>
+                        <a:rPr lang="nb-NO" sz="1200" b="0" i="0" kern="1200" dirty="0">
+                          <a:solidFill>
+                            <a:schemeClr val="dk1"/>
+                          </a:solidFill>
+                          <a:effectLst/>
+                          <a:latin typeface="+mn-lt"/>
+                          <a:ea typeface="+mn-ea"/>
+                          <a:cs typeface="+mn-cs"/>
+                        </a:rPr>
+                        <a:t>BMI: 35.0</a:t>
+                      </a:r>
+                    </a:p>
+                    <a:p>
+                      <a:r>
+                        <a:rPr lang="nb-NO" sz="1200" b="0" i="0" kern="1200" dirty="0" err="1">
+                          <a:solidFill>
+                            <a:schemeClr val="dk1"/>
+                          </a:solidFill>
+                          <a:effectLst/>
+                          <a:latin typeface="+mn-lt"/>
+                          <a:ea typeface="+mn-ea"/>
+                          <a:cs typeface="+mn-cs"/>
+                        </a:rPr>
+                        <a:t>African</a:t>
+                      </a:r>
+                      <a:r>
+                        <a:rPr lang="nb-NO" sz="1200" b="0" i="0" kern="1200" dirty="0">
+                          <a:solidFill>
+                            <a:schemeClr val="dk1"/>
+                          </a:solidFill>
+                          <a:effectLst/>
+                          <a:latin typeface="+mn-lt"/>
+                          <a:ea typeface="+mn-ea"/>
+                          <a:cs typeface="+mn-cs"/>
+                        </a:rPr>
+                        <a:t> Heritage: 0</a:t>
+                      </a:r>
+                      <a:br>
+                        <a:rPr lang="nb-NO" sz="1200" dirty="0"/>
+                      </a:br>
+                      <a:r>
+                        <a:rPr lang="nb-NO" sz="1200" b="0" i="0" kern="1200" dirty="0">
+                          <a:solidFill>
+                            <a:schemeClr val="dk1"/>
+                          </a:solidFill>
+                          <a:effectLst/>
+                          <a:latin typeface="+mn-lt"/>
+                          <a:ea typeface="+mn-ea"/>
+                          <a:cs typeface="+mn-cs"/>
+                        </a:rPr>
+                        <a:t>SBP: 108.0</a:t>
+                      </a:r>
+                    </a:p>
+                    <a:p>
+                      <a:r>
+                        <a:rPr lang="nb-NO" sz="1200" b="0" i="0" kern="1200" dirty="0" err="1">
+                          <a:solidFill>
+                            <a:schemeClr val="dk1"/>
+                          </a:solidFill>
+                          <a:effectLst/>
+                          <a:latin typeface="+mn-lt"/>
+                          <a:ea typeface="+mn-ea"/>
+                          <a:cs typeface="+mn-cs"/>
+                        </a:rPr>
+                        <a:t>Gender</a:t>
+                      </a:r>
+                      <a:r>
+                        <a:rPr lang="nb-NO" sz="1200" b="0" i="0" kern="1200" dirty="0">
+                          <a:solidFill>
+                            <a:schemeClr val="dk1"/>
+                          </a:solidFill>
+                          <a:effectLst/>
+                          <a:latin typeface="+mn-lt"/>
+                          <a:ea typeface="+mn-ea"/>
+                          <a:cs typeface="+mn-cs"/>
+                        </a:rPr>
+                        <a:t>: 1</a:t>
+                      </a:r>
+                      <a:endParaRPr lang="nb-NO" sz="1200" b="0" dirty="0"/>
+                    </a:p>
+                  </a:txBody>
+                  <a:tcPr/>
+                </a:tc>
+                <a:tc>
+                  <a:txBody>
+                    <a:bodyPr/>
+                    <a:lstStyle/>
+                    <a:p>
+                      <a:r>
+                        <a:rPr lang="nb-NO" sz="1200" b="0" i="0" kern="1200" dirty="0" err="1">
+                          <a:solidFill>
+                            <a:schemeClr val="dk1"/>
+                          </a:solidFill>
+                          <a:effectLst/>
+                          <a:latin typeface="+mn-lt"/>
+                          <a:ea typeface="+mn-ea"/>
+                          <a:cs typeface="+mn-cs"/>
+                        </a:rPr>
+                        <a:t>Bloodtype</a:t>
+                      </a:r>
+                      <a:r>
+                        <a:rPr lang="nb-NO" sz="1200" b="0" i="0" kern="1200" dirty="0">
+                          <a:solidFill>
+                            <a:schemeClr val="dk1"/>
+                          </a:solidFill>
+                          <a:effectLst/>
+                          <a:latin typeface="+mn-lt"/>
+                          <a:ea typeface="+mn-ea"/>
+                          <a:cs typeface="+mn-cs"/>
+                        </a:rPr>
+                        <a:t>: </a:t>
+                      </a:r>
+                      <a:r>
+                        <a:rPr lang="nb-NO" sz="1200" b="0" dirty="0">
+                          <a:latin typeface="Calibri" panose="020F0502020204030204" pitchFamily="34" charset="0"/>
+                          <a:cs typeface="Calibri" panose="020F0502020204030204" pitchFamily="34" charset="0"/>
+                        </a:rPr>
+                        <a:t>ˈ</a:t>
+                      </a:r>
+                      <a:r>
+                        <a:rPr lang="nb-NO" sz="1200" b="0" i="0" kern="1200" dirty="0">
+                          <a:solidFill>
+                            <a:schemeClr val="dk1"/>
+                          </a:solidFill>
+                          <a:effectLst/>
+                          <a:latin typeface="+mn-lt"/>
+                          <a:ea typeface="+mn-ea"/>
+                          <a:cs typeface="+mn-cs"/>
+                        </a:rPr>
+                        <a:t>O</a:t>
+                      </a:r>
+                      <a:r>
+                        <a:rPr lang="nb-NO" sz="1200" b="0" dirty="0">
+                          <a:latin typeface="Calibri" panose="020F0502020204030204" pitchFamily="34" charset="0"/>
+                          <a:cs typeface="Calibri" panose="020F0502020204030204" pitchFamily="34" charset="0"/>
+                        </a:rPr>
+                        <a:t>ˈ</a:t>
+                      </a:r>
+                      <a:r>
+                        <a:rPr lang="nb-NO" sz="1200" b="0" i="0" kern="1200" dirty="0">
+                          <a:solidFill>
+                            <a:schemeClr val="dk1"/>
+                          </a:solidFill>
+                          <a:effectLst/>
+                          <a:latin typeface="+mn-lt"/>
+                          <a:ea typeface="+mn-ea"/>
+                          <a:cs typeface="+mn-cs"/>
+                        </a:rPr>
+                        <a:t> </a:t>
+                      </a:r>
+                    </a:p>
+                    <a:p>
+                      <a:r>
+                        <a:rPr lang="nb-NO" sz="1200" b="0" i="0" kern="1200" dirty="0" err="1">
+                          <a:solidFill>
+                            <a:schemeClr val="dk1"/>
+                          </a:solidFill>
+                          <a:effectLst/>
+                          <a:latin typeface="+mn-lt"/>
+                          <a:ea typeface="+mn-ea"/>
+                          <a:cs typeface="+mn-cs"/>
+                        </a:rPr>
+                        <a:t>History</a:t>
+                      </a:r>
+                      <a:r>
+                        <a:rPr lang="nb-NO" sz="1200" b="0" i="0" kern="1200" dirty="0">
+                          <a:solidFill>
+                            <a:schemeClr val="dk1"/>
+                          </a:solidFill>
+                          <a:effectLst/>
+                          <a:latin typeface="+mn-lt"/>
+                          <a:ea typeface="+mn-ea"/>
+                          <a:cs typeface="+mn-cs"/>
+                        </a:rPr>
+                        <a:t> </a:t>
+                      </a:r>
+                      <a:r>
+                        <a:rPr lang="nb-NO" sz="1200" b="0" i="0" kern="1200" dirty="0" err="1">
+                          <a:solidFill>
+                            <a:schemeClr val="dk1"/>
+                          </a:solidFill>
+                          <a:effectLst/>
+                          <a:latin typeface="+mn-lt"/>
+                          <a:ea typeface="+mn-ea"/>
+                          <a:cs typeface="+mn-cs"/>
+                        </a:rPr>
+                        <a:t>of</a:t>
+                      </a:r>
+                      <a:r>
+                        <a:rPr lang="nb-NO" sz="1200" b="0" i="0" kern="1200" dirty="0">
+                          <a:solidFill>
+                            <a:schemeClr val="dk1"/>
+                          </a:solidFill>
+                          <a:effectLst/>
+                          <a:latin typeface="+mn-lt"/>
+                          <a:ea typeface="+mn-ea"/>
+                          <a:cs typeface="+mn-cs"/>
+                        </a:rPr>
+                        <a:t> Smoking: 0.0</a:t>
+                      </a:r>
+                    </a:p>
+                    <a:p>
+                      <a:r>
+                        <a:rPr lang="nb-NO" sz="1200" b="0" i="0" kern="1200" dirty="0">
+                          <a:solidFill>
+                            <a:schemeClr val="dk1"/>
+                          </a:solidFill>
+                          <a:effectLst/>
+                          <a:latin typeface="+mn-lt"/>
+                          <a:ea typeface="+mn-ea"/>
+                          <a:cs typeface="+mn-cs"/>
+                        </a:rPr>
+                        <a:t>Age: 18</a:t>
+                      </a:r>
+                      <a:br>
+                        <a:rPr lang="nb-NO" sz="1200" dirty="0"/>
+                      </a:br>
+                      <a:r>
+                        <a:rPr lang="nb-NO" sz="1200" b="0" i="0" kern="1200" dirty="0" err="1">
+                          <a:solidFill>
+                            <a:schemeClr val="dk1"/>
+                          </a:solidFill>
+                          <a:effectLst/>
+                          <a:latin typeface="+mn-lt"/>
+                          <a:ea typeface="+mn-ea"/>
+                          <a:cs typeface="+mn-cs"/>
+                        </a:rPr>
+                        <a:t>eGFR</a:t>
+                      </a:r>
+                      <a:r>
+                        <a:rPr lang="nb-NO" sz="1200" b="0" i="0" kern="1200" dirty="0">
+                          <a:solidFill>
+                            <a:schemeClr val="dk1"/>
+                          </a:solidFill>
+                          <a:effectLst/>
+                          <a:latin typeface="+mn-lt"/>
+                          <a:ea typeface="+mn-ea"/>
+                          <a:cs typeface="+mn-cs"/>
+                        </a:rPr>
+                        <a:t>: 107.16</a:t>
+                      </a:r>
+                    </a:p>
+                    <a:p>
+                      <a:r>
+                        <a:rPr lang="nb-NO" sz="1200" b="0" i="0" kern="1200" dirty="0">
+                          <a:solidFill>
+                            <a:schemeClr val="dk1"/>
+                          </a:solidFill>
+                          <a:effectLst/>
+                          <a:latin typeface="+mn-lt"/>
+                          <a:ea typeface="+mn-ea"/>
+                          <a:cs typeface="+mn-cs"/>
+                        </a:rPr>
+                        <a:t>BMI: 23.0</a:t>
+                      </a:r>
+                    </a:p>
+                    <a:p>
+                      <a:r>
+                        <a:rPr lang="nb-NO" sz="1200" b="0" i="0" kern="1200" dirty="0" err="1">
+                          <a:solidFill>
+                            <a:schemeClr val="dk1"/>
+                          </a:solidFill>
+                          <a:effectLst/>
+                          <a:latin typeface="+mn-lt"/>
+                          <a:ea typeface="+mn-ea"/>
+                          <a:cs typeface="+mn-cs"/>
+                        </a:rPr>
+                        <a:t>African</a:t>
+                      </a:r>
+                      <a:r>
+                        <a:rPr lang="nb-NO" sz="1200" b="0" i="0" kern="1200" dirty="0">
+                          <a:solidFill>
+                            <a:schemeClr val="dk1"/>
+                          </a:solidFill>
+                          <a:effectLst/>
+                          <a:latin typeface="+mn-lt"/>
+                          <a:ea typeface="+mn-ea"/>
+                          <a:cs typeface="+mn-cs"/>
+                        </a:rPr>
+                        <a:t> Heritage: 0</a:t>
+                      </a:r>
+                      <a:br>
+                        <a:rPr lang="nb-NO" sz="1200" dirty="0"/>
+                      </a:br>
+                      <a:r>
+                        <a:rPr lang="nb-NO" sz="1200" b="0" i="0" kern="1200" dirty="0">
+                          <a:solidFill>
+                            <a:schemeClr val="dk1"/>
+                          </a:solidFill>
+                          <a:effectLst/>
+                          <a:latin typeface="+mn-lt"/>
+                          <a:ea typeface="+mn-ea"/>
+                          <a:cs typeface="+mn-cs"/>
+                        </a:rPr>
+                        <a:t>SBP: 108.0</a:t>
+                      </a:r>
+                    </a:p>
+                    <a:p>
+                      <a:r>
+                        <a:rPr lang="nb-NO" sz="1200" b="0" i="0" kern="1200" dirty="0" err="1">
+                          <a:solidFill>
+                            <a:schemeClr val="dk1"/>
+                          </a:solidFill>
+                          <a:effectLst/>
+                          <a:latin typeface="+mn-lt"/>
+                          <a:ea typeface="+mn-ea"/>
+                          <a:cs typeface="+mn-cs"/>
+                        </a:rPr>
+                        <a:t>Gender</a:t>
+                      </a:r>
+                      <a:r>
+                        <a:rPr lang="nb-NO" sz="1200" b="0" i="0" kern="1200" dirty="0">
+                          <a:solidFill>
+                            <a:schemeClr val="dk1"/>
+                          </a:solidFill>
+                          <a:effectLst/>
+                          <a:latin typeface="+mn-lt"/>
+                          <a:ea typeface="+mn-ea"/>
+                          <a:cs typeface="+mn-cs"/>
+                        </a:rPr>
+                        <a:t>: 1</a:t>
+                      </a:r>
+                      <a:endParaRPr lang="nb-NO" sz="1200" b="0" dirty="0"/>
+                    </a:p>
+                  </a:txBody>
+                  <a:tcPr/>
+                </a:tc>
+                <a:tc>
+                  <a:txBody>
+                    <a:bodyPr/>
+                    <a:lstStyle/>
+                    <a:p>
+                      <a:r>
+                        <a:rPr lang="nb-NO" sz="1200" b="0" i="0" kern="1200" dirty="0" err="1">
+                          <a:solidFill>
+                            <a:schemeClr val="dk1"/>
+                          </a:solidFill>
+                          <a:effectLst/>
+                          <a:latin typeface="+mn-lt"/>
+                          <a:ea typeface="+mn-ea"/>
+                          <a:cs typeface="+mn-cs"/>
+                        </a:rPr>
+                        <a:t>Bloodtype</a:t>
+                      </a:r>
+                      <a:r>
+                        <a:rPr lang="nb-NO" sz="1200" b="0" i="0" kern="1200" dirty="0">
+                          <a:solidFill>
+                            <a:schemeClr val="dk1"/>
+                          </a:solidFill>
+                          <a:effectLst/>
+                          <a:latin typeface="+mn-lt"/>
+                          <a:ea typeface="+mn-ea"/>
+                          <a:cs typeface="+mn-cs"/>
+                        </a:rPr>
+                        <a:t>: </a:t>
+                      </a:r>
+                      <a:r>
+                        <a:rPr lang="nb-NO" sz="1200" b="0" dirty="0">
+                          <a:latin typeface="Calibri" panose="020F0502020204030204" pitchFamily="34" charset="0"/>
+                          <a:cs typeface="Calibri" panose="020F0502020204030204" pitchFamily="34" charset="0"/>
+                        </a:rPr>
+                        <a:t>ˈ</a:t>
+                      </a:r>
+                      <a:r>
+                        <a:rPr lang="nb-NO" sz="1200" b="0" i="0" kern="1200" dirty="0">
+                          <a:solidFill>
+                            <a:schemeClr val="dk1"/>
+                          </a:solidFill>
+                          <a:effectLst/>
+                          <a:latin typeface="+mn-lt"/>
+                          <a:ea typeface="+mn-ea"/>
+                          <a:cs typeface="+mn-cs"/>
+                        </a:rPr>
+                        <a:t>O</a:t>
+                      </a:r>
+                      <a:r>
+                        <a:rPr lang="nb-NO" sz="1200" b="0" dirty="0">
+                          <a:latin typeface="Calibri" panose="020F0502020204030204" pitchFamily="34" charset="0"/>
+                          <a:cs typeface="Calibri" panose="020F0502020204030204" pitchFamily="34" charset="0"/>
+                        </a:rPr>
+                        <a:t>ˈ</a:t>
+                      </a:r>
+                      <a:endParaRPr lang="nb-NO" sz="1200" b="0" i="0" kern="1200" dirty="0">
+                        <a:solidFill>
+                          <a:schemeClr val="dk1"/>
+                        </a:solidFill>
+                        <a:effectLst/>
+                        <a:latin typeface="+mn-lt"/>
+                        <a:ea typeface="+mn-ea"/>
+                        <a:cs typeface="+mn-cs"/>
+                      </a:endParaRPr>
+                    </a:p>
+                    <a:p>
+                      <a:r>
+                        <a:rPr lang="nb-NO" sz="1200" b="0" i="0" kern="1200" dirty="0" err="1">
+                          <a:solidFill>
+                            <a:schemeClr val="dk1"/>
+                          </a:solidFill>
+                          <a:effectLst/>
+                          <a:latin typeface="+mn-lt"/>
+                          <a:ea typeface="+mn-ea"/>
+                          <a:cs typeface="+mn-cs"/>
+                        </a:rPr>
+                        <a:t>History</a:t>
+                      </a:r>
+                      <a:r>
+                        <a:rPr lang="nb-NO" sz="1200" b="0" i="0" kern="1200" dirty="0">
+                          <a:solidFill>
+                            <a:schemeClr val="dk1"/>
+                          </a:solidFill>
+                          <a:effectLst/>
+                          <a:latin typeface="+mn-lt"/>
+                          <a:ea typeface="+mn-ea"/>
+                          <a:cs typeface="+mn-cs"/>
+                        </a:rPr>
+                        <a:t> </a:t>
+                      </a:r>
+                      <a:r>
+                        <a:rPr lang="nb-NO" sz="1200" b="0" i="0" kern="1200" dirty="0" err="1">
+                          <a:solidFill>
+                            <a:schemeClr val="dk1"/>
+                          </a:solidFill>
+                          <a:effectLst/>
+                          <a:latin typeface="+mn-lt"/>
+                          <a:ea typeface="+mn-ea"/>
+                          <a:cs typeface="+mn-cs"/>
+                        </a:rPr>
+                        <a:t>of</a:t>
+                      </a:r>
+                      <a:r>
+                        <a:rPr lang="nb-NO" sz="1200" b="0" i="0" kern="1200" dirty="0">
+                          <a:solidFill>
+                            <a:schemeClr val="dk1"/>
+                          </a:solidFill>
+                          <a:effectLst/>
+                          <a:latin typeface="+mn-lt"/>
+                          <a:ea typeface="+mn-ea"/>
+                          <a:cs typeface="+mn-cs"/>
+                        </a:rPr>
+                        <a:t> Smoking: 0.0</a:t>
+                      </a:r>
+                    </a:p>
+                    <a:p>
+                      <a:r>
+                        <a:rPr lang="nb-NO" sz="1200" b="0" i="0" kern="1200" dirty="0">
+                          <a:solidFill>
+                            <a:schemeClr val="dk1"/>
+                          </a:solidFill>
+                          <a:effectLst/>
+                          <a:latin typeface="+mn-lt"/>
+                          <a:ea typeface="+mn-ea"/>
+                          <a:cs typeface="+mn-cs"/>
+                        </a:rPr>
+                        <a:t>Age: 39</a:t>
+                      </a:r>
+                      <a:br>
+                        <a:rPr lang="nb-NO" sz="1200" dirty="0"/>
+                      </a:br>
+                      <a:r>
+                        <a:rPr lang="nb-NO" sz="1200" b="0" i="0" kern="1200" dirty="0" err="1">
+                          <a:solidFill>
+                            <a:schemeClr val="dk1"/>
+                          </a:solidFill>
+                          <a:effectLst/>
+                          <a:latin typeface="+mn-lt"/>
+                          <a:ea typeface="+mn-ea"/>
+                          <a:cs typeface="+mn-cs"/>
+                        </a:rPr>
+                        <a:t>eGFR</a:t>
+                      </a:r>
+                      <a:r>
+                        <a:rPr lang="nb-NO" sz="1200" b="0" i="0" kern="1200" dirty="0">
+                          <a:solidFill>
+                            <a:schemeClr val="dk1"/>
+                          </a:solidFill>
+                          <a:effectLst/>
+                          <a:latin typeface="+mn-lt"/>
+                          <a:ea typeface="+mn-ea"/>
+                          <a:cs typeface="+mn-cs"/>
+                        </a:rPr>
+                        <a:t>: 82.03</a:t>
+                      </a:r>
+                    </a:p>
+                    <a:p>
+                      <a:r>
+                        <a:rPr lang="nb-NO" sz="1200" b="0" i="0" kern="1200" dirty="0">
+                          <a:solidFill>
+                            <a:schemeClr val="dk1"/>
+                          </a:solidFill>
+                          <a:effectLst/>
+                          <a:latin typeface="+mn-lt"/>
+                          <a:ea typeface="+mn-ea"/>
+                          <a:cs typeface="+mn-cs"/>
+                        </a:rPr>
+                        <a:t>BMI: 24.0</a:t>
+                      </a:r>
+                    </a:p>
+                    <a:p>
+                      <a:r>
+                        <a:rPr lang="nb-NO" sz="1200" b="0" i="0" kern="1200" dirty="0" err="1">
+                          <a:solidFill>
+                            <a:schemeClr val="dk1"/>
+                          </a:solidFill>
+                          <a:effectLst/>
+                          <a:latin typeface="+mn-lt"/>
+                          <a:ea typeface="+mn-ea"/>
+                          <a:cs typeface="+mn-cs"/>
+                        </a:rPr>
+                        <a:t>African</a:t>
+                      </a:r>
+                      <a:r>
+                        <a:rPr lang="nb-NO" sz="1200" b="0" i="0" kern="1200" dirty="0">
+                          <a:solidFill>
+                            <a:schemeClr val="dk1"/>
+                          </a:solidFill>
+                          <a:effectLst/>
+                          <a:latin typeface="+mn-lt"/>
+                          <a:ea typeface="+mn-ea"/>
+                          <a:cs typeface="+mn-cs"/>
+                        </a:rPr>
+                        <a:t> Heritage: 0</a:t>
+                      </a:r>
+                      <a:br>
+                        <a:rPr lang="nb-NO" sz="1200" dirty="0"/>
+                      </a:br>
+                      <a:r>
+                        <a:rPr lang="nb-NO" sz="1200" b="0" i="0" kern="1200" dirty="0">
+                          <a:solidFill>
+                            <a:schemeClr val="dk1"/>
+                          </a:solidFill>
+                          <a:effectLst/>
+                          <a:latin typeface="+mn-lt"/>
+                          <a:ea typeface="+mn-ea"/>
+                          <a:cs typeface="+mn-cs"/>
+                        </a:rPr>
+                        <a:t>SBP: 108.0</a:t>
+                      </a:r>
+                    </a:p>
+                    <a:p>
+                      <a:r>
+                        <a:rPr lang="nb-NO" sz="1200" b="0" i="0" kern="1200" dirty="0" err="1">
+                          <a:solidFill>
+                            <a:schemeClr val="dk1"/>
+                          </a:solidFill>
+                          <a:effectLst/>
+                          <a:latin typeface="+mn-lt"/>
+                          <a:ea typeface="+mn-ea"/>
+                          <a:cs typeface="+mn-cs"/>
+                        </a:rPr>
+                        <a:t>Gender</a:t>
+                      </a:r>
+                      <a:r>
+                        <a:rPr lang="nb-NO" sz="1200" b="0" i="0" kern="1200" dirty="0">
+                          <a:solidFill>
+                            <a:schemeClr val="dk1"/>
+                          </a:solidFill>
+                          <a:effectLst/>
+                          <a:latin typeface="+mn-lt"/>
+                          <a:ea typeface="+mn-ea"/>
+                          <a:cs typeface="+mn-cs"/>
+                        </a:rPr>
+                        <a:t>: 1</a:t>
+                      </a:r>
+                      <a:endParaRPr lang="nb-NO" sz="1200" dirty="0"/>
+                    </a:p>
+                  </a:txBody>
+                  <a:tcPr/>
+                </a:tc>
+                <a:tc>
+                  <a:txBody>
+                    <a:bodyPr/>
+                    <a:lstStyle/>
+                    <a:p>
+                      <a:r>
+                        <a:rPr lang="nb-NO" sz="1200" b="0" i="0" kern="1200" dirty="0" err="1">
+                          <a:solidFill>
+                            <a:schemeClr val="dk1"/>
+                          </a:solidFill>
+                          <a:effectLst/>
+                          <a:latin typeface="+mn-lt"/>
+                          <a:ea typeface="+mn-ea"/>
+                          <a:cs typeface="+mn-cs"/>
+                        </a:rPr>
+                        <a:t>Bloodtype</a:t>
+                      </a:r>
+                      <a:r>
+                        <a:rPr lang="nb-NO" sz="1200" b="0" i="0" kern="1200" dirty="0">
+                          <a:solidFill>
+                            <a:schemeClr val="dk1"/>
+                          </a:solidFill>
+                          <a:effectLst/>
+                          <a:latin typeface="+mn-lt"/>
+                          <a:ea typeface="+mn-ea"/>
+                          <a:cs typeface="+mn-cs"/>
+                        </a:rPr>
+                        <a:t>: </a:t>
+                      </a:r>
+                      <a:r>
+                        <a:rPr lang="nb-NO" sz="1200" b="0" dirty="0">
+                          <a:latin typeface="Calibri" panose="020F0502020204030204" pitchFamily="34" charset="0"/>
+                          <a:cs typeface="Calibri" panose="020F0502020204030204" pitchFamily="34" charset="0"/>
+                        </a:rPr>
+                        <a:t>ˈ</a:t>
+                      </a:r>
+                      <a:r>
+                        <a:rPr lang="nb-NO" sz="1200" b="0" i="0" kern="1200" dirty="0">
+                          <a:solidFill>
+                            <a:schemeClr val="dk1"/>
+                          </a:solidFill>
+                          <a:effectLst/>
+                          <a:latin typeface="+mn-lt"/>
+                          <a:ea typeface="+mn-ea"/>
+                          <a:cs typeface="+mn-cs"/>
+                        </a:rPr>
+                        <a:t>O</a:t>
+                      </a:r>
+                      <a:r>
+                        <a:rPr lang="nb-NO" sz="1200" b="0" dirty="0">
+                          <a:latin typeface="Calibri" panose="020F0502020204030204" pitchFamily="34" charset="0"/>
+                          <a:cs typeface="Calibri" panose="020F0502020204030204" pitchFamily="34" charset="0"/>
+                        </a:rPr>
+                        <a:t>ˈ</a:t>
+                      </a:r>
+                      <a:endParaRPr lang="nb-NO" sz="1200" b="0" i="0" kern="1200" dirty="0">
+                        <a:solidFill>
+                          <a:schemeClr val="dk1"/>
+                        </a:solidFill>
+                        <a:effectLst/>
+                        <a:latin typeface="+mn-lt"/>
+                        <a:ea typeface="+mn-ea"/>
+                        <a:cs typeface="+mn-cs"/>
+                      </a:endParaRPr>
+                    </a:p>
+                    <a:p>
+                      <a:r>
+                        <a:rPr lang="nb-NO" sz="1200" b="0" i="0" kern="1200" dirty="0" err="1">
+                          <a:solidFill>
+                            <a:schemeClr val="dk1"/>
+                          </a:solidFill>
+                          <a:effectLst/>
+                          <a:latin typeface="+mn-lt"/>
+                          <a:ea typeface="+mn-ea"/>
+                          <a:cs typeface="+mn-cs"/>
+                        </a:rPr>
+                        <a:t>History</a:t>
+                      </a:r>
+                      <a:r>
+                        <a:rPr lang="nb-NO" sz="1200" b="0" i="0" kern="1200" dirty="0">
+                          <a:solidFill>
+                            <a:schemeClr val="dk1"/>
+                          </a:solidFill>
+                          <a:effectLst/>
+                          <a:latin typeface="+mn-lt"/>
+                          <a:ea typeface="+mn-ea"/>
+                          <a:cs typeface="+mn-cs"/>
+                        </a:rPr>
+                        <a:t> </a:t>
+                      </a:r>
+                      <a:r>
+                        <a:rPr lang="nb-NO" sz="1200" b="0" i="0" kern="1200" dirty="0" err="1">
+                          <a:solidFill>
+                            <a:schemeClr val="dk1"/>
+                          </a:solidFill>
+                          <a:effectLst/>
+                          <a:latin typeface="+mn-lt"/>
+                          <a:ea typeface="+mn-ea"/>
+                          <a:cs typeface="+mn-cs"/>
+                        </a:rPr>
+                        <a:t>of</a:t>
+                      </a:r>
+                      <a:r>
+                        <a:rPr lang="nb-NO" sz="1200" b="0" i="0" kern="1200" dirty="0">
+                          <a:solidFill>
+                            <a:schemeClr val="dk1"/>
+                          </a:solidFill>
+                          <a:effectLst/>
+                          <a:latin typeface="+mn-lt"/>
+                          <a:ea typeface="+mn-ea"/>
+                          <a:cs typeface="+mn-cs"/>
+                        </a:rPr>
+                        <a:t> Smoking: 0.0</a:t>
+                      </a:r>
+                    </a:p>
+                    <a:p>
+                      <a:r>
+                        <a:rPr lang="nb-NO" sz="1200" b="0" i="0" kern="1200" dirty="0">
+                          <a:solidFill>
+                            <a:schemeClr val="dk1"/>
+                          </a:solidFill>
+                          <a:effectLst/>
+                          <a:latin typeface="+mn-lt"/>
+                          <a:ea typeface="+mn-ea"/>
+                          <a:cs typeface="+mn-cs"/>
+                        </a:rPr>
+                        <a:t>Age: 18</a:t>
+                      </a:r>
+                      <a:br>
+                        <a:rPr lang="nb-NO" sz="1200" dirty="0"/>
+                      </a:br>
+                      <a:r>
+                        <a:rPr lang="nb-NO" sz="1200" b="0" i="0" kern="1200" dirty="0" err="1">
+                          <a:solidFill>
+                            <a:schemeClr val="dk1"/>
+                          </a:solidFill>
+                          <a:effectLst/>
+                          <a:latin typeface="+mn-lt"/>
+                          <a:ea typeface="+mn-ea"/>
+                          <a:cs typeface="+mn-cs"/>
+                        </a:rPr>
+                        <a:t>eGFR</a:t>
+                      </a:r>
+                      <a:r>
+                        <a:rPr lang="nb-NO" sz="1200" b="0" i="0" kern="1200" dirty="0">
+                          <a:solidFill>
+                            <a:schemeClr val="dk1"/>
+                          </a:solidFill>
+                          <a:effectLst/>
+                          <a:latin typeface="+mn-lt"/>
+                          <a:ea typeface="+mn-ea"/>
+                          <a:cs typeface="+mn-cs"/>
+                        </a:rPr>
+                        <a:t>: 114.72</a:t>
+                      </a:r>
+                    </a:p>
+                    <a:p>
+                      <a:r>
+                        <a:rPr lang="nb-NO" sz="1200" b="0" i="0" kern="1200" dirty="0">
+                          <a:solidFill>
+                            <a:schemeClr val="dk1"/>
+                          </a:solidFill>
+                          <a:effectLst/>
+                          <a:latin typeface="+mn-lt"/>
+                          <a:ea typeface="+mn-ea"/>
+                          <a:cs typeface="+mn-cs"/>
+                        </a:rPr>
+                        <a:t>BMI: 27.0</a:t>
+                      </a:r>
+                    </a:p>
+                    <a:p>
+                      <a:r>
+                        <a:rPr lang="nb-NO" sz="1200" b="0" i="0" kern="1200" dirty="0" err="1">
+                          <a:solidFill>
+                            <a:schemeClr val="dk1"/>
+                          </a:solidFill>
+                          <a:effectLst/>
+                          <a:latin typeface="+mn-lt"/>
+                          <a:ea typeface="+mn-ea"/>
+                          <a:cs typeface="+mn-cs"/>
+                        </a:rPr>
+                        <a:t>African</a:t>
+                      </a:r>
+                      <a:r>
+                        <a:rPr lang="nb-NO" sz="1200" b="0" i="0" kern="1200" dirty="0">
+                          <a:solidFill>
+                            <a:schemeClr val="dk1"/>
+                          </a:solidFill>
+                          <a:effectLst/>
+                          <a:latin typeface="+mn-lt"/>
+                          <a:ea typeface="+mn-ea"/>
+                          <a:cs typeface="+mn-cs"/>
+                        </a:rPr>
+                        <a:t> Heritage: 0</a:t>
+                      </a:r>
+                      <a:br>
+                        <a:rPr lang="nb-NO" sz="1200" dirty="0"/>
+                      </a:br>
+                      <a:r>
+                        <a:rPr lang="nb-NO" sz="1200" b="0" i="0" kern="1200" dirty="0">
+                          <a:solidFill>
+                            <a:schemeClr val="dk1"/>
+                          </a:solidFill>
+                          <a:effectLst/>
+                          <a:latin typeface="+mn-lt"/>
+                          <a:ea typeface="+mn-ea"/>
+                          <a:cs typeface="+mn-cs"/>
+                        </a:rPr>
+                        <a:t>SBP: 122.0</a:t>
+                      </a:r>
+                    </a:p>
+                    <a:p>
+                      <a:r>
+                        <a:rPr lang="nb-NO" sz="1200" b="0" i="0" kern="1200" dirty="0" err="1">
+                          <a:solidFill>
+                            <a:schemeClr val="dk1"/>
+                          </a:solidFill>
+                          <a:effectLst/>
+                          <a:latin typeface="+mn-lt"/>
+                          <a:ea typeface="+mn-ea"/>
+                          <a:cs typeface="+mn-cs"/>
+                        </a:rPr>
+                        <a:t>Gender</a:t>
+                      </a:r>
+                      <a:r>
+                        <a:rPr lang="nb-NO" sz="1200" b="0" i="0" kern="1200" dirty="0">
+                          <a:solidFill>
+                            <a:schemeClr val="dk1"/>
+                          </a:solidFill>
+                          <a:effectLst/>
+                          <a:latin typeface="+mn-lt"/>
+                          <a:ea typeface="+mn-ea"/>
+                          <a:cs typeface="+mn-cs"/>
+                        </a:rPr>
+                        <a:t>: 0</a:t>
+                      </a:r>
+                      <a:endParaRPr lang="nb-NO" sz="1200" dirty="0"/>
+                    </a:p>
+                  </a:txBody>
+                  <a:tcPr/>
+                </a:tc>
+                <a:tc>
+                  <a:txBody>
+                    <a:bodyPr/>
+                    <a:lstStyle/>
+                    <a:p>
+                      <a:r>
+                        <a:rPr lang="nb-NO" sz="1200" b="0" i="0" kern="1200" dirty="0" err="1">
+                          <a:solidFill>
+                            <a:schemeClr val="dk1"/>
+                          </a:solidFill>
+                          <a:effectLst/>
+                          <a:latin typeface="+mn-lt"/>
+                          <a:ea typeface="+mn-ea"/>
+                          <a:cs typeface="+mn-cs"/>
+                        </a:rPr>
+                        <a:t>Bloodtype</a:t>
+                      </a:r>
+                      <a:r>
+                        <a:rPr lang="nb-NO" sz="1200" b="0" i="0" kern="1200" dirty="0">
+                          <a:solidFill>
+                            <a:schemeClr val="dk1"/>
+                          </a:solidFill>
+                          <a:effectLst/>
+                          <a:latin typeface="+mn-lt"/>
+                          <a:ea typeface="+mn-ea"/>
+                          <a:cs typeface="+mn-cs"/>
+                        </a:rPr>
+                        <a:t>: </a:t>
+                      </a:r>
+                      <a:r>
+                        <a:rPr lang="nb-NO" sz="1200" b="0" dirty="0">
+                          <a:latin typeface="Calibri" panose="020F0502020204030204" pitchFamily="34" charset="0"/>
+                          <a:cs typeface="Calibri" panose="020F0502020204030204" pitchFamily="34" charset="0"/>
+                        </a:rPr>
+                        <a:t>ˈ</a:t>
+                      </a:r>
+                      <a:r>
+                        <a:rPr lang="nb-NO" sz="1200" b="0" i="0" kern="1200" dirty="0">
+                          <a:solidFill>
+                            <a:schemeClr val="dk1"/>
+                          </a:solidFill>
+                          <a:effectLst/>
+                          <a:latin typeface="+mn-lt"/>
+                          <a:ea typeface="+mn-ea"/>
+                          <a:cs typeface="+mn-cs"/>
+                        </a:rPr>
+                        <a:t>AB</a:t>
+                      </a:r>
+                      <a:r>
+                        <a:rPr lang="nb-NO" sz="1200" b="0" dirty="0">
+                          <a:latin typeface="Calibri" panose="020F0502020204030204" pitchFamily="34" charset="0"/>
+                          <a:cs typeface="Calibri" panose="020F0502020204030204" pitchFamily="34" charset="0"/>
+                        </a:rPr>
+                        <a:t>ˈ</a:t>
+                      </a:r>
+                      <a:endParaRPr lang="nb-NO" sz="1200" b="0" i="0" kern="1200" dirty="0">
+                        <a:solidFill>
+                          <a:schemeClr val="dk1"/>
+                        </a:solidFill>
+                        <a:effectLst/>
+                        <a:latin typeface="+mn-lt"/>
+                        <a:ea typeface="+mn-ea"/>
+                        <a:cs typeface="+mn-cs"/>
+                      </a:endParaRPr>
+                    </a:p>
+                    <a:p>
+                      <a:r>
+                        <a:rPr lang="nb-NO" sz="1200" b="0" i="0" kern="1200" dirty="0" err="1">
+                          <a:solidFill>
+                            <a:schemeClr val="dk1"/>
+                          </a:solidFill>
+                          <a:effectLst/>
+                          <a:latin typeface="+mn-lt"/>
+                          <a:ea typeface="+mn-ea"/>
+                          <a:cs typeface="+mn-cs"/>
+                        </a:rPr>
+                        <a:t>History</a:t>
+                      </a:r>
+                      <a:r>
+                        <a:rPr lang="nb-NO" sz="1200" b="0" i="0" kern="1200" dirty="0">
+                          <a:solidFill>
+                            <a:schemeClr val="dk1"/>
+                          </a:solidFill>
+                          <a:effectLst/>
+                          <a:latin typeface="+mn-lt"/>
+                          <a:ea typeface="+mn-ea"/>
+                          <a:cs typeface="+mn-cs"/>
+                        </a:rPr>
+                        <a:t> </a:t>
+                      </a:r>
+                      <a:r>
+                        <a:rPr lang="nb-NO" sz="1200" b="0" i="0" kern="1200" dirty="0" err="1">
+                          <a:solidFill>
+                            <a:schemeClr val="dk1"/>
+                          </a:solidFill>
+                          <a:effectLst/>
+                          <a:latin typeface="+mn-lt"/>
+                          <a:ea typeface="+mn-ea"/>
+                          <a:cs typeface="+mn-cs"/>
+                        </a:rPr>
+                        <a:t>of</a:t>
+                      </a:r>
+                      <a:r>
+                        <a:rPr lang="nb-NO" sz="1200" b="0" i="0" kern="1200" dirty="0">
+                          <a:solidFill>
+                            <a:schemeClr val="dk1"/>
+                          </a:solidFill>
+                          <a:effectLst/>
+                          <a:latin typeface="+mn-lt"/>
+                          <a:ea typeface="+mn-ea"/>
+                          <a:cs typeface="+mn-cs"/>
+                        </a:rPr>
+                        <a:t> Smoking: 1.0</a:t>
+                      </a:r>
+                    </a:p>
+                    <a:p>
+                      <a:r>
+                        <a:rPr lang="nb-NO" sz="1200" b="0" i="0" kern="1200" dirty="0">
+                          <a:solidFill>
+                            <a:schemeClr val="dk1"/>
+                          </a:solidFill>
+                          <a:effectLst/>
+                          <a:latin typeface="+mn-lt"/>
+                          <a:ea typeface="+mn-ea"/>
+                          <a:cs typeface="+mn-cs"/>
+                        </a:rPr>
+                        <a:t>Age: 38</a:t>
+                      </a:r>
+                      <a:br>
+                        <a:rPr lang="nb-NO" sz="1200" dirty="0"/>
+                      </a:br>
+                      <a:r>
+                        <a:rPr lang="nb-NO" sz="1200" b="0" i="0" kern="1200" dirty="0" err="1">
+                          <a:solidFill>
+                            <a:schemeClr val="dk1"/>
+                          </a:solidFill>
+                          <a:effectLst/>
+                          <a:latin typeface="+mn-lt"/>
+                          <a:ea typeface="+mn-ea"/>
+                          <a:cs typeface="+mn-cs"/>
+                        </a:rPr>
+                        <a:t>eGFR</a:t>
+                      </a:r>
+                      <a:r>
+                        <a:rPr lang="nb-NO" sz="1200" b="0" i="0" kern="1200" dirty="0">
+                          <a:solidFill>
+                            <a:schemeClr val="dk1"/>
+                          </a:solidFill>
+                          <a:effectLst/>
+                          <a:latin typeface="+mn-lt"/>
+                          <a:ea typeface="+mn-ea"/>
+                          <a:cs typeface="+mn-cs"/>
+                        </a:rPr>
+                        <a:t>: 76.77</a:t>
+                      </a:r>
+                    </a:p>
+                    <a:p>
+                      <a:r>
+                        <a:rPr lang="nb-NO" sz="1200" b="0" i="0" kern="1200" dirty="0">
+                          <a:solidFill>
+                            <a:schemeClr val="dk1"/>
+                          </a:solidFill>
+                          <a:effectLst/>
+                          <a:latin typeface="+mn-lt"/>
+                          <a:ea typeface="+mn-ea"/>
+                          <a:cs typeface="+mn-cs"/>
+                        </a:rPr>
+                        <a:t>BMI: 22.0</a:t>
+                      </a:r>
+                    </a:p>
+                    <a:p>
+                      <a:r>
+                        <a:rPr lang="nb-NO" sz="1200" b="0" i="0" kern="1200" dirty="0" err="1">
+                          <a:solidFill>
+                            <a:schemeClr val="dk1"/>
+                          </a:solidFill>
+                          <a:effectLst/>
+                          <a:latin typeface="+mn-lt"/>
+                          <a:ea typeface="+mn-ea"/>
+                          <a:cs typeface="+mn-cs"/>
+                        </a:rPr>
+                        <a:t>African</a:t>
+                      </a:r>
+                      <a:r>
+                        <a:rPr lang="nb-NO" sz="1200" b="0" i="0" kern="1200" dirty="0">
+                          <a:solidFill>
+                            <a:schemeClr val="dk1"/>
+                          </a:solidFill>
+                          <a:effectLst/>
+                          <a:latin typeface="+mn-lt"/>
+                          <a:ea typeface="+mn-ea"/>
+                          <a:cs typeface="+mn-cs"/>
+                        </a:rPr>
+                        <a:t> Heritage: 0</a:t>
+                      </a:r>
+                      <a:br>
+                        <a:rPr lang="nb-NO" sz="1200" dirty="0"/>
+                      </a:br>
+                      <a:r>
+                        <a:rPr lang="nb-NO" sz="1200" b="0" i="0" kern="1200" dirty="0">
+                          <a:solidFill>
+                            <a:schemeClr val="dk1"/>
+                          </a:solidFill>
+                          <a:effectLst/>
+                          <a:latin typeface="+mn-lt"/>
+                          <a:ea typeface="+mn-ea"/>
+                          <a:cs typeface="+mn-cs"/>
+                        </a:rPr>
+                        <a:t>SBP: 108.0</a:t>
+                      </a:r>
+                    </a:p>
+                    <a:p>
+                      <a:r>
+                        <a:rPr lang="nb-NO" sz="1200" b="0" i="0" kern="1200" dirty="0" err="1">
+                          <a:solidFill>
+                            <a:schemeClr val="dk1"/>
+                          </a:solidFill>
+                          <a:effectLst/>
+                          <a:latin typeface="+mn-lt"/>
+                          <a:ea typeface="+mn-ea"/>
+                          <a:cs typeface="+mn-cs"/>
+                        </a:rPr>
+                        <a:t>Gender</a:t>
+                      </a:r>
+                      <a:r>
+                        <a:rPr lang="nb-NO" sz="1200" b="0" i="0" kern="1200" dirty="0">
+                          <a:solidFill>
+                            <a:schemeClr val="dk1"/>
+                          </a:solidFill>
+                          <a:effectLst/>
+                          <a:latin typeface="+mn-lt"/>
+                          <a:ea typeface="+mn-ea"/>
+                          <a:cs typeface="+mn-cs"/>
+                        </a:rPr>
+                        <a:t>: 1</a:t>
+                      </a:r>
+                      <a:endParaRPr lang="nb-NO" sz="1200" dirty="0"/>
+                    </a:p>
+                  </a:txBody>
+                  <a:tcPr/>
+                </a:tc>
+                <a:extLst>
+                  <a:ext uri="{0D108BD9-81ED-4DB2-BD59-A6C34878D82A}">
+                    <a16:rowId xmlns:a16="http://schemas.microsoft.com/office/drawing/2014/main" val="1464580395"/>
+                  </a:ext>
+                </a:extLst>
+              </a:tr>
+              <a:tr h="632702">
+                <a:tc gridSpan="2">
+                  <a:txBody>
+                    <a:bodyPr/>
+                    <a:lstStyle/>
+                    <a:p>
+                      <a:pPr algn="ctr"/>
+                      <a:r>
+                        <a:rPr lang="nb-NO" sz="1200" b="0" dirty="0" err="1"/>
+                        <a:t>Unrelated</a:t>
+                      </a:r>
+                      <a:r>
+                        <a:rPr lang="nb-NO" sz="1200" b="0" dirty="0"/>
+                        <a:t>: 1.0</a:t>
+                      </a:r>
+                      <a:br>
+                        <a:rPr lang="nb-NO" sz="1200" b="0" dirty="0"/>
+                      </a:br>
+                      <a:r>
+                        <a:rPr lang="nb-NO" sz="1200" b="0" i="0" kern="1200" dirty="0">
+                          <a:solidFill>
+                            <a:schemeClr val="dk1"/>
+                          </a:solidFill>
+                          <a:effectLst/>
+                          <a:latin typeface="+mn-lt"/>
+                          <a:ea typeface="+mn-ea"/>
+                          <a:cs typeface="+mn-cs"/>
+                        </a:rPr>
+                        <a:t>HLA-B </a:t>
+                      </a:r>
+                      <a:r>
+                        <a:rPr lang="nb-NO" sz="1200" b="0" i="0" kern="1200" dirty="0" err="1">
+                          <a:solidFill>
+                            <a:schemeClr val="dk1"/>
+                          </a:solidFill>
+                          <a:effectLst/>
+                          <a:latin typeface="+mn-lt"/>
+                          <a:ea typeface="+mn-ea"/>
+                          <a:cs typeface="+mn-cs"/>
+                        </a:rPr>
+                        <a:t>Mismatches</a:t>
+                      </a:r>
+                      <a:r>
+                        <a:rPr lang="nb-NO" sz="1200" b="0" i="0" kern="1200" dirty="0">
+                          <a:solidFill>
+                            <a:schemeClr val="dk1"/>
+                          </a:solidFill>
+                          <a:effectLst/>
+                          <a:latin typeface="+mn-lt"/>
+                          <a:ea typeface="+mn-ea"/>
+                          <a:cs typeface="+mn-cs"/>
+                        </a:rPr>
+                        <a:t>: 0.0</a:t>
+                      </a:r>
+                      <a:br>
+                        <a:rPr lang="nb-NO" sz="1200" dirty="0"/>
+                      </a:br>
+                      <a:r>
+                        <a:rPr lang="nb-NO" sz="1200" b="0" i="0" kern="1200" dirty="0">
+                          <a:solidFill>
+                            <a:schemeClr val="dk1"/>
+                          </a:solidFill>
+                          <a:effectLst/>
+                          <a:latin typeface="+mn-lt"/>
+                          <a:ea typeface="+mn-ea"/>
+                          <a:cs typeface="+mn-cs"/>
+                        </a:rPr>
+                        <a:t>HLA-DR </a:t>
+                      </a:r>
+                      <a:r>
+                        <a:rPr lang="nb-NO" sz="1200" b="0" i="0" kern="1200" dirty="0" err="1">
+                          <a:solidFill>
+                            <a:schemeClr val="dk1"/>
+                          </a:solidFill>
+                          <a:effectLst/>
+                          <a:latin typeface="+mn-lt"/>
+                          <a:ea typeface="+mn-ea"/>
+                          <a:cs typeface="+mn-cs"/>
+                        </a:rPr>
+                        <a:t>Mismatches</a:t>
+                      </a:r>
+                      <a:r>
+                        <a:rPr lang="nb-NO" sz="1200" b="0" i="0" kern="1200" dirty="0">
+                          <a:solidFill>
+                            <a:schemeClr val="dk1"/>
+                          </a:solidFill>
+                          <a:effectLst/>
+                          <a:latin typeface="+mn-lt"/>
+                          <a:ea typeface="+mn-ea"/>
+                          <a:cs typeface="+mn-cs"/>
+                        </a:rPr>
+                        <a:t>: 1.0</a:t>
+                      </a:r>
+                      <a:endParaRPr lang="nb-NO" sz="1200" dirty="0"/>
+                    </a:p>
+                  </a:txBody>
+                  <a:tcPr/>
+                </a:tc>
+                <a:tc hMerge="1">
+                  <a:txBody>
+                    <a:bodyPr/>
+                    <a:lstStyle/>
+                    <a:p>
+                      <a:endParaRPr lang="nb-NO"/>
+                    </a:p>
+                  </a:txBody>
+                  <a:tcPr/>
+                </a:tc>
+                <a:tc gridSpan="2">
+                  <a:txBody>
+                    <a:bodyPr/>
+                    <a:lstStyle/>
+                    <a:p>
+                      <a:pPr algn="ctr"/>
+                      <a:r>
+                        <a:rPr lang="nb-NO" sz="1200" b="0" dirty="0" err="1"/>
+                        <a:t>Unrelated</a:t>
+                      </a:r>
+                      <a:r>
+                        <a:rPr lang="nb-NO" sz="1200" b="0" dirty="0"/>
+                        <a:t>: 1.0</a:t>
+                      </a:r>
+                    </a:p>
+                    <a:p>
+                      <a:pPr algn="ctr"/>
+                      <a:r>
+                        <a:rPr lang="nb-NO" sz="1200" b="0" i="0" kern="1200" dirty="0">
+                          <a:solidFill>
+                            <a:schemeClr val="dk1"/>
+                          </a:solidFill>
+                          <a:effectLst/>
+                          <a:latin typeface="+mn-lt"/>
+                          <a:ea typeface="+mn-ea"/>
+                          <a:cs typeface="+mn-cs"/>
+                        </a:rPr>
+                        <a:t>HLA-B </a:t>
+                      </a:r>
+                      <a:r>
+                        <a:rPr lang="nb-NO" sz="1200" b="0" i="0" kern="1200" dirty="0" err="1">
+                          <a:solidFill>
+                            <a:schemeClr val="dk1"/>
+                          </a:solidFill>
+                          <a:effectLst/>
+                          <a:latin typeface="+mn-lt"/>
+                          <a:ea typeface="+mn-ea"/>
+                          <a:cs typeface="+mn-cs"/>
+                        </a:rPr>
+                        <a:t>Mismatches</a:t>
+                      </a:r>
+                      <a:r>
+                        <a:rPr lang="nb-NO" sz="1200" b="0" i="0" kern="1200" dirty="0">
+                          <a:solidFill>
+                            <a:schemeClr val="dk1"/>
+                          </a:solidFill>
+                          <a:effectLst/>
+                          <a:latin typeface="+mn-lt"/>
+                          <a:ea typeface="+mn-ea"/>
+                          <a:cs typeface="+mn-cs"/>
+                        </a:rPr>
+                        <a:t>: 1.0</a:t>
+                      </a:r>
+                      <a:br>
+                        <a:rPr lang="nb-NO" sz="1200" dirty="0"/>
+                      </a:br>
+                      <a:r>
+                        <a:rPr lang="nb-NO" sz="1200" b="0" i="0" kern="1200" dirty="0">
+                          <a:solidFill>
+                            <a:schemeClr val="dk1"/>
+                          </a:solidFill>
+                          <a:effectLst/>
+                          <a:latin typeface="+mn-lt"/>
+                          <a:ea typeface="+mn-ea"/>
+                          <a:cs typeface="+mn-cs"/>
+                        </a:rPr>
+                        <a:t>HLA-DR </a:t>
+                      </a:r>
+                      <a:r>
+                        <a:rPr lang="nb-NO" sz="1200" b="0" i="0" kern="1200" dirty="0" err="1">
+                          <a:solidFill>
+                            <a:schemeClr val="dk1"/>
+                          </a:solidFill>
+                          <a:effectLst/>
+                          <a:latin typeface="+mn-lt"/>
+                          <a:ea typeface="+mn-ea"/>
+                          <a:cs typeface="+mn-cs"/>
+                        </a:rPr>
+                        <a:t>Mismatches</a:t>
+                      </a:r>
+                      <a:r>
+                        <a:rPr lang="nb-NO" sz="1200" b="0" i="0" kern="1200" dirty="0">
+                          <a:solidFill>
+                            <a:schemeClr val="dk1"/>
+                          </a:solidFill>
+                          <a:effectLst/>
+                          <a:latin typeface="+mn-lt"/>
+                          <a:ea typeface="+mn-ea"/>
+                          <a:cs typeface="+mn-cs"/>
+                        </a:rPr>
+                        <a:t>: 2.0</a:t>
+                      </a:r>
+                      <a:endParaRPr lang="nb-NO" sz="1200" b="0" dirty="0"/>
+                    </a:p>
+                  </a:txBody>
+                  <a:tcPr/>
+                </a:tc>
+                <a:tc hMerge="1">
+                  <a:txBody>
+                    <a:bodyPr/>
+                    <a:lstStyle/>
+                    <a:p>
+                      <a:endParaRPr lang="nb-NO" dirty="0"/>
+                    </a:p>
+                  </a:txBody>
+                  <a:tcPr/>
+                </a:tc>
+                <a:tc gridSpan="2">
+                  <a:txBody>
+                    <a:bodyPr/>
+                    <a:lstStyle/>
+                    <a:p>
+                      <a:pPr algn="ctr"/>
+                      <a:r>
+                        <a:rPr lang="nb-NO" sz="1200" b="0" i="0" kern="1200" dirty="0" err="1">
+                          <a:solidFill>
+                            <a:schemeClr val="dk1"/>
+                          </a:solidFill>
+                          <a:effectLst/>
+                          <a:latin typeface="+mn-lt"/>
+                          <a:ea typeface="+mn-ea"/>
+                          <a:cs typeface="+mn-cs"/>
+                        </a:rPr>
+                        <a:t>Unrelated</a:t>
+                      </a:r>
+                      <a:r>
+                        <a:rPr lang="nb-NO" sz="1200" b="0" i="0" kern="1200" dirty="0">
+                          <a:solidFill>
+                            <a:schemeClr val="dk1"/>
+                          </a:solidFill>
+                          <a:effectLst/>
+                          <a:latin typeface="+mn-lt"/>
+                          <a:ea typeface="+mn-ea"/>
+                          <a:cs typeface="+mn-cs"/>
+                        </a:rPr>
+                        <a:t>: 1.0</a:t>
+                      </a:r>
+                    </a:p>
+                    <a:p>
+                      <a:pPr algn="ctr"/>
+                      <a:r>
+                        <a:rPr lang="nb-NO" sz="1200" b="0" i="0" kern="1200" dirty="0">
+                          <a:solidFill>
+                            <a:schemeClr val="dk1"/>
+                          </a:solidFill>
+                          <a:effectLst/>
+                          <a:latin typeface="+mn-lt"/>
+                          <a:ea typeface="+mn-ea"/>
+                          <a:cs typeface="+mn-cs"/>
+                        </a:rPr>
+                        <a:t>HLA-B </a:t>
+                      </a:r>
+                      <a:r>
+                        <a:rPr lang="nb-NO" sz="1200" b="0" i="0" kern="1200" dirty="0" err="1">
+                          <a:solidFill>
+                            <a:schemeClr val="dk1"/>
+                          </a:solidFill>
+                          <a:effectLst/>
+                          <a:latin typeface="+mn-lt"/>
+                          <a:ea typeface="+mn-ea"/>
+                          <a:cs typeface="+mn-cs"/>
+                        </a:rPr>
+                        <a:t>Mismatches</a:t>
+                      </a:r>
+                      <a:r>
+                        <a:rPr lang="nb-NO" sz="1200" b="0" i="0" kern="1200" dirty="0">
+                          <a:solidFill>
+                            <a:schemeClr val="dk1"/>
+                          </a:solidFill>
+                          <a:effectLst/>
+                          <a:latin typeface="+mn-lt"/>
+                          <a:ea typeface="+mn-ea"/>
+                          <a:cs typeface="+mn-cs"/>
+                        </a:rPr>
+                        <a:t>: 1.0</a:t>
+                      </a:r>
+                      <a:br>
+                        <a:rPr lang="nb-NO" sz="1200" dirty="0"/>
+                      </a:br>
+                      <a:r>
+                        <a:rPr lang="nb-NO" sz="1200" b="0" i="0" kern="1200" dirty="0">
+                          <a:solidFill>
+                            <a:schemeClr val="dk1"/>
+                          </a:solidFill>
+                          <a:effectLst/>
+                          <a:latin typeface="+mn-lt"/>
+                          <a:ea typeface="+mn-ea"/>
+                          <a:cs typeface="+mn-cs"/>
+                        </a:rPr>
+                        <a:t>HLA-DR </a:t>
+                      </a:r>
+                      <a:r>
+                        <a:rPr lang="nb-NO" sz="1200" b="0" i="0" kern="1200" dirty="0" err="1">
+                          <a:solidFill>
+                            <a:schemeClr val="dk1"/>
+                          </a:solidFill>
+                          <a:effectLst/>
+                          <a:latin typeface="+mn-lt"/>
+                          <a:ea typeface="+mn-ea"/>
+                          <a:cs typeface="+mn-cs"/>
+                        </a:rPr>
+                        <a:t>Mismatches</a:t>
+                      </a:r>
+                      <a:r>
+                        <a:rPr lang="nb-NO" sz="1200" b="0" i="0" kern="1200" dirty="0">
+                          <a:solidFill>
+                            <a:schemeClr val="dk1"/>
+                          </a:solidFill>
+                          <a:effectLst/>
+                          <a:latin typeface="+mn-lt"/>
+                          <a:ea typeface="+mn-ea"/>
+                          <a:cs typeface="+mn-cs"/>
+                        </a:rPr>
+                        <a:t>: 1.0</a:t>
+                      </a:r>
+                      <a:endParaRPr lang="nb-NO" sz="1200" dirty="0"/>
+                    </a:p>
+                  </a:txBody>
+                  <a:tcPr/>
+                </a:tc>
+                <a:tc hMerge="1">
+                  <a:txBody>
+                    <a:bodyPr/>
+                    <a:lstStyle/>
+                    <a:p>
+                      <a:endParaRPr lang="nb-NO" dirty="0"/>
+                    </a:p>
+                  </a:txBody>
+                  <a:tcPr/>
+                </a:tc>
+                <a:extLst>
+                  <a:ext uri="{0D108BD9-81ED-4DB2-BD59-A6C34878D82A}">
+                    <a16:rowId xmlns:a16="http://schemas.microsoft.com/office/drawing/2014/main" val="3243449554"/>
+                  </a:ext>
+                </a:extLst>
+              </a:tr>
+            </a:tbl>
+          </a:graphicData>
+        </a:graphic>
+      </p:graphicFrame>
+    </p:spTree>
+    <p:extLst>
+      <p:ext uri="{BB962C8B-B14F-4D97-AF65-F5344CB8AC3E}">
+        <p14:creationId xmlns:p14="http://schemas.microsoft.com/office/powerpoint/2010/main" val="2612061614"/>
+      </p:ext>
+    </p:extLst>
+  </p:cSld>
+  <p:clrMapOvr>
+    <a:masterClrMapping/>
+  </p:clrMapOvr>
+</p:sld>
+</file>
+
+<file path=ppt/slides/slide13.xml><?xml version="1.0" encoding="utf-8"?>
+<p:sld xmlns:a="http://schemas.openxmlformats.org/drawingml/2006/main" xmlns:r="http://schemas.openxmlformats.org/officeDocument/2006/relationships" xmlns:p="http://schemas.openxmlformats.org/presentationml/2006/main">
+  <p:cSld>
+    <p:spTree>
+      <p:nvGrpSpPr>
+        <p:cNvPr id="1" name=""/>
+        <p:cNvGrpSpPr/>
+        <p:nvPr/>
+      </p:nvGrpSpPr>
+      <p:grpSpPr>
+        <a:xfrm>
+          <a:off x="0" y="0"/>
+          <a:ext cx="0" cy="0"/>
+          <a:chOff x="0" y="0"/>
+          <a:chExt cx="0" cy="0"/>
+        </a:xfrm>
+      </p:grpSpPr>
+      <p:sp>
+        <p:nvSpPr>
+          <p:cNvPr id="2" name="Title 1">
+            <a:extLst>
+              <a:ext uri="{FF2B5EF4-FFF2-40B4-BE49-F238E27FC236}">
+                <a16:creationId xmlns:a16="http://schemas.microsoft.com/office/drawing/2014/main" id="{D8D7D835-2177-46FA-A39F-10895FF54418}"/>
+              </a:ext>
+            </a:extLst>
+          </p:cNvPr>
+          <p:cNvSpPr>
+            <a:spLocks noGrp="1"/>
+          </p:cNvSpPr>
+          <p:nvPr>
+            <p:ph type="title"/>
+          </p:nvPr>
+        </p:nvSpPr>
+        <p:spPr/>
+        <p:txBody>
+          <a:bodyPr/>
+          <a:lstStyle/>
+          <a:p>
+            <a:r>
+              <a:rPr lang="is-IS" dirty="0"/>
               <a:t>Kidney Exchange Program: Further work</a:t>
             </a:r>
             <a:endParaRPr lang="nb-NO" dirty="0"/>
@@ -3503,13 +7269,8 @@
           <a:p>
             <a:r>
               <a:rPr lang="is-IS" dirty="0"/>
-              <a:t>Estimate if a Kidney Exchange Program could be economically benificial for the Icelandic Health </a:t>
-            </a:r>
-            <a:r>
-              <a:rPr lang="is-IS"/>
-              <a:t>Care System</a:t>
-            </a:r>
-            <a:endParaRPr lang="is-IS" dirty="0"/>
+              <a:t>Estimate if a Kidney Exchange Program could be economically benificial for the Icelandic Health Care System</a:t>
+            </a:r>
           </a:p>
         </p:txBody>
       </p:sp>
@@ -4316,7 +8077,7 @@
           <a:p>
             <a:r>
               <a:rPr lang="is-IS" dirty="0"/>
-              <a:t>Donor‘s Physcal Condition: Age, BMI, eGFR, SBP, History of Smoking</a:t>
+              <a:t>Donor‘s Physical Condition: Age, BMI, eGFR, SBP, History of Smoking</a:t>
             </a:r>
           </a:p>
           <a:p>
@@ -4701,7 +8462,9 @@
         </p:nvSpPr>
         <p:spPr/>
         <p:txBody>
-          <a:bodyPr/>
+          <a:bodyPr>
+            <a:normAutofit fontScale="92500" lnSpcReduction="20000"/>
+          </a:bodyPr>
           <a:lstStyle/>
           <a:p>
             <a:r>
@@ -4712,13 +8475,13 @@
           <a:p>
             <a:r>
               <a:rPr lang="is-IS" dirty="0"/>
-              <a:t>Sequence</a:t>
+              <a:t>Sequence with Permutations</a:t>
             </a:r>
           </a:p>
           <a:p>
             <a:r>
               <a:rPr lang="is-IS" dirty="0"/>
-              <a:t>Objective Function</a:t>
+              <a:t>Objective Functions:</a:t>
             </a:r>
           </a:p>
           <a:p>
@@ -4729,6 +8492,34 @@
             </a:r>
           </a:p>
           <a:p>
+            <a:pPr lvl="2"/>
+            <a:r>
+              <a:rPr lang="is-IS" dirty="0"/>
+              <a:t>Higher risk of kidney rejection</a:t>
+            </a:r>
+          </a:p>
+          <a:p>
+            <a:pPr lvl="2"/>
+            <a:r>
+              <a:rPr lang="is-IS" dirty="0"/>
+              <a:t>Logistical problems</a:t>
+            </a:r>
+          </a:p>
+          <a:p>
+            <a:pPr lvl="1"/>
+            <a:r>
+              <a:rPr lang="is-IS" dirty="0"/>
+              <a:t>Maximum kidney distribution</a:t>
+            </a:r>
+          </a:p>
+          <a:p>
+            <a:pPr lvl="2"/>
+            <a:r>
+              <a:rPr lang="is-IS" dirty="0"/>
+              <a:t>Higher risk of kidney rejection</a:t>
+            </a:r>
+          </a:p>
+          <a:p>
             <a:pPr lvl="1"/>
             <a:r>
               <a:rPr lang="is-IS" dirty="0"/>
@@ -4736,19 +8527,32 @@
             </a:r>
           </a:p>
           <a:p>
+            <a:pPr lvl="2"/>
+            <a:r>
+              <a:rPr lang="is-IS" dirty="0"/>
+              <a:t>Lowest risk of kidney rejection</a:t>
+            </a:r>
+          </a:p>
+          <a:p>
+            <a:pPr lvl="2"/>
+            <a:r>
+              <a:rPr lang="is-IS" dirty="0"/>
+              <a:t>Will favor a slightly lower risk 2-way exchange over a 3-way exchange</a:t>
+            </a:r>
+          </a:p>
+          <a:p>
             <a:pPr lvl="1"/>
             <a:r>
+              <a:rPr lang="is-IS" b="1" dirty="0"/>
+              <a:t>Constrained kidney chain size – Lowest risk kidney chain of that size selected</a:t>
+            </a:r>
+          </a:p>
+          <a:p>
+            <a:pPr lvl="2"/>
+            <a:r>
               <a:rPr lang="is-IS" dirty="0"/>
-              <a:t>Maximum kidney chain size</a:t>
-            </a:r>
-          </a:p>
-          <a:p>
-            <a:pPr lvl="2"/>
-            <a:r>
-              <a:rPr lang="is-IS" dirty="0"/>
-              <a:t>Amount of kidney transplants possible at the same time</a:t>
-            </a:r>
-            <a:endParaRPr lang="nb-NO" dirty="0"/>
+              <a:t>Accounts for logistics, f. ex. amount of kidney transplants possible at the same time</a:t>
+            </a:r>
           </a:p>
         </p:txBody>
       </p:sp>
@@ -4832,16 +8636,21 @@
           <a:bodyPr/>
           <a:lstStyle/>
           <a:p>
-            <a:endParaRPr lang="nb-NO"/>
+            <a:pPr algn="ctr"/>
+            <a:r>
+              <a:rPr lang="is-IS" dirty="0"/>
+              <a:t>Possible Kidney Exchanges</a:t>
+            </a:r>
+            <a:endParaRPr lang="nb-NO" dirty="0"/>
           </a:p>
         </p:txBody>
       </p:sp>
       <p:sp>
         <p:nvSpPr>
-          <p:cNvPr id="4" name="Content Placeholder 3">
-            <a:extLst>
-              <a:ext uri="{FF2B5EF4-FFF2-40B4-BE49-F238E27FC236}">
-                <a16:creationId xmlns:a16="http://schemas.microsoft.com/office/drawing/2014/main" id="{32DD84E5-3846-4615-B93C-5D27990094B3}"/>
+          <p:cNvPr id="5" name="Text Placeholder 4">
+            <a:extLst>
+              <a:ext uri="{FF2B5EF4-FFF2-40B4-BE49-F238E27FC236}">
+                <a16:creationId xmlns:a16="http://schemas.microsoft.com/office/drawing/2014/main" id="{5B699821-9119-41A7-B096-74E5BBAAD599}"/>
               </a:ext>
             </a:extLst>
           </p:cNvPr>
@@ -4849,7 +8658,7 @@
             <a:spLocks noGrp="1"/>
           </p:cNvSpPr>
           <p:nvPr>
-            <p:ph sz="half" idx="2"/>
+            <p:ph type="body" sz="quarter" idx="3"/>
           </p:nvPr>
         </p:nvSpPr>
         <p:spPr/>
@@ -4857,60 +8666,113 @@
           <a:bodyPr/>
           <a:lstStyle/>
           <a:p>
-            <a:endParaRPr lang="nb-NO"/>
+            <a:pPr algn="ctr"/>
+            <a:r>
+              <a:rPr lang="is-IS" dirty="0"/>
+              <a:t>Best 4-way Exchange Kidney Chain</a:t>
+            </a:r>
+            <a:endParaRPr lang="nb-NO" dirty="0"/>
           </a:p>
         </p:txBody>
       </p:sp>
-      <p:sp>
-        <p:nvSpPr>
-          <p:cNvPr id="5" name="Text Placeholder 4">
-            <a:extLst>
-              <a:ext uri="{FF2B5EF4-FFF2-40B4-BE49-F238E27FC236}">
-                <a16:creationId xmlns:a16="http://schemas.microsoft.com/office/drawing/2014/main" id="{5B699821-9119-41A7-B096-74E5BBAAD599}"/>
-              </a:ext>
-            </a:extLst>
-          </p:cNvPr>
-          <p:cNvSpPr>
-            <a:spLocks noGrp="1"/>
-          </p:cNvSpPr>
-          <p:nvPr>
-            <p:ph type="body" sz="quarter" idx="3"/>
-          </p:nvPr>
-        </p:nvSpPr>
-        <p:spPr/>
-        <p:txBody>
-          <a:bodyPr/>
-          <a:lstStyle/>
-          <a:p>
-            <a:endParaRPr lang="nb-NO"/>
-          </a:p>
-        </p:txBody>
-      </p:sp>
-      <p:sp>
-        <p:nvSpPr>
-          <p:cNvPr id="6" name="Content Placeholder 5">
-            <a:extLst>
-              <a:ext uri="{FF2B5EF4-FFF2-40B4-BE49-F238E27FC236}">
-                <a16:creationId xmlns:a16="http://schemas.microsoft.com/office/drawing/2014/main" id="{C4B5B29E-1378-4D52-8115-0090667ECD05}"/>
-              </a:ext>
-            </a:extLst>
-          </p:cNvPr>
-          <p:cNvSpPr>
-            <a:spLocks noGrp="1"/>
-          </p:cNvSpPr>
+      <p:pic>
+        <p:nvPicPr>
+          <p:cNvPr id="1026" name="Picture 2" descr="https://raw.githubusercontent.com/Kjarten/KidneyExchange-IS/master/image_1A.png?token=AKJGZRQRUR35Z66XCC76O6C53RJ6A">
+            <a:extLst>
+              <a:ext uri="{FF2B5EF4-FFF2-40B4-BE49-F238E27FC236}">
+                <a16:creationId xmlns:a16="http://schemas.microsoft.com/office/drawing/2014/main" id="{27D89948-103E-4075-980E-B10617276101}"/>
+              </a:ext>
+            </a:extLst>
+          </p:cNvPr>
+          <p:cNvPicPr>
+            <a:picLocks noGrp="1" noChangeAspect="1" noChangeArrowheads="1"/>
+          </p:cNvPicPr>
+          <p:nvPr>
+            <p:ph sz="half" idx="2"/>
+          </p:nvPr>
+        </p:nvPicPr>
+        <p:blipFill>
+          <a:blip r:embed="rId2">
+            <a:extLst>
+              <a:ext uri="{28A0092B-C50C-407E-A947-70E740481C1C}">
+                <a14:useLocalDpi xmlns:a14="http://schemas.microsoft.com/office/drawing/2010/main" val="0"/>
+              </a:ext>
+            </a:extLst>
+          </a:blip>
+          <a:srcRect/>
+          <a:stretch>
+            <a:fillRect/>
+          </a:stretch>
+        </p:blipFill>
+        <p:spPr bwMode="auto">
+          <a:xfrm>
+            <a:off x="984404" y="2505075"/>
+            <a:ext cx="4868554" cy="3684588"/>
+          </a:xfrm>
+          <a:prstGeom prst="rect">
+            <a:avLst/>
+          </a:prstGeom>
+          <a:noFill/>
+          <a:extLst>
+            <a:ext uri="{909E8E84-426E-40DD-AFC4-6F175D3DCCD1}">
+              <a14:hiddenFill xmlns:a14="http://schemas.microsoft.com/office/drawing/2010/main">
+                <a:solidFill>
+                  <a:srgbClr val="FFFFFF"/>
+                </a:solidFill>
+              </a14:hiddenFill>
+            </a:ext>
+          </a:extLst>
+        </p:spPr>
+      </p:pic>
+      <p:pic>
+        <p:nvPicPr>
+          <p:cNvPr id="1028" name="Picture 4" descr="https://raw.githubusercontent.com/Kjarten/KidneyExchange-IS/master/image_1B.png?token=AKJGZRTFYVD7JWDOOXPOEOK53RJ6W">
+            <a:extLst>
+              <a:ext uri="{FF2B5EF4-FFF2-40B4-BE49-F238E27FC236}">
+                <a16:creationId xmlns:a16="http://schemas.microsoft.com/office/drawing/2014/main" id="{7412D7B0-E5EE-4875-9A5A-055C83002106}"/>
+              </a:ext>
+            </a:extLst>
+          </p:cNvPr>
+          <p:cNvPicPr>
+            <a:picLocks noGrp="1" noChangeAspect="1" noChangeArrowheads="1"/>
+          </p:cNvPicPr>
           <p:nvPr>
             <p:ph sz="quarter" idx="4"/>
           </p:nvPr>
-        </p:nvSpPr>
-        <p:spPr/>
-        <p:txBody>
-          <a:bodyPr/>
-          <a:lstStyle/>
-          <a:p>
-            <a:endParaRPr lang="nb-NO"/>
-          </a:p>
-        </p:txBody>
-      </p:sp>
+        </p:nvPicPr>
+        <p:blipFill>
+          <a:blip r:embed="rId3">
+            <a:extLst>
+              <a:ext uri="{28A0092B-C50C-407E-A947-70E740481C1C}">
+                <a14:useLocalDpi xmlns:a14="http://schemas.microsoft.com/office/drawing/2010/main" val="0"/>
+              </a:ext>
+            </a:extLst>
+          </a:blip>
+          <a:srcRect/>
+          <a:stretch>
+            <a:fillRect/>
+          </a:stretch>
+        </p:blipFill>
+        <p:spPr bwMode="auto">
+          <a:xfrm>
+            <a:off x="6329517" y="2505075"/>
+            <a:ext cx="4868554" cy="3684588"/>
+          </a:xfrm>
+          <a:prstGeom prst="rect">
+            <a:avLst/>
+          </a:prstGeom>
+          <a:noFill/>
+          <a:extLst>
+            <a:ext uri="{909E8E84-426E-40DD-AFC4-6F175D3DCCD1}">
+              <a14:hiddenFill xmlns:a14="http://schemas.microsoft.com/office/drawing/2010/main">
+                <a:solidFill>
+                  <a:srgbClr val="FFFFFF"/>
+                </a:solidFill>
+              </a14:hiddenFill>
+            </a:ext>
+          </a:extLst>
+        </p:spPr>
+      </p:pic>
     </p:spTree>
     <p:extLst>
       <p:ext uri="{BB962C8B-B14F-4D97-AF65-F5344CB8AC3E}">

--- a/Kidney Exchange Program.pptx
+++ b/Kidney Exchange Program.pptx
@@ -4,6 +4,9 @@
   <p:sldMasterIdLst>
     <p:sldMasterId id="2147483648" r:id="rId1"/>
   </p:sldMasterIdLst>
+  <p:notesMasterIdLst>
+    <p:notesMasterId r:id="rId15"/>
+  </p:notesMasterIdLst>
   <p:sldIdLst>
     <p:sldId id="256" r:id="rId2"/>
     <p:sldId id="259" r:id="rId3"/>
@@ -124,6 +127,1782 @@
 </p:presentation>
 </file>
 
+<file path=ppt/notesMasters/notesMaster1.xml><?xml version="1.0" encoding="utf-8"?>
+<p:notesMaster xmlns:a="http://schemas.openxmlformats.org/drawingml/2006/main" xmlns:r="http://schemas.openxmlformats.org/officeDocument/2006/relationships" xmlns:p="http://schemas.openxmlformats.org/presentationml/2006/main">
+  <p:cSld>
+    <p:bg>
+      <p:bgRef idx="1001">
+        <a:schemeClr val="bg1"/>
+      </p:bgRef>
+    </p:bg>
+    <p:spTree>
+      <p:nvGrpSpPr>
+        <p:cNvPr id="1" name=""/>
+        <p:cNvGrpSpPr/>
+        <p:nvPr/>
+      </p:nvGrpSpPr>
+      <p:grpSpPr>
+        <a:xfrm>
+          <a:off x="0" y="0"/>
+          <a:ext cx="0" cy="0"/>
+          <a:chOff x="0" y="0"/>
+          <a:chExt cx="0" cy="0"/>
+        </a:xfrm>
+      </p:grpSpPr>
+      <p:sp>
+        <p:nvSpPr>
+          <p:cNvPr id="2" name="Header Placeholder 1"/>
+          <p:cNvSpPr>
+            <a:spLocks noGrp="1"/>
+          </p:cNvSpPr>
+          <p:nvPr>
+            <p:ph type="hdr" sz="quarter"/>
+          </p:nvPr>
+        </p:nvSpPr>
+        <p:spPr>
+          <a:xfrm>
+            <a:off x="0" y="0"/>
+            <a:ext cx="2971800" cy="458788"/>
+          </a:xfrm>
+          <a:prstGeom prst="rect">
+            <a:avLst/>
+          </a:prstGeom>
+        </p:spPr>
+        <p:txBody>
+          <a:bodyPr vert="horz" lIns="91440" tIns="45720" rIns="91440" bIns="45720" rtlCol="0"/>
+          <a:lstStyle>
+            <a:lvl1pPr algn="l">
+              <a:defRPr sz="1200"/>
+            </a:lvl1pPr>
+          </a:lstStyle>
+          <a:p>
+            <a:endParaRPr lang="nb-NO"/>
+          </a:p>
+        </p:txBody>
+      </p:sp>
+      <p:sp>
+        <p:nvSpPr>
+          <p:cNvPr id="3" name="Date Placeholder 2"/>
+          <p:cNvSpPr>
+            <a:spLocks noGrp="1"/>
+          </p:cNvSpPr>
+          <p:nvPr>
+            <p:ph type="dt" idx="1"/>
+          </p:nvPr>
+        </p:nvSpPr>
+        <p:spPr>
+          <a:xfrm>
+            <a:off x="3884613" y="0"/>
+            <a:ext cx="2971800" cy="458788"/>
+          </a:xfrm>
+          <a:prstGeom prst="rect">
+            <a:avLst/>
+          </a:prstGeom>
+        </p:spPr>
+        <p:txBody>
+          <a:bodyPr vert="horz" lIns="91440" tIns="45720" rIns="91440" bIns="45720" rtlCol="0"/>
+          <a:lstStyle>
+            <a:lvl1pPr algn="r">
+              <a:defRPr sz="1200"/>
+            </a:lvl1pPr>
+          </a:lstStyle>
+          <a:p>
+            <a:fld id="{1A8F4C9B-D4C6-48E9-B073-5A8FC28812A3}" type="datetimeFigureOut">
+              <a:rPr lang="nb-NO" smtClean="0"/>
+              <a:t>26.11.2019</a:t>
+            </a:fld>
+            <a:endParaRPr lang="nb-NO"/>
+          </a:p>
+        </p:txBody>
+      </p:sp>
+      <p:sp>
+        <p:nvSpPr>
+          <p:cNvPr id="4" name="Slide Image Placeholder 3"/>
+          <p:cNvSpPr>
+            <a:spLocks noGrp="1" noRot="1" noChangeAspect="1"/>
+          </p:cNvSpPr>
+          <p:nvPr>
+            <p:ph type="sldImg" idx="2"/>
+          </p:nvPr>
+        </p:nvSpPr>
+        <p:spPr>
+          <a:xfrm>
+            <a:off x="685800" y="1143000"/>
+            <a:ext cx="5486400" cy="3086100"/>
+          </a:xfrm>
+          <a:prstGeom prst="rect">
+            <a:avLst/>
+          </a:prstGeom>
+          <a:noFill/>
+          <a:ln w="12700">
+            <a:solidFill>
+              <a:prstClr val="black"/>
+            </a:solidFill>
+          </a:ln>
+        </p:spPr>
+        <p:txBody>
+          <a:bodyPr vert="horz" lIns="91440" tIns="45720" rIns="91440" bIns="45720" rtlCol="0" anchor="ctr"/>
+          <a:lstStyle/>
+          <a:p>
+            <a:endParaRPr lang="nb-NO"/>
+          </a:p>
+        </p:txBody>
+      </p:sp>
+      <p:sp>
+        <p:nvSpPr>
+          <p:cNvPr id="5" name="Notes Placeholder 4"/>
+          <p:cNvSpPr>
+            <a:spLocks noGrp="1"/>
+          </p:cNvSpPr>
+          <p:nvPr>
+            <p:ph type="body" sz="quarter" idx="3"/>
+          </p:nvPr>
+        </p:nvSpPr>
+        <p:spPr>
+          <a:xfrm>
+            <a:off x="685800" y="4400550"/>
+            <a:ext cx="5486400" cy="3600450"/>
+          </a:xfrm>
+          <a:prstGeom prst="rect">
+            <a:avLst/>
+          </a:prstGeom>
+        </p:spPr>
+        <p:txBody>
+          <a:bodyPr vert="horz" lIns="91440" tIns="45720" rIns="91440" bIns="45720" rtlCol="0"/>
+          <a:lstStyle/>
+          <a:p>
+            <a:pPr lvl="0"/>
+            <a:r>
+              <a:rPr lang="en-US"/>
+              <a:t>Edit Master text styles</a:t>
+            </a:r>
+          </a:p>
+          <a:p>
+            <a:pPr lvl="1"/>
+            <a:r>
+              <a:rPr lang="en-US"/>
+              <a:t>Second level</a:t>
+            </a:r>
+          </a:p>
+          <a:p>
+            <a:pPr lvl="2"/>
+            <a:r>
+              <a:rPr lang="en-US"/>
+              <a:t>Third level</a:t>
+            </a:r>
+          </a:p>
+          <a:p>
+            <a:pPr lvl="3"/>
+            <a:r>
+              <a:rPr lang="en-US"/>
+              <a:t>Fourth level</a:t>
+            </a:r>
+          </a:p>
+          <a:p>
+            <a:pPr lvl="4"/>
+            <a:r>
+              <a:rPr lang="en-US"/>
+              <a:t>Fifth level</a:t>
+            </a:r>
+            <a:endParaRPr lang="nb-NO"/>
+          </a:p>
+        </p:txBody>
+      </p:sp>
+      <p:sp>
+        <p:nvSpPr>
+          <p:cNvPr id="6" name="Footer Placeholder 5"/>
+          <p:cNvSpPr>
+            <a:spLocks noGrp="1"/>
+          </p:cNvSpPr>
+          <p:nvPr>
+            <p:ph type="ftr" sz="quarter" idx="4"/>
+          </p:nvPr>
+        </p:nvSpPr>
+        <p:spPr>
+          <a:xfrm>
+            <a:off x="0" y="8685213"/>
+            <a:ext cx="2971800" cy="458787"/>
+          </a:xfrm>
+          <a:prstGeom prst="rect">
+            <a:avLst/>
+          </a:prstGeom>
+        </p:spPr>
+        <p:txBody>
+          <a:bodyPr vert="horz" lIns="91440" tIns="45720" rIns="91440" bIns="45720" rtlCol="0" anchor="b"/>
+          <a:lstStyle>
+            <a:lvl1pPr algn="l">
+              <a:defRPr sz="1200"/>
+            </a:lvl1pPr>
+          </a:lstStyle>
+          <a:p>
+            <a:endParaRPr lang="nb-NO"/>
+          </a:p>
+        </p:txBody>
+      </p:sp>
+      <p:sp>
+        <p:nvSpPr>
+          <p:cNvPr id="7" name="Slide Number Placeholder 6"/>
+          <p:cNvSpPr>
+            <a:spLocks noGrp="1"/>
+          </p:cNvSpPr>
+          <p:nvPr>
+            <p:ph type="sldNum" sz="quarter" idx="5"/>
+          </p:nvPr>
+        </p:nvSpPr>
+        <p:spPr>
+          <a:xfrm>
+            <a:off x="3884613" y="8685213"/>
+            <a:ext cx="2971800" cy="458787"/>
+          </a:xfrm>
+          <a:prstGeom prst="rect">
+            <a:avLst/>
+          </a:prstGeom>
+        </p:spPr>
+        <p:txBody>
+          <a:bodyPr vert="horz" lIns="91440" tIns="45720" rIns="91440" bIns="45720" rtlCol="0" anchor="b"/>
+          <a:lstStyle>
+            <a:lvl1pPr algn="r">
+              <a:defRPr sz="1200"/>
+            </a:lvl1pPr>
+          </a:lstStyle>
+          <a:p>
+            <a:fld id="{95CA51AA-4754-4F43-A836-27EAA582E7CB}" type="slidenum">
+              <a:rPr lang="nb-NO" smtClean="0"/>
+              <a:t>‹#›</a:t>
+            </a:fld>
+            <a:endParaRPr lang="nb-NO"/>
+          </a:p>
+        </p:txBody>
+      </p:sp>
+    </p:spTree>
+    <p:extLst>
+      <p:ext uri="{BB962C8B-B14F-4D97-AF65-F5344CB8AC3E}">
+        <p14:creationId xmlns:p14="http://schemas.microsoft.com/office/powerpoint/2010/main" val="3429023331"/>
+      </p:ext>
+    </p:extLst>
+  </p:cSld>
+  <p:clrMap bg1="lt1" tx1="dk1" bg2="lt2" tx2="dk2" accent1="accent1" accent2="accent2" accent3="accent3" accent4="accent4" accent5="accent5" accent6="accent6" hlink="hlink" folHlink="folHlink"/>
+  <p:notesStyle>
+    <a:lvl1pPr marL="0" algn="l" defTabSz="914400" rtl="0" eaLnBrk="1" latinLnBrk="0" hangingPunct="1">
+      <a:defRPr sz="1200" kern="1200">
+        <a:solidFill>
+          <a:schemeClr val="tx1"/>
+        </a:solidFill>
+        <a:latin typeface="+mn-lt"/>
+        <a:ea typeface="+mn-ea"/>
+        <a:cs typeface="+mn-cs"/>
+      </a:defRPr>
+    </a:lvl1pPr>
+    <a:lvl2pPr marL="457200" algn="l" defTabSz="914400" rtl="0" eaLnBrk="1" latinLnBrk="0" hangingPunct="1">
+      <a:defRPr sz="1200" kern="1200">
+        <a:solidFill>
+          <a:schemeClr val="tx1"/>
+        </a:solidFill>
+        <a:latin typeface="+mn-lt"/>
+        <a:ea typeface="+mn-ea"/>
+        <a:cs typeface="+mn-cs"/>
+      </a:defRPr>
+    </a:lvl2pPr>
+    <a:lvl3pPr marL="914400" algn="l" defTabSz="914400" rtl="0" eaLnBrk="1" latinLnBrk="0" hangingPunct="1">
+      <a:defRPr sz="1200" kern="1200">
+        <a:solidFill>
+          <a:schemeClr val="tx1"/>
+        </a:solidFill>
+        <a:latin typeface="+mn-lt"/>
+        <a:ea typeface="+mn-ea"/>
+        <a:cs typeface="+mn-cs"/>
+      </a:defRPr>
+    </a:lvl3pPr>
+    <a:lvl4pPr marL="1371600" algn="l" defTabSz="914400" rtl="0" eaLnBrk="1" latinLnBrk="0" hangingPunct="1">
+      <a:defRPr sz="1200" kern="1200">
+        <a:solidFill>
+          <a:schemeClr val="tx1"/>
+        </a:solidFill>
+        <a:latin typeface="+mn-lt"/>
+        <a:ea typeface="+mn-ea"/>
+        <a:cs typeface="+mn-cs"/>
+      </a:defRPr>
+    </a:lvl4pPr>
+    <a:lvl5pPr marL="1828800" algn="l" defTabSz="914400" rtl="0" eaLnBrk="1" latinLnBrk="0" hangingPunct="1">
+      <a:defRPr sz="1200" kern="1200">
+        <a:solidFill>
+          <a:schemeClr val="tx1"/>
+        </a:solidFill>
+        <a:latin typeface="+mn-lt"/>
+        <a:ea typeface="+mn-ea"/>
+        <a:cs typeface="+mn-cs"/>
+      </a:defRPr>
+    </a:lvl5pPr>
+    <a:lvl6pPr marL="2286000" algn="l" defTabSz="914400" rtl="0" eaLnBrk="1" latinLnBrk="0" hangingPunct="1">
+      <a:defRPr sz="1200" kern="1200">
+        <a:solidFill>
+          <a:schemeClr val="tx1"/>
+        </a:solidFill>
+        <a:latin typeface="+mn-lt"/>
+        <a:ea typeface="+mn-ea"/>
+        <a:cs typeface="+mn-cs"/>
+      </a:defRPr>
+    </a:lvl6pPr>
+    <a:lvl7pPr marL="2743200" algn="l" defTabSz="914400" rtl="0" eaLnBrk="1" latinLnBrk="0" hangingPunct="1">
+      <a:defRPr sz="1200" kern="1200">
+        <a:solidFill>
+          <a:schemeClr val="tx1"/>
+        </a:solidFill>
+        <a:latin typeface="+mn-lt"/>
+        <a:ea typeface="+mn-ea"/>
+        <a:cs typeface="+mn-cs"/>
+      </a:defRPr>
+    </a:lvl7pPr>
+    <a:lvl8pPr marL="3200400" algn="l" defTabSz="914400" rtl="0" eaLnBrk="1" latinLnBrk="0" hangingPunct="1">
+      <a:defRPr sz="1200" kern="1200">
+        <a:solidFill>
+          <a:schemeClr val="tx1"/>
+        </a:solidFill>
+        <a:latin typeface="+mn-lt"/>
+        <a:ea typeface="+mn-ea"/>
+        <a:cs typeface="+mn-cs"/>
+      </a:defRPr>
+    </a:lvl8pPr>
+    <a:lvl9pPr marL="3657600" algn="l" defTabSz="914400" rtl="0" eaLnBrk="1" latinLnBrk="0" hangingPunct="1">
+      <a:defRPr sz="1200" kern="1200">
+        <a:solidFill>
+          <a:schemeClr val="tx1"/>
+        </a:solidFill>
+        <a:latin typeface="+mn-lt"/>
+        <a:ea typeface="+mn-ea"/>
+        <a:cs typeface="+mn-cs"/>
+      </a:defRPr>
+    </a:lvl9pPr>
+  </p:notesStyle>
+</p:notesMaster>
+</file>
+
+<file path=ppt/notesSlides/notesSlide1.xml><?xml version="1.0" encoding="utf-8"?>
+<p:notes xmlns:a="http://schemas.openxmlformats.org/drawingml/2006/main" xmlns:r="http://schemas.openxmlformats.org/officeDocument/2006/relationships" xmlns:p="http://schemas.openxmlformats.org/presentationml/2006/main">
+  <p:cSld>
+    <p:spTree>
+      <p:nvGrpSpPr>
+        <p:cNvPr id="1" name=""/>
+        <p:cNvGrpSpPr/>
+        <p:nvPr/>
+      </p:nvGrpSpPr>
+      <p:grpSpPr>
+        <a:xfrm>
+          <a:off x="0" y="0"/>
+          <a:ext cx="0" cy="0"/>
+          <a:chOff x="0" y="0"/>
+          <a:chExt cx="0" cy="0"/>
+        </a:xfrm>
+      </p:grpSpPr>
+      <p:sp>
+        <p:nvSpPr>
+          <p:cNvPr id="2" name="Slide Image Placeholder 1"/>
+          <p:cNvSpPr>
+            <a:spLocks noGrp="1" noRot="1" noChangeAspect="1"/>
+          </p:cNvSpPr>
+          <p:nvPr>
+            <p:ph type="sldImg"/>
+          </p:nvPr>
+        </p:nvSpPr>
+        <p:spPr/>
+      </p:sp>
+      <p:sp>
+        <p:nvSpPr>
+          <p:cNvPr id="3" name="Notes Placeholder 2"/>
+          <p:cNvSpPr>
+            <a:spLocks noGrp="1"/>
+          </p:cNvSpPr>
+          <p:nvPr>
+            <p:ph type="body" idx="1"/>
+          </p:nvPr>
+        </p:nvSpPr>
+        <p:spPr/>
+        <p:txBody>
+          <a:bodyPr/>
+          <a:lstStyle/>
+          <a:p>
+            <a:r>
+              <a:rPr lang="is-IS" dirty="0"/>
+              <a:t>Hello!</a:t>
+            </a:r>
+            <a:r>
+              <a:rPr lang="is-IS" baseline="0" dirty="0"/>
+              <a:t> My name is Kjartan and I‘m going to briefly speak about Kidney Exchange Programs.</a:t>
+            </a:r>
+            <a:endParaRPr lang="nb-NO" dirty="0"/>
+          </a:p>
+        </p:txBody>
+      </p:sp>
+      <p:sp>
+        <p:nvSpPr>
+          <p:cNvPr id="4" name="Slide Number Placeholder 3"/>
+          <p:cNvSpPr>
+            <a:spLocks noGrp="1"/>
+          </p:cNvSpPr>
+          <p:nvPr>
+            <p:ph type="sldNum" sz="quarter" idx="5"/>
+          </p:nvPr>
+        </p:nvSpPr>
+        <p:spPr/>
+        <p:txBody>
+          <a:bodyPr/>
+          <a:lstStyle/>
+          <a:p>
+            <a:fld id="{95CA51AA-4754-4F43-A836-27EAA582E7CB}" type="slidenum">
+              <a:rPr lang="nb-NO" smtClean="0"/>
+              <a:t>1</a:t>
+            </a:fld>
+            <a:endParaRPr lang="nb-NO"/>
+          </a:p>
+        </p:txBody>
+      </p:sp>
+    </p:spTree>
+    <p:extLst>
+      <p:ext uri="{BB962C8B-B14F-4D97-AF65-F5344CB8AC3E}">
+        <p14:creationId xmlns:p14="http://schemas.microsoft.com/office/powerpoint/2010/main" val="663780326"/>
+      </p:ext>
+    </p:extLst>
+  </p:cSld>
+  <p:clrMapOvr>
+    <a:masterClrMapping/>
+  </p:clrMapOvr>
+</p:notes>
+</file>
+
+<file path=ppt/notesSlides/notesSlide10.xml><?xml version="1.0" encoding="utf-8"?>
+<p:notes xmlns:a="http://schemas.openxmlformats.org/drawingml/2006/main" xmlns:r="http://schemas.openxmlformats.org/officeDocument/2006/relationships" xmlns:p="http://schemas.openxmlformats.org/presentationml/2006/main">
+  <p:cSld>
+    <p:spTree>
+      <p:nvGrpSpPr>
+        <p:cNvPr id="1" name=""/>
+        <p:cNvGrpSpPr/>
+        <p:nvPr/>
+      </p:nvGrpSpPr>
+      <p:grpSpPr>
+        <a:xfrm>
+          <a:off x="0" y="0"/>
+          <a:ext cx="0" cy="0"/>
+          <a:chOff x="0" y="0"/>
+          <a:chExt cx="0" cy="0"/>
+        </a:xfrm>
+      </p:grpSpPr>
+      <p:sp>
+        <p:nvSpPr>
+          <p:cNvPr id="2" name="Slide Image Placeholder 1"/>
+          <p:cNvSpPr>
+            <a:spLocks noGrp="1" noRot="1" noChangeAspect="1"/>
+          </p:cNvSpPr>
+          <p:nvPr>
+            <p:ph type="sldImg"/>
+          </p:nvPr>
+        </p:nvSpPr>
+        <p:spPr/>
+      </p:sp>
+      <p:sp>
+        <p:nvSpPr>
+          <p:cNvPr id="3" name="Notes Placeholder 2"/>
+          <p:cNvSpPr>
+            <a:spLocks noGrp="1"/>
+          </p:cNvSpPr>
+          <p:nvPr>
+            <p:ph type="body" idx="1"/>
+          </p:nvPr>
+        </p:nvSpPr>
+        <p:spPr/>
+        <p:txBody>
+          <a:bodyPr/>
+          <a:lstStyle/>
+          <a:p>
+            <a:r>
+              <a:rPr lang="is-IS" dirty="0"/>
+              <a:t>Most</a:t>
+            </a:r>
+            <a:r>
+              <a:rPr lang="is-IS" baseline="0" dirty="0"/>
+              <a:t> common donors selected are young, fit and in blood type O</a:t>
+            </a:r>
+            <a:endParaRPr lang="nb-NO" dirty="0"/>
+          </a:p>
+        </p:txBody>
+      </p:sp>
+      <p:sp>
+        <p:nvSpPr>
+          <p:cNvPr id="4" name="Slide Number Placeholder 3"/>
+          <p:cNvSpPr>
+            <a:spLocks noGrp="1"/>
+          </p:cNvSpPr>
+          <p:nvPr>
+            <p:ph type="sldNum" sz="quarter" idx="5"/>
+          </p:nvPr>
+        </p:nvSpPr>
+        <p:spPr/>
+        <p:txBody>
+          <a:bodyPr/>
+          <a:lstStyle/>
+          <a:p>
+            <a:fld id="{95CA51AA-4754-4F43-A836-27EAA582E7CB}" type="slidenum">
+              <a:rPr lang="nb-NO" smtClean="0"/>
+              <a:t>10</a:t>
+            </a:fld>
+            <a:endParaRPr lang="nb-NO"/>
+          </a:p>
+        </p:txBody>
+      </p:sp>
+    </p:spTree>
+    <p:extLst>
+      <p:ext uri="{BB962C8B-B14F-4D97-AF65-F5344CB8AC3E}">
+        <p14:creationId xmlns:p14="http://schemas.microsoft.com/office/powerpoint/2010/main" val="3980850535"/>
+      </p:ext>
+    </p:extLst>
+  </p:cSld>
+  <p:clrMapOvr>
+    <a:masterClrMapping/>
+  </p:clrMapOvr>
+</p:notes>
+</file>
+
+<file path=ppt/notesSlides/notesSlide11.xml><?xml version="1.0" encoding="utf-8"?>
+<p:notes xmlns:a="http://schemas.openxmlformats.org/drawingml/2006/main" xmlns:r="http://schemas.openxmlformats.org/officeDocument/2006/relationships" xmlns:p="http://schemas.openxmlformats.org/presentationml/2006/main">
+  <p:cSld>
+    <p:spTree>
+      <p:nvGrpSpPr>
+        <p:cNvPr id="1" name=""/>
+        <p:cNvGrpSpPr/>
+        <p:nvPr/>
+      </p:nvGrpSpPr>
+      <p:grpSpPr>
+        <a:xfrm>
+          <a:off x="0" y="0"/>
+          <a:ext cx="0" cy="0"/>
+          <a:chOff x="0" y="0"/>
+          <a:chExt cx="0" cy="0"/>
+        </a:xfrm>
+      </p:grpSpPr>
+      <p:sp>
+        <p:nvSpPr>
+          <p:cNvPr id="2" name="Slide Image Placeholder 1"/>
+          <p:cNvSpPr>
+            <a:spLocks noGrp="1" noRot="1" noChangeAspect="1"/>
+          </p:cNvSpPr>
+          <p:nvPr>
+            <p:ph type="sldImg"/>
+          </p:nvPr>
+        </p:nvSpPr>
+        <p:spPr/>
+      </p:sp>
+      <p:sp>
+        <p:nvSpPr>
+          <p:cNvPr id="3" name="Notes Placeholder 2"/>
+          <p:cNvSpPr>
+            <a:spLocks noGrp="1"/>
+          </p:cNvSpPr>
+          <p:nvPr>
+            <p:ph type="body" idx="1"/>
+          </p:nvPr>
+        </p:nvSpPr>
+        <p:spPr/>
+        <p:txBody>
+          <a:bodyPr/>
+          <a:lstStyle/>
+          <a:p>
+            <a:r>
+              <a:rPr lang="is-IS" dirty="0"/>
+              <a:t>On the left you see all possible 1-way</a:t>
+            </a:r>
+            <a:r>
+              <a:rPr lang="is-IS" baseline="0" dirty="0"/>
+              <a:t> exchanges. There are 9 recipients, so 1 has been removed by preprocessing</a:t>
+            </a:r>
+          </a:p>
+          <a:p>
+            <a:r>
+              <a:rPr lang="is-IS" baseline="0" dirty="0"/>
+              <a:t>The optimal 3-way exchange kidney chain is selected.</a:t>
+            </a:r>
+            <a:endParaRPr lang="nb-NO" dirty="0"/>
+          </a:p>
+          <a:p>
+            <a:endParaRPr lang="nb-NO" dirty="0"/>
+          </a:p>
+        </p:txBody>
+      </p:sp>
+      <p:sp>
+        <p:nvSpPr>
+          <p:cNvPr id="4" name="Slide Number Placeholder 3"/>
+          <p:cNvSpPr>
+            <a:spLocks noGrp="1"/>
+          </p:cNvSpPr>
+          <p:nvPr>
+            <p:ph type="sldNum" sz="quarter" idx="5"/>
+          </p:nvPr>
+        </p:nvSpPr>
+        <p:spPr/>
+        <p:txBody>
+          <a:bodyPr/>
+          <a:lstStyle/>
+          <a:p>
+            <a:fld id="{95CA51AA-4754-4F43-A836-27EAA582E7CB}" type="slidenum">
+              <a:rPr lang="nb-NO" smtClean="0"/>
+              <a:t>11</a:t>
+            </a:fld>
+            <a:endParaRPr lang="nb-NO"/>
+          </a:p>
+        </p:txBody>
+      </p:sp>
+    </p:spTree>
+    <p:extLst>
+      <p:ext uri="{BB962C8B-B14F-4D97-AF65-F5344CB8AC3E}">
+        <p14:creationId xmlns:p14="http://schemas.microsoft.com/office/powerpoint/2010/main" val="1476482658"/>
+      </p:ext>
+    </p:extLst>
+  </p:cSld>
+  <p:clrMapOvr>
+    <a:masterClrMapping/>
+  </p:clrMapOvr>
+</p:notes>
+</file>
+
+<file path=ppt/notesSlides/notesSlide12.xml><?xml version="1.0" encoding="utf-8"?>
+<p:notes xmlns:a="http://schemas.openxmlformats.org/drawingml/2006/main" xmlns:r="http://schemas.openxmlformats.org/officeDocument/2006/relationships" xmlns:p="http://schemas.openxmlformats.org/presentationml/2006/main">
+  <p:cSld>
+    <p:spTree>
+      <p:nvGrpSpPr>
+        <p:cNvPr id="1" name=""/>
+        <p:cNvGrpSpPr/>
+        <p:nvPr/>
+      </p:nvGrpSpPr>
+      <p:grpSpPr>
+        <a:xfrm>
+          <a:off x="0" y="0"/>
+          <a:ext cx="0" cy="0"/>
+          <a:chOff x="0" y="0"/>
+          <a:chExt cx="0" cy="0"/>
+        </a:xfrm>
+      </p:grpSpPr>
+      <p:sp>
+        <p:nvSpPr>
+          <p:cNvPr id="2" name="Slide Image Placeholder 1"/>
+          <p:cNvSpPr>
+            <a:spLocks noGrp="1" noRot="1" noChangeAspect="1"/>
+          </p:cNvSpPr>
+          <p:nvPr>
+            <p:ph type="sldImg"/>
+          </p:nvPr>
+        </p:nvSpPr>
+        <p:spPr/>
+      </p:sp>
+      <p:sp>
+        <p:nvSpPr>
+          <p:cNvPr id="3" name="Notes Placeholder 2"/>
+          <p:cNvSpPr>
+            <a:spLocks noGrp="1"/>
+          </p:cNvSpPr>
+          <p:nvPr>
+            <p:ph type="body" idx="1"/>
+          </p:nvPr>
+        </p:nvSpPr>
+        <p:spPr/>
+        <p:txBody>
+          <a:bodyPr/>
+          <a:lstStyle/>
+          <a:p>
+            <a:r>
+              <a:rPr lang="is-IS" dirty="0"/>
+              <a:t>To take this further the following task</a:t>
+            </a:r>
+            <a:r>
+              <a:rPr lang="is-IS" baseline="0" dirty="0"/>
+              <a:t> </a:t>
+            </a:r>
+            <a:r>
+              <a:rPr lang="is-IS" dirty="0"/>
+              <a:t>need </a:t>
+            </a:r>
+            <a:r>
+              <a:rPr lang="is-IS" baseline="0" dirty="0"/>
+              <a:t>to be completed:</a:t>
+            </a:r>
+          </a:p>
+          <a:p>
+            <a:endParaRPr lang="is-IS" baseline="0" dirty="0"/>
+          </a:p>
+          <a:p>
+            <a:r>
+              <a:rPr lang="is-IS" baseline="0" dirty="0"/>
+              <a:t>	- Minimum Criteria – Icelandic Health Care System</a:t>
+            </a:r>
+          </a:p>
+          <a:p>
+            <a:r>
+              <a:rPr lang="is-IS" baseline="0" dirty="0"/>
+              <a:t>	- Improve Dataset, More Realistic Representation of the Icelandic Population</a:t>
+            </a:r>
+          </a:p>
+          <a:p>
+            <a:r>
+              <a:rPr lang="is-IS" baseline="0" dirty="0"/>
+              <a:t>		- Stóra Reykjavíkurrannsóknin</a:t>
+            </a:r>
+          </a:p>
+          <a:p>
+            <a:r>
+              <a:rPr lang="is-IS" baseline="0" dirty="0"/>
+              <a:t>		- HLA Distribution</a:t>
+            </a:r>
+          </a:p>
+          <a:p>
+            <a:r>
+              <a:rPr lang="is-IS" baseline="0" dirty="0"/>
+              <a:t>	- Estimate the Economical Benifit of Implementing a Kidney Exchange Program in Iceland</a:t>
+            </a:r>
+          </a:p>
+          <a:p>
+            <a:r>
+              <a:rPr lang="is-IS" baseline="0" dirty="0"/>
+              <a:t>		- Health Care Cost for a person waiting for a kidney</a:t>
+            </a:r>
+          </a:p>
+          <a:p>
+            <a:r>
+              <a:rPr lang="is-IS" baseline="0" dirty="0"/>
+              <a:t>		- Society Cost</a:t>
+            </a:r>
+          </a:p>
+          <a:p>
+            <a:r>
+              <a:rPr lang="is-IS" baseline="0" dirty="0"/>
+              <a:t>		- Cost of implementing and running a Kidney Exchange Program – Privitize?</a:t>
+            </a:r>
+          </a:p>
+          <a:p>
+            <a:endParaRPr lang="nb-NO" dirty="0"/>
+          </a:p>
+        </p:txBody>
+      </p:sp>
+      <p:sp>
+        <p:nvSpPr>
+          <p:cNvPr id="4" name="Slide Number Placeholder 3"/>
+          <p:cNvSpPr>
+            <a:spLocks noGrp="1"/>
+          </p:cNvSpPr>
+          <p:nvPr>
+            <p:ph type="sldNum" sz="quarter" idx="5"/>
+          </p:nvPr>
+        </p:nvSpPr>
+        <p:spPr/>
+        <p:txBody>
+          <a:bodyPr/>
+          <a:lstStyle/>
+          <a:p>
+            <a:fld id="{95CA51AA-4754-4F43-A836-27EAA582E7CB}" type="slidenum">
+              <a:rPr lang="nb-NO" smtClean="0"/>
+              <a:t>13</a:t>
+            </a:fld>
+            <a:endParaRPr lang="nb-NO"/>
+          </a:p>
+        </p:txBody>
+      </p:sp>
+    </p:spTree>
+    <p:extLst>
+      <p:ext uri="{BB962C8B-B14F-4D97-AF65-F5344CB8AC3E}">
+        <p14:creationId xmlns:p14="http://schemas.microsoft.com/office/powerpoint/2010/main" val="2498076779"/>
+      </p:ext>
+    </p:extLst>
+  </p:cSld>
+  <p:clrMapOvr>
+    <a:masterClrMapping/>
+  </p:clrMapOvr>
+</p:notes>
+</file>
+
+<file path=ppt/notesSlides/notesSlide2.xml><?xml version="1.0" encoding="utf-8"?>
+<p:notes xmlns:a="http://schemas.openxmlformats.org/drawingml/2006/main" xmlns:r="http://schemas.openxmlformats.org/officeDocument/2006/relationships" xmlns:p="http://schemas.openxmlformats.org/presentationml/2006/main">
+  <p:cSld>
+    <p:spTree>
+      <p:nvGrpSpPr>
+        <p:cNvPr id="1" name=""/>
+        <p:cNvGrpSpPr/>
+        <p:nvPr/>
+      </p:nvGrpSpPr>
+      <p:grpSpPr>
+        <a:xfrm>
+          <a:off x="0" y="0"/>
+          <a:ext cx="0" cy="0"/>
+          <a:chOff x="0" y="0"/>
+          <a:chExt cx="0" cy="0"/>
+        </a:xfrm>
+      </p:grpSpPr>
+      <p:sp>
+        <p:nvSpPr>
+          <p:cNvPr id="2" name="Slide Image Placeholder 1"/>
+          <p:cNvSpPr>
+            <a:spLocks noGrp="1" noRot="1" noChangeAspect="1"/>
+          </p:cNvSpPr>
+          <p:nvPr>
+            <p:ph type="sldImg"/>
+          </p:nvPr>
+        </p:nvSpPr>
+        <p:spPr/>
+      </p:sp>
+      <p:sp>
+        <p:nvSpPr>
+          <p:cNvPr id="3" name="Notes Placeholder 2"/>
+          <p:cNvSpPr>
+            <a:spLocks noGrp="1"/>
+          </p:cNvSpPr>
+          <p:nvPr>
+            <p:ph type="body" idx="1"/>
+          </p:nvPr>
+        </p:nvSpPr>
+        <p:spPr/>
+        <p:txBody>
+          <a:bodyPr/>
+          <a:lstStyle/>
+          <a:p>
+            <a:r>
+              <a:rPr lang="is-IS" dirty="0"/>
+              <a:t>-A known</a:t>
+            </a:r>
+            <a:r>
+              <a:rPr lang="is-IS" baseline="0" dirty="0"/>
+              <a:t> problem we have today is that a person that requires a kidney might have multiple friends and family members that are willing to donate them a kidney. However after testing these individuals, none of them is considered a compatible donor.</a:t>
+            </a:r>
+          </a:p>
+          <a:p>
+            <a:r>
+              <a:rPr lang="is-IS" baseline="0" dirty="0"/>
+              <a:t>-That leaves the person in need of kidney with two options: Search for strangers that are willing to donate a kidney or wait for a deceased kidney donor that is a match.</a:t>
+            </a:r>
+          </a:p>
+          <a:p>
+            <a:r>
+              <a:rPr lang="is-IS" baseline="0" dirty="0"/>
+              <a:t>-Since people are much more likely to donate a kidney to a friend or a relative, rather then to a total stranger. It could take a long time finding a stranger that is a match and willing to donate a kidney.</a:t>
+            </a:r>
+          </a:p>
+          <a:p>
+            <a:r>
+              <a:rPr lang="is-IS" dirty="0"/>
+              <a:t>-Solution: Bring all people</a:t>
+            </a:r>
+            <a:r>
+              <a:rPr lang="is-IS" baseline="0" dirty="0"/>
+              <a:t> in need of kidney, along with all of their associates that are willing to donate a kidney into one pool and form kidney chains.</a:t>
+            </a:r>
+          </a:p>
+          <a:p>
+            <a:r>
+              <a:rPr lang="is-IS" baseline="0" dirty="0"/>
+              <a:t>-That is: Two or more kidney recipients can exchange kidney donors.</a:t>
+            </a:r>
+            <a:endParaRPr lang="nb-NO" dirty="0"/>
+          </a:p>
+        </p:txBody>
+      </p:sp>
+      <p:sp>
+        <p:nvSpPr>
+          <p:cNvPr id="4" name="Slide Number Placeholder 3"/>
+          <p:cNvSpPr>
+            <a:spLocks noGrp="1"/>
+          </p:cNvSpPr>
+          <p:nvPr>
+            <p:ph type="sldNum" sz="quarter" idx="5"/>
+          </p:nvPr>
+        </p:nvSpPr>
+        <p:spPr/>
+        <p:txBody>
+          <a:bodyPr/>
+          <a:lstStyle/>
+          <a:p>
+            <a:fld id="{95CA51AA-4754-4F43-A836-27EAA582E7CB}" type="slidenum">
+              <a:rPr lang="nb-NO" smtClean="0"/>
+              <a:t>2</a:t>
+            </a:fld>
+            <a:endParaRPr lang="nb-NO"/>
+          </a:p>
+        </p:txBody>
+      </p:sp>
+    </p:spTree>
+    <p:extLst>
+      <p:ext uri="{BB962C8B-B14F-4D97-AF65-F5344CB8AC3E}">
+        <p14:creationId xmlns:p14="http://schemas.microsoft.com/office/powerpoint/2010/main" val="150913545"/>
+      </p:ext>
+    </p:extLst>
+  </p:cSld>
+  <p:clrMapOvr>
+    <a:masterClrMapping/>
+  </p:clrMapOvr>
+</p:notes>
+</file>
+
+<file path=ppt/notesSlides/notesSlide3.xml><?xml version="1.0" encoding="utf-8"?>
+<p:notes xmlns:a="http://schemas.openxmlformats.org/drawingml/2006/main" xmlns:r="http://schemas.openxmlformats.org/officeDocument/2006/relationships" xmlns:p="http://schemas.openxmlformats.org/presentationml/2006/main">
+  <p:cSld>
+    <p:spTree>
+      <p:nvGrpSpPr>
+        <p:cNvPr id="1" name=""/>
+        <p:cNvGrpSpPr/>
+        <p:nvPr/>
+      </p:nvGrpSpPr>
+      <p:grpSpPr>
+        <a:xfrm>
+          <a:off x="0" y="0"/>
+          <a:ext cx="0" cy="0"/>
+          <a:chOff x="0" y="0"/>
+          <a:chExt cx="0" cy="0"/>
+        </a:xfrm>
+      </p:grpSpPr>
+      <p:sp>
+        <p:nvSpPr>
+          <p:cNvPr id="2" name="Slide Image Placeholder 1"/>
+          <p:cNvSpPr>
+            <a:spLocks noGrp="1" noRot="1" noChangeAspect="1"/>
+          </p:cNvSpPr>
+          <p:nvPr>
+            <p:ph type="sldImg"/>
+          </p:nvPr>
+        </p:nvSpPr>
+        <p:spPr/>
+      </p:sp>
+      <p:sp>
+        <p:nvSpPr>
+          <p:cNvPr id="3" name="Notes Placeholder 2"/>
+          <p:cNvSpPr>
+            <a:spLocks noGrp="1"/>
+          </p:cNvSpPr>
+          <p:nvPr>
+            <p:ph type="body" idx="1"/>
+          </p:nvPr>
+        </p:nvSpPr>
+        <p:spPr/>
+        <p:txBody>
+          <a:bodyPr/>
+          <a:lstStyle/>
+          <a:p>
+            <a:r>
+              <a:rPr lang="is-IS" dirty="0"/>
+              <a:t>Briefly</a:t>
+            </a:r>
+            <a:r>
+              <a:rPr lang="is-IS" baseline="0" dirty="0"/>
+              <a:t> on the history:</a:t>
+            </a:r>
+          </a:p>
+          <a:p>
+            <a:r>
+              <a:rPr lang="is-IS" baseline="0" dirty="0"/>
+              <a:t>- The first kidney exchange program was implemented in New England in 2004-2005 by 2012 Nobel Price in Economic Sciences winner Alvin E. Roth.</a:t>
+            </a:r>
+          </a:p>
+          <a:p>
+            <a:pPr marL="171450" indent="-171450">
+              <a:buFontTx/>
+              <a:buChar char="-"/>
+            </a:pPr>
+            <a:r>
+              <a:rPr lang="is-IS" baseline="0" dirty="0"/>
+              <a:t>Since then, these programs have been implemented in various places around the world.</a:t>
+            </a:r>
+          </a:p>
+          <a:p>
+            <a:pPr marL="171450" indent="-171450">
+              <a:buFontTx/>
+              <a:buChar char="-"/>
+            </a:pPr>
+            <a:r>
+              <a:rPr lang="is-IS" baseline="0" dirty="0"/>
+              <a:t>According to the New England Kidney Exchange Program, 3 –way exchange kidney chains are considered optimal, but longer kidney chains happen, the longest being a 6-way exchange in San Fransisco in 2015. </a:t>
+            </a:r>
+            <a:endParaRPr lang="nb-NO" dirty="0"/>
+          </a:p>
+        </p:txBody>
+      </p:sp>
+      <p:sp>
+        <p:nvSpPr>
+          <p:cNvPr id="4" name="Slide Number Placeholder 3"/>
+          <p:cNvSpPr>
+            <a:spLocks noGrp="1"/>
+          </p:cNvSpPr>
+          <p:nvPr>
+            <p:ph type="sldNum" sz="quarter" idx="5"/>
+          </p:nvPr>
+        </p:nvSpPr>
+        <p:spPr/>
+        <p:txBody>
+          <a:bodyPr/>
+          <a:lstStyle/>
+          <a:p>
+            <a:fld id="{95CA51AA-4754-4F43-A836-27EAA582E7CB}" type="slidenum">
+              <a:rPr lang="nb-NO" smtClean="0"/>
+              <a:t>3</a:t>
+            </a:fld>
+            <a:endParaRPr lang="nb-NO"/>
+          </a:p>
+        </p:txBody>
+      </p:sp>
+    </p:spTree>
+    <p:extLst>
+      <p:ext uri="{BB962C8B-B14F-4D97-AF65-F5344CB8AC3E}">
+        <p14:creationId xmlns:p14="http://schemas.microsoft.com/office/powerpoint/2010/main" val="2772077294"/>
+      </p:ext>
+    </p:extLst>
+  </p:cSld>
+  <p:clrMapOvr>
+    <a:masterClrMapping/>
+  </p:clrMapOvr>
+</p:notes>
+</file>
+
+<file path=ppt/notesSlides/notesSlide4.xml><?xml version="1.0" encoding="utf-8"?>
+<p:notes xmlns:a="http://schemas.openxmlformats.org/drawingml/2006/main" xmlns:r="http://schemas.openxmlformats.org/officeDocument/2006/relationships" xmlns:p="http://schemas.openxmlformats.org/presentationml/2006/main">
+  <p:cSld>
+    <p:spTree>
+      <p:nvGrpSpPr>
+        <p:cNvPr id="1" name=""/>
+        <p:cNvGrpSpPr/>
+        <p:nvPr/>
+      </p:nvGrpSpPr>
+      <p:grpSpPr>
+        <a:xfrm>
+          <a:off x="0" y="0"/>
+          <a:ext cx="0" cy="0"/>
+          <a:chOff x="0" y="0"/>
+          <a:chExt cx="0" cy="0"/>
+        </a:xfrm>
+      </p:grpSpPr>
+      <p:sp>
+        <p:nvSpPr>
+          <p:cNvPr id="2" name="Slide Image Placeholder 1"/>
+          <p:cNvSpPr>
+            <a:spLocks noGrp="1" noRot="1" noChangeAspect="1"/>
+          </p:cNvSpPr>
+          <p:nvPr>
+            <p:ph type="sldImg"/>
+          </p:nvPr>
+        </p:nvSpPr>
+        <p:spPr/>
+      </p:sp>
+      <p:sp>
+        <p:nvSpPr>
+          <p:cNvPr id="3" name="Notes Placeholder 2"/>
+          <p:cNvSpPr>
+            <a:spLocks noGrp="1"/>
+          </p:cNvSpPr>
+          <p:nvPr>
+            <p:ph type="body" idx="1"/>
+          </p:nvPr>
+        </p:nvSpPr>
+        <p:spPr/>
+        <p:txBody>
+          <a:bodyPr/>
+          <a:lstStyle/>
+          <a:p>
+            <a:r>
+              <a:rPr lang="is-IS" dirty="0"/>
+              <a:t>Currently, Kidney</a:t>
+            </a:r>
+            <a:r>
+              <a:rPr lang="is-IS" baseline="0" dirty="0"/>
+              <a:t> Exchange Chains programs have been established in some European countries, in various stages, however I‘m unaware of any such attempt in Iceland.</a:t>
+            </a:r>
+          </a:p>
+          <a:p>
+            <a:endParaRPr lang="is-IS" baseline="0" dirty="0"/>
+          </a:p>
+          <a:p>
+            <a:r>
+              <a:rPr lang="is-IS" baseline="0" dirty="0"/>
+              <a:t>Because of the size of the Icelandic population, there aren‘t many people that require a kidney each year. However we have a high distribution of Blood type O and maybe our isolation through out the last millenium has resulted fewer HLA Antigens variations. Both of these would result in higher donor / recipient compatability.</a:t>
+            </a:r>
+            <a:endParaRPr lang="nb-NO" dirty="0"/>
+          </a:p>
+        </p:txBody>
+      </p:sp>
+      <p:sp>
+        <p:nvSpPr>
+          <p:cNvPr id="4" name="Slide Number Placeholder 3"/>
+          <p:cNvSpPr>
+            <a:spLocks noGrp="1"/>
+          </p:cNvSpPr>
+          <p:nvPr>
+            <p:ph type="sldNum" sz="quarter" idx="5"/>
+          </p:nvPr>
+        </p:nvSpPr>
+        <p:spPr/>
+        <p:txBody>
+          <a:bodyPr/>
+          <a:lstStyle/>
+          <a:p>
+            <a:fld id="{95CA51AA-4754-4F43-A836-27EAA582E7CB}" type="slidenum">
+              <a:rPr lang="nb-NO" smtClean="0"/>
+              <a:t>4</a:t>
+            </a:fld>
+            <a:endParaRPr lang="nb-NO"/>
+          </a:p>
+        </p:txBody>
+      </p:sp>
+    </p:spTree>
+    <p:extLst>
+      <p:ext uri="{BB962C8B-B14F-4D97-AF65-F5344CB8AC3E}">
+        <p14:creationId xmlns:p14="http://schemas.microsoft.com/office/powerpoint/2010/main" val="1811477579"/>
+      </p:ext>
+    </p:extLst>
+  </p:cSld>
+  <p:clrMapOvr>
+    <a:masterClrMapping/>
+  </p:clrMapOvr>
+</p:notes>
+</file>
+
+<file path=ppt/notesSlides/notesSlide5.xml><?xml version="1.0" encoding="utf-8"?>
+<p:notes xmlns:a="http://schemas.openxmlformats.org/drawingml/2006/main" xmlns:r="http://schemas.openxmlformats.org/officeDocument/2006/relationships" xmlns:p="http://schemas.openxmlformats.org/presentationml/2006/main">
+  <p:cSld>
+    <p:spTree>
+      <p:nvGrpSpPr>
+        <p:cNvPr id="1" name=""/>
+        <p:cNvGrpSpPr/>
+        <p:nvPr/>
+      </p:nvGrpSpPr>
+      <p:grpSpPr>
+        <a:xfrm>
+          <a:off x="0" y="0"/>
+          <a:ext cx="0" cy="0"/>
+          <a:chOff x="0" y="0"/>
+          <a:chExt cx="0" cy="0"/>
+        </a:xfrm>
+      </p:grpSpPr>
+      <p:sp>
+        <p:nvSpPr>
+          <p:cNvPr id="2" name="Slide Image Placeholder 1"/>
+          <p:cNvSpPr>
+            <a:spLocks noGrp="1" noRot="1" noChangeAspect="1"/>
+          </p:cNvSpPr>
+          <p:nvPr>
+            <p:ph type="sldImg"/>
+          </p:nvPr>
+        </p:nvSpPr>
+        <p:spPr/>
+      </p:sp>
+      <p:sp>
+        <p:nvSpPr>
+          <p:cNvPr id="3" name="Notes Placeholder 2"/>
+          <p:cNvSpPr>
+            <a:spLocks noGrp="1"/>
+          </p:cNvSpPr>
+          <p:nvPr>
+            <p:ph type="body" idx="1"/>
+          </p:nvPr>
+        </p:nvSpPr>
+        <p:spPr/>
+        <p:txBody>
+          <a:bodyPr/>
+          <a:lstStyle/>
+          <a:p>
+            <a:r>
+              <a:rPr lang="is-IS" dirty="0"/>
+              <a:t>-When evaluating kidney</a:t>
+            </a:r>
+            <a:r>
+              <a:rPr lang="is-IS" baseline="0" dirty="0"/>
+              <a:t> donor and recipient compatibility the object is to minimize the likelihood of the kidney being rejected by the kidney transplant recipient.</a:t>
+            </a:r>
+          </a:p>
+          <a:p>
+            <a:r>
+              <a:rPr lang="is-IS" baseline="0" dirty="0"/>
+              <a:t>-The factors taken into consideration and the impact of each one varies a little between healthcare systems. But they can be summarized into the following categories:</a:t>
+            </a:r>
+          </a:p>
+          <a:p>
+            <a:r>
+              <a:rPr lang="is-IS" baseline="0" dirty="0"/>
+              <a:t>-Blood type compatibility, Donor physical condition and HLA antigen compatibility</a:t>
+            </a:r>
+          </a:p>
+          <a:p>
+            <a:r>
+              <a:rPr lang="is-IS" baseline="0" dirty="0"/>
+              <a:t>-Blood type being the most important factor.</a:t>
+            </a:r>
+          </a:p>
+          <a:p>
+            <a:r>
+              <a:rPr lang="is-IS" baseline="0" dirty="0"/>
+              <a:t>-Kidney transplants follow the same criteria when it comes to compatibility as blood transfusion except Rhesus (+/-) is not important.</a:t>
+            </a:r>
+          </a:p>
+          <a:p>
+            <a:r>
+              <a:rPr lang="is-IS" baseline="0" dirty="0"/>
+              <a:t>-Donor‘s Physical Condition favors young, healthy individuals with great kidney functionality.</a:t>
+            </a:r>
+            <a:endParaRPr lang="nb-NO" dirty="0"/>
+          </a:p>
+        </p:txBody>
+      </p:sp>
+      <p:sp>
+        <p:nvSpPr>
+          <p:cNvPr id="4" name="Slide Number Placeholder 3"/>
+          <p:cNvSpPr>
+            <a:spLocks noGrp="1"/>
+          </p:cNvSpPr>
+          <p:nvPr>
+            <p:ph type="sldNum" sz="quarter" idx="5"/>
+          </p:nvPr>
+        </p:nvSpPr>
+        <p:spPr/>
+        <p:txBody>
+          <a:bodyPr/>
+          <a:lstStyle/>
+          <a:p>
+            <a:fld id="{95CA51AA-4754-4F43-A836-27EAA582E7CB}" type="slidenum">
+              <a:rPr lang="nb-NO" smtClean="0"/>
+              <a:t>5</a:t>
+            </a:fld>
+            <a:endParaRPr lang="nb-NO"/>
+          </a:p>
+        </p:txBody>
+      </p:sp>
+    </p:spTree>
+    <p:extLst>
+      <p:ext uri="{BB962C8B-B14F-4D97-AF65-F5344CB8AC3E}">
+        <p14:creationId xmlns:p14="http://schemas.microsoft.com/office/powerpoint/2010/main" val="2141169444"/>
+      </p:ext>
+    </p:extLst>
+  </p:cSld>
+  <p:clrMapOvr>
+    <a:masterClrMapping/>
+  </p:clrMapOvr>
+</p:notes>
+</file>
+
+<file path=ppt/notesSlides/notesSlide6.xml><?xml version="1.0" encoding="utf-8"?>
+<p:notes xmlns:a="http://schemas.openxmlformats.org/drawingml/2006/main" xmlns:r="http://schemas.openxmlformats.org/officeDocument/2006/relationships" xmlns:p="http://schemas.openxmlformats.org/presentationml/2006/main">
+  <p:cSld>
+    <p:spTree>
+      <p:nvGrpSpPr>
+        <p:cNvPr id="1" name=""/>
+        <p:cNvGrpSpPr/>
+        <p:nvPr/>
+      </p:nvGrpSpPr>
+      <p:grpSpPr>
+        <a:xfrm>
+          <a:off x="0" y="0"/>
+          <a:ext cx="0" cy="0"/>
+          <a:chOff x="0" y="0"/>
+          <a:chExt cx="0" cy="0"/>
+        </a:xfrm>
+      </p:grpSpPr>
+      <p:sp>
+        <p:nvSpPr>
+          <p:cNvPr id="2" name="Slide Image Placeholder 1"/>
+          <p:cNvSpPr>
+            <a:spLocks noGrp="1" noRot="1" noChangeAspect="1"/>
+          </p:cNvSpPr>
+          <p:nvPr>
+            <p:ph type="sldImg"/>
+          </p:nvPr>
+        </p:nvSpPr>
+        <p:spPr/>
+      </p:sp>
+      <p:sp>
+        <p:nvSpPr>
+          <p:cNvPr id="3" name="Notes Placeholder 2"/>
+          <p:cNvSpPr>
+            <a:spLocks noGrp="1"/>
+          </p:cNvSpPr>
+          <p:nvPr>
+            <p:ph type="body" idx="1"/>
+          </p:nvPr>
+        </p:nvSpPr>
+        <p:spPr/>
+        <p:txBody>
+          <a:bodyPr/>
+          <a:lstStyle/>
+          <a:p>
+            <a:r>
+              <a:rPr lang="is-IS" dirty="0"/>
+              <a:t>HLA Antigen matches is the most complicated and debated factor.</a:t>
+            </a:r>
+            <a:r>
+              <a:rPr lang="is-IS" baseline="0" dirty="0"/>
+              <a:t> </a:t>
+            </a:r>
+            <a:r>
+              <a:rPr lang="is-IS" dirty="0"/>
+              <a:t>However</a:t>
+            </a:r>
+            <a:r>
+              <a:rPr lang="is-IS" baseline="0" dirty="0"/>
+              <a:t> transplants are performed, even if there are several mismatches found.</a:t>
+            </a:r>
+            <a:endParaRPr lang="is-IS" dirty="0"/>
+          </a:p>
+          <a:p>
+            <a:endParaRPr lang="is-IS" dirty="0"/>
+          </a:p>
+          <a:p>
+            <a:r>
+              <a:rPr lang="is-IS" dirty="0"/>
+              <a:t>I</a:t>
+            </a:r>
+            <a:r>
+              <a:rPr lang="is-IS" baseline="0" dirty="0"/>
+              <a:t> was not able to obtain the exact criteria used by the Icelandic health care system in time, although I have been promised it. So I used a risk evaluation model from USA.</a:t>
+            </a:r>
+            <a:endParaRPr lang="nb-NO" dirty="0"/>
+          </a:p>
+        </p:txBody>
+      </p:sp>
+      <p:sp>
+        <p:nvSpPr>
+          <p:cNvPr id="4" name="Slide Number Placeholder 3"/>
+          <p:cNvSpPr>
+            <a:spLocks noGrp="1"/>
+          </p:cNvSpPr>
+          <p:nvPr>
+            <p:ph type="sldNum" sz="quarter" idx="5"/>
+          </p:nvPr>
+        </p:nvSpPr>
+        <p:spPr/>
+        <p:txBody>
+          <a:bodyPr/>
+          <a:lstStyle/>
+          <a:p>
+            <a:fld id="{95CA51AA-4754-4F43-A836-27EAA582E7CB}" type="slidenum">
+              <a:rPr lang="nb-NO" smtClean="0"/>
+              <a:t>6</a:t>
+            </a:fld>
+            <a:endParaRPr lang="nb-NO"/>
+          </a:p>
+        </p:txBody>
+      </p:sp>
+    </p:spTree>
+    <p:extLst>
+      <p:ext uri="{BB962C8B-B14F-4D97-AF65-F5344CB8AC3E}">
+        <p14:creationId xmlns:p14="http://schemas.microsoft.com/office/powerpoint/2010/main" val="2020240695"/>
+      </p:ext>
+    </p:extLst>
+  </p:cSld>
+  <p:clrMapOvr>
+    <a:masterClrMapping/>
+  </p:clrMapOvr>
+</p:notes>
+</file>
+
+<file path=ppt/notesSlides/notesSlide7.xml><?xml version="1.0" encoding="utf-8"?>
+<p:notes xmlns:a="http://schemas.openxmlformats.org/drawingml/2006/main" xmlns:r="http://schemas.openxmlformats.org/officeDocument/2006/relationships" xmlns:p="http://schemas.openxmlformats.org/presentationml/2006/main">
+  <p:cSld>
+    <p:spTree>
+      <p:nvGrpSpPr>
+        <p:cNvPr id="1" name=""/>
+        <p:cNvGrpSpPr/>
+        <p:nvPr/>
+      </p:nvGrpSpPr>
+      <p:grpSpPr>
+        <a:xfrm>
+          <a:off x="0" y="0"/>
+          <a:ext cx="0" cy="0"/>
+          <a:chOff x="0" y="0"/>
+          <a:chExt cx="0" cy="0"/>
+        </a:xfrm>
+      </p:grpSpPr>
+      <p:sp>
+        <p:nvSpPr>
+          <p:cNvPr id="2" name="Slide Image Placeholder 1"/>
+          <p:cNvSpPr>
+            <a:spLocks noGrp="1" noRot="1" noChangeAspect="1"/>
+          </p:cNvSpPr>
+          <p:nvPr>
+            <p:ph type="sldImg"/>
+          </p:nvPr>
+        </p:nvSpPr>
+        <p:spPr/>
+      </p:sp>
+      <p:sp>
+        <p:nvSpPr>
+          <p:cNvPr id="3" name="Notes Placeholder 2"/>
+          <p:cNvSpPr>
+            <a:spLocks noGrp="1"/>
+          </p:cNvSpPr>
+          <p:nvPr>
+            <p:ph type="body" idx="1"/>
+          </p:nvPr>
+        </p:nvSpPr>
+        <p:spPr/>
+        <p:txBody>
+          <a:bodyPr/>
+          <a:lstStyle/>
+          <a:p>
+            <a:r>
+              <a:rPr lang="is-IS" dirty="0"/>
+              <a:t>-My</a:t>
+            </a:r>
+            <a:r>
+              <a:rPr lang="is-IS" baseline="0" dirty="0"/>
+              <a:t> goal was to create a realistic random pool of Icelandic people with all the criteria that is used for kidney transplant compatibility.</a:t>
+            </a:r>
+          </a:p>
+          <a:p>
+            <a:r>
+              <a:rPr lang="is-IS" baseline="0" dirty="0"/>
+              <a:t>-Unfortunatly, optaining the data was more difficult then I would have hoped for.</a:t>
+            </a:r>
+          </a:p>
+          <a:p>
+            <a:r>
+              <a:rPr lang="is-IS" baseline="0" dirty="0"/>
+              <a:t>-The main flaw being lack of correlation between Systolic Blood Pressure, Estimated Glomerular Filtration Rate and Body Mass Index. So my distribution can create a person with a BMI of 45, but has a very healthy Systolic Blood Pressure and kidney functionality.</a:t>
+            </a:r>
+          </a:p>
+          <a:p>
+            <a:r>
+              <a:rPr lang="is-IS" baseline="0" dirty="0"/>
+              <a:t>- I have been promised some of the remaining data shortly, the most important one the HLA Antigen distribution among the Icelandic Population.</a:t>
+            </a:r>
+            <a:endParaRPr lang="nb-NO" dirty="0"/>
+          </a:p>
+        </p:txBody>
+      </p:sp>
+      <p:sp>
+        <p:nvSpPr>
+          <p:cNvPr id="4" name="Slide Number Placeholder 3"/>
+          <p:cNvSpPr>
+            <a:spLocks noGrp="1"/>
+          </p:cNvSpPr>
+          <p:nvPr>
+            <p:ph type="sldNum" sz="quarter" idx="5"/>
+          </p:nvPr>
+        </p:nvSpPr>
+        <p:spPr/>
+        <p:txBody>
+          <a:bodyPr/>
+          <a:lstStyle/>
+          <a:p>
+            <a:fld id="{95CA51AA-4754-4F43-A836-27EAA582E7CB}" type="slidenum">
+              <a:rPr lang="nb-NO" smtClean="0"/>
+              <a:t>7</a:t>
+            </a:fld>
+            <a:endParaRPr lang="nb-NO"/>
+          </a:p>
+        </p:txBody>
+      </p:sp>
+    </p:spTree>
+    <p:extLst>
+      <p:ext uri="{BB962C8B-B14F-4D97-AF65-F5344CB8AC3E}">
+        <p14:creationId xmlns:p14="http://schemas.microsoft.com/office/powerpoint/2010/main" val="2970519825"/>
+      </p:ext>
+    </p:extLst>
+  </p:cSld>
+  <p:clrMapOvr>
+    <a:masterClrMapping/>
+  </p:clrMapOvr>
+</p:notes>
+</file>
+
+<file path=ppt/notesSlides/notesSlide8.xml><?xml version="1.0" encoding="utf-8"?>
+<p:notes xmlns:a="http://schemas.openxmlformats.org/drawingml/2006/main" xmlns:r="http://schemas.openxmlformats.org/officeDocument/2006/relationships" xmlns:p="http://schemas.openxmlformats.org/presentationml/2006/main">
+  <p:cSld>
+    <p:spTree>
+      <p:nvGrpSpPr>
+        <p:cNvPr id="1" name=""/>
+        <p:cNvGrpSpPr/>
+        <p:nvPr/>
+      </p:nvGrpSpPr>
+      <p:grpSpPr>
+        <a:xfrm>
+          <a:off x="0" y="0"/>
+          <a:ext cx="0" cy="0"/>
+          <a:chOff x="0" y="0"/>
+          <a:chExt cx="0" cy="0"/>
+        </a:xfrm>
+      </p:grpSpPr>
+      <p:sp>
+        <p:nvSpPr>
+          <p:cNvPr id="2" name="Slide Image Placeholder 1"/>
+          <p:cNvSpPr>
+            <a:spLocks noGrp="1" noRot="1" noChangeAspect="1"/>
+          </p:cNvSpPr>
+          <p:nvPr>
+            <p:ph type="sldImg"/>
+          </p:nvPr>
+        </p:nvSpPr>
+        <p:spPr/>
+      </p:sp>
+      <p:sp>
+        <p:nvSpPr>
+          <p:cNvPr id="3" name="Notes Placeholder 2"/>
+          <p:cNvSpPr>
+            <a:spLocks noGrp="1"/>
+          </p:cNvSpPr>
+          <p:nvPr>
+            <p:ph type="body" idx="1"/>
+          </p:nvPr>
+        </p:nvSpPr>
+        <p:spPr/>
+        <p:txBody>
+          <a:bodyPr/>
+          <a:lstStyle/>
+          <a:p>
+            <a:r>
+              <a:rPr lang="is-IS" dirty="0"/>
+              <a:t>I preprocess </a:t>
+            </a:r>
+            <a:r>
+              <a:rPr lang="is-IS" baseline="0" dirty="0"/>
+              <a:t>the data, by first calculating the risk of between each recipient and each donor in the pool.</a:t>
+            </a:r>
+          </a:p>
+          <a:p>
+            <a:r>
+              <a:rPr lang="is-IS" baseline="0" dirty="0"/>
+              <a:t>Then I removed all kidney recipients that do not provide donors that were a match to others and all kidney recipients that were not a compatible match to the remaining donors.</a:t>
+            </a:r>
+            <a:endParaRPr lang="is-IS" dirty="0"/>
+          </a:p>
+          <a:p>
+            <a:r>
+              <a:rPr lang="is-IS" dirty="0"/>
+              <a:t>I</a:t>
+            </a:r>
+            <a:r>
+              <a:rPr lang="is-IS" baseline="0" dirty="0"/>
+              <a:t> used a simple genetic algorithm, with chromosomes with amount of genes equal to kidney recipient that could provide a proper donor.</a:t>
+            </a:r>
+          </a:p>
+          <a:p>
+            <a:r>
+              <a:rPr lang="is-IS" baseline="0" dirty="0"/>
+              <a:t>The chromosomes are sequencial and evolution was done with permutations.</a:t>
+            </a:r>
+          </a:p>
+          <a:p>
+            <a:r>
+              <a:rPr lang="is-IS" baseline="0" dirty="0"/>
+              <a:t>I considered a few objective functions:</a:t>
+            </a:r>
+          </a:p>
+          <a:p>
+            <a:r>
+              <a:rPr lang="is-IS" baseline="0" dirty="0"/>
+              <a:t>	- Longest possible kidney chain</a:t>
+            </a:r>
+          </a:p>
+          <a:p>
+            <a:r>
+              <a:rPr lang="is-IS" baseline="0" dirty="0"/>
+              <a:t>		-Does not consider that smaller low risk kidney chains might exist</a:t>
+            </a:r>
+          </a:p>
+          <a:p>
+            <a:r>
+              <a:rPr lang="is-IS" baseline="0" dirty="0"/>
+              <a:t>		-Logistical problems – Surgical Capacity</a:t>
+            </a:r>
+          </a:p>
+          <a:p>
+            <a:r>
+              <a:rPr lang="is-IS" baseline="0" dirty="0"/>
+              <a:t>	- Maximum kidney distribution</a:t>
+            </a:r>
+          </a:p>
+          <a:p>
+            <a:r>
+              <a:rPr lang="is-IS" baseline="0" dirty="0"/>
+              <a:t>		- Does not consider risk</a:t>
+            </a:r>
+          </a:p>
+          <a:p>
+            <a:r>
+              <a:rPr lang="is-IS" baseline="0" dirty="0"/>
+              <a:t>		- Likely to be logistically easier.</a:t>
+            </a:r>
+          </a:p>
+          <a:p>
+            <a:r>
+              <a:rPr lang="is-IS" baseline="0" dirty="0"/>
+              <a:t>	- Lowest risk kidney chain</a:t>
+            </a:r>
+          </a:p>
+          <a:p>
+            <a:r>
+              <a:rPr lang="is-IS" baseline="0" dirty="0"/>
+              <a:t>		- Will always go for the lower risk kidney chain</a:t>
+            </a:r>
+          </a:p>
+          <a:p>
+            <a:r>
+              <a:rPr lang="is-IS" baseline="0" dirty="0"/>
+              <a:t>		- Will favor a slightly lower risk 2-way exchange over a 3-way exchange</a:t>
+            </a:r>
+          </a:p>
+          <a:p>
+            <a:r>
+              <a:rPr lang="is-IS" baseline="0" dirty="0"/>
+              <a:t>		- Super donors exist, young fit males in bloodtype O with great kidney function</a:t>
+            </a:r>
+          </a:p>
+          <a:p>
+            <a:r>
+              <a:rPr lang="is-IS" baseline="0" dirty="0"/>
+              <a:t>	- Constrained kidney chain size – Selecting the lowest risk kidney chain of that size.</a:t>
+            </a:r>
+          </a:p>
+          <a:p>
+            <a:r>
+              <a:rPr lang="is-IS" baseline="0" dirty="0"/>
+              <a:t>		- Accounts for logistics</a:t>
+            </a:r>
+          </a:p>
+          <a:p>
+            <a:r>
+              <a:rPr lang="is-IS" baseline="0" dirty="0"/>
+              <a:t>		- Favors kidney higher distribution</a:t>
+            </a:r>
+          </a:p>
+          <a:p>
+            <a:r>
+              <a:rPr lang="is-IS" baseline="0" dirty="0"/>
+              <a:t>		- Could be improved by favoring smaller kidney chains if a certain amount of risk is lowered.</a:t>
+            </a:r>
+            <a:endParaRPr lang="nb-NO" dirty="0"/>
+          </a:p>
+        </p:txBody>
+      </p:sp>
+      <p:sp>
+        <p:nvSpPr>
+          <p:cNvPr id="4" name="Slide Number Placeholder 3"/>
+          <p:cNvSpPr>
+            <a:spLocks noGrp="1"/>
+          </p:cNvSpPr>
+          <p:nvPr>
+            <p:ph type="sldNum" sz="quarter" idx="5"/>
+          </p:nvPr>
+        </p:nvSpPr>
+        <p:spPr/>
+        <p:txBody>
+          <a:bodyPr/>
+          <a:lstStyle/>
+          <a:p>
+            <a:fld id="{95CA51AA-4754-4F43-A836-27EAA582E7CB}" type="slidenum">
+              <a:rPr lang="nb-NO" smtClean="0"/>
+              <a:t>8</a:t>
+            </a:fld>
+            <a:endParaRPr lang="nb-NO"/>
+          </a:p>
+        </p:txBody>
+      </p:sp>
+    </p:spTree>
+    <p:extLst>
+      <p:ext uri="{BB962C8B-B14F-4D97-AF65-F5344CB8AC3E}">
+        <p14:creationId xmlns:p14="http://schemas.microsoft.com/office/powerpoint/2010/main" val="1118153682"/>
+      </p:ext>
+    </p:extLst>
+  </p:cSld>
+  <p:clrMapOvr>
+    <a:masterClrMapping/>
+  </p:clrMapOvr>
+</p:notes>
+</file>
+
+<file path=ppt/notesSlides/notesSlide9.xml><?xml version="1.0" encoding="utf-8"?>
+<p:notes xmlns:a="http://schemas.openxmlformats.org/drawingml/2006/main" xmlns:r="http://schemas.openxmlformats.org/officeDocument/2006/relationships" xmlns:p="http://schemas.openxmlformats.org/presentationml/2006/main">
+  <p:cSld>
+    <p:spTree>
+      <p:nvGrpSpPr>
+        <p:cNvPr id="1" name=""/>
+        <p:cNvGrpSpPr/>
+        <p:nvPr/>
+      </p:nvGrpSpPr>
+      <p:grpSpPr>
+        <a:xfrm>
+          <a:off x="0" y="0"/>
+          <a:ext cx="0" cy="0"/>
+          <a:chOff x="0" y="0"/>
+          <a:chExt cx="0" cy="0"/>
+        </a:xfrm>
+      </p:grpSpPr>
+      <p:sp>
+        <p:nvSpPr>
+          <p:cNvPr id="2" name="Slide Image Placeholder 1"/>
+          <p:cNvSpPr>
+            <a:spLocks noGrp="1" noRot="1" noChangeAspect="1"/>
+          </p:cNvSpPr>
+          <p:nvPr>
+            <p:ph type="sldImg"/>
+          </p:nvPr>
+        </p:nvSpPr>
+        <p:spPr/>
+      </p:sp>
+      <p:sp>
+        <p:nvSpPr>
+          <p:cNvPr id="3" name="Notes Placeholder 2"/>
+          <p:cNvSpPr>
+            <a:spLocks noGrp="1"/>
+          </p:cNvSpPr>
+          <p:nvPr>
+            <p:ph type="body" idx="1"/>
+          </p:nvPr>
+        </p:nvSpPr>
+        <p:spPr/>
+        <p:txBody>
+          <a:bodyPr/>
+          <a:lstStyle/>
+          <a:p>
+            <a:r>
+              <a:rPr lang="is-IS" dirty="0"/>
+              <a:t>On the left you see all possible 1-way</a:t>
+            </a:r>
+            <a:r>
+              <a:rPr lang="is-IS" baseline="0" dirty="0"/>
+              <a:t> exchanges. There are 8 recipients, so 2 have been removed in preprocessing</a:t>
+            </a:r>
+          </a:p>
+          <a:p>
+            <a:r>
+              <a:rPr lang="is-IS" baseline="0" dirty="0"/>
+              <a:t>The optimal 4-way exchange kidney chain is selected.</a:t>
+            </a:r>
+            <a:endParaRPr lang="nb-NO" dirty="0"/>
+          </a:p>
+        </p:txBody>
+      </p:sp>
+      <p:sp>
+        <p:nvSpPr>
+          <p:cNvPr id="4" name="Slide Number Placeholder 3"/>
+          <p:cNvSpPr>
+            <a:spLocks noGrp="1"/>
+          </p:cNvSpPr>
+          <p:nvPr>
+            <p:ph type="sldNum" sz="quarter" idx="5"/>
+          </p:nvPr>
+        </p:nvSpPr>
+        <p:spPr/>
+        <p:txBody>
+          <a:bodyPr/>
+          <a:lstStyle/>
+          <a:p>
+            <a:fld id="{95CA51AA-4754-4F43-A836-27EAA582E7CB}" type="slidenum">
+              <a:rPr lang="nb-NO" smtClean="0"/>
+              <a:t>9</a:t>
+            </a:fld>
+            <a:endParaRPr lang="nb-NO"/>
+          </a:p>
+        </p:txBody>
+      </p:sp>
+    </p:spTree>
+    <p:extLst>
+      <p:ext uri="{BB962C8B-B14F-4D97-AF65-F5344CB8AC3E}">
+        <p14:creationId xmlns:p14="http://schemas.microsoft.com/office/powerpoint/2010/main" val="597804604"/>
+      </p:ext>
+    </p:extLst>
+  </p:cSld>
+  <p:clrMapOvr>
+    <a:masterClrMapping/>
+  </p:clrMapOvr>
+</p:notes>
+</file>
+
 <file path=ppt/slideLayouts/slideLayout1.xml><?xml version="1.0" encoding="utf-8"?>
 <p:sldLayout xmlns:a="http://schemas.openxmlformats.org/drawingml/2006/main" xmlns:r="http://schemas.openxmlformats.org/officeDocument/2006/relationships" xmlns:p="http://schemas.openxmlformats.org/presentationml/2006/main" type="title" preserve="1">
   <p:cSld name="Title Slide">
@@ -273,7 +2052,7 @@
           <a:p>
             <a:fld id="{58F98782-3A6D-4E3F-ACD4-B45034E7EC8A}" type="datetimeFigureOut">
               <a:rPr lang="nb-NO" smtClean="0"/>
-              <a:t>25.11.2019</a:t>
+              <a:t>26.11.2019</a:t>
             </a:fld>
             <a:endParaRPr lang="nb-NO"/>
           </a:p>
@@ -473,7 +2252,7 @@
           <a:p>
             <a:fld id="{58F98782-3A6D-4E3F-ACD4-B45034E7EC8A}" type="datetimeFigureOut">
               <a:rPr lang="nb-NO" smtClean="0"/>
-              <a:t>25.11.2019</a:t>
+              <a:t>26.11.2019</a:t>
             </a:fld>
             <a:endParaRPr lang="nb-NO"/>
           </a:p>
@@ -683,7 +2462,7 @@
           <a:p>
             <a:fld id="{58F98782-3A6D-4E3F-ACD4-B45034E7EC8A}" type="datetimeFigureOut">
               <a:rPr lang="nb-NO" smtClean="0"/>
-              <a:t>25.11.2019</a:t>
+              <a:t>26.11.2019</a:t>
             </a:fld>
             <a:endParaRPr lang="nb-NO"/>
           </a:p>
@@ -883,7 +2662,7 @@
           <a:p>
             <a:fld id="{58F98782-3A6D-4E3F-ACD4-B45034E7EC8A}" type="datetimeFigureOut">
               <a:rPr lang="nb-NO" smtClean="0"/>
-              <a:t>25.11.2019</a:t>
+              <a:t>26.11.2019</a:t>
             </a:fld>
             <a:endParaRPr lang="nb-NO"/>
           </a:p>
@@ -1159,7 +2938,7 @@
           <a:p>
             <a:fld id="{58F98782-3A6D-4E3F-ACD4-B45034E7EC8A}" type="datetimeFigureOut">
               <a:rPr lang="nb-NO" smtClean="0"/>
-              <a:t>25.11.2019</a:t>
+              <a:t>26.11.2019</a:t>
             </a:fld>
             <a:endParaRPr lang="nb-NO"/>
           </a:p>
@@ -1427,7 +3206,7 @@
           <a:p>
             <a:fld id="{58F98782-3A6D-4E3F-ACD4-B45034E7EC8A}" type="datetimeFigureOut">
               <a:rPr lang="nb-NO" smtClean="0"/>
-              <a:t>25.11.2019</a:t>
+              <a:t>26.11.2019</a:t>
             </a:fld>
             <a:endParaRPr lang="nb-NO"/>
           </a:p>
@@ -1842,7 +3621,7 @@
           <a:p>
             <a:fld id="{58F98782-3A6D-4E3F-ACD4-B45034E7EC8A}" type="datetimeFigureOut">
               <a:rPr lang="nb-NO" smtClean="0"/>
-              <a:t>25.11.2019</a:t>
+              <a:t>26.11.2019</a:t>
             </a:fld>
             <a:endParaRPr lang="nb-NO"/>
           </a:p>
@@ -1984,7 +3763,7 @@
           <a:p>
             <a:fld id="{58F98782-3A6D-4E3F-ACD4-B45034E7EC8A}" type="datetimeFigureOut">
               <a:rPr lang="nb-NO" smtClean="0"/>
-              <a:t>25.11.2019</a:t>
+              <a:t>26.11.2019</a:t>
             </a:fld>
             <a:endParaRPr lang="nb-NO"/>
           </a:p>
@@ -2097,7 +3876,7 @@
           <a:p>
             <a:fld id="{58F98782-3A6D-4E3F-ACD4-B45034E7EC8A}" type="datetimeFigureOut">
               <a:rPr lang="nb-NO" smtClean="0"/>
-              <a:t>25.11.2019</a:t>
+              <a:t>26.11.2019</a:t>
             </a:fld>
             <a:endParaRPr lang="nb-NO"/>
           </a:p>
@@ -2410,7 +4189,7 @@
           <a:p>
             <a:fld id="{58F98782-3A6D-4E3F-ACD4-B45034E7EC8A}" type="datetimeFigureOut">
               <a:rPr lang="nb-NO" smtClean="0"/>
-              <a:t>25.11.2019</a:t>
+              <a:t>26.11.2019</a:t>
             </a:fld>
             <a:endParaRPr lang="nb-NO"/>
           </a:p>
@@ -2699,7 +4478,7 @@
           <a:p>
             <a:fld id="{58F98782-3A6D-4E3F-ACD4-B45034E7EC8A}" type="datetimeFigureOut">
               <a:rPr lang="nb-NO" smtClean="0"/>
-              <a:t>25.11.2019</a:t>
+              <a:t>26.11.2019</a:t>
             </a:fld>
             <a:endParaRPr lang="nb-NO"/>
           </a:p>
@@ -2942,7 +4721,7 @@
           <a:p>
             <a:fld id="{58F98782-3A6D-4E3F-ACD4-B45034E7EC8A}" type="datetimeFigureOut">
               <a:rPr lang="nb-NO" smtClean="0"/>
-              <a:t>25.11.2019</a:t>
+              <a:t>26.11.2019</a:t>
             </a:fld>
             <a:endParaRPr lang="nb-NO"/>
           </a:p>
@@ -4992,7 +6771,7 @@
           </p:nvPr>
         </p:nvPicPr>
         <p:blipFill>
-          <a:blip r:embed="rId2">
+          <a:blip r:embed="rId3">
             <a:extLst>
               <a:ext uri="{28A0092B-C50C-407E-A947-70E740481C1C}">
                 <a14:useLocalDpi xmlns:a14="http://schemas.microsoft.com/office/drawing/2010/main" val="0"/>
@@ -5041,7 +6820,7 @@
           </p:nvPr>
         </p:nvPicPr>
         <p:blipFill>
-          <a:blip r:embed="rId3">
+          <a:blip r:embed="rId4">
             <a:extLst>
               <a:ext uri="{28A0092B-C50C-407E-A947-70E740481C1C}">
                 <a14:useLocalDpi xmlns:a14="http://schemas.microsoft.com/office/drawing/2010/main" val="0"/>
@@ -7257,7 +9036,7 @@
           <a:p>
             <a:r>
               <a:rPr lang="is-IS" dirty="0"/>
-              <a:t>Obtain the minimum criteria used by the Icelandic Health Care System to evaluate Donor/Recipient compitability - Ongoing</a:t>
+              <a:t>Obtain the minimum criteria used by the Icelandic Health Care System to evaluate Donor/Recipient compatibility</a:t>
             </a:r>
           </a:p>
           <a:p>
@@ -7269,7 +9048,7 @@
           <a:p>
             <a:r>
               <a:rPr lang="is-IS" dirty="0"/>
-              <a:t>Estimate if a Kidney Exchange Program could be economically benificial for the Icelandic Health Care System</a:t>
+              <a:t>Estimate if a Kidney Exchange Program could be economically beneficial for the Icelandic Health Care System</a:t>
             </a:r>
           </a:p>
         </p:txBody>
@@ -7394,9 +9173,6 @@
               <a:t>Form kidney chains.</a:t>
             </a:r>
           </a:p>
-          <a:p>
-            <a:endParaRPr lang="nb-NO" dirty="0"/>
-          </a:p>
         </p:txBody>
       </p:sp>
       <p:pic>
@@ -7416,7 +9192,7 @@
           </p:nvPr>
         </p:nvPicPr>
         <p:blipFill>
-          <a:blip r:embed="rId2">
+          <a:blip r:embed="rId3">
             <a:extLst>
               <a:ext uri="{28A0092B-C50C-407E-A947-70E740481C1C}">
                 <a14:useLocalDpi xmlns:a14="http://schemas.microsoft.com/office/drawing/2010/main" val="0"/>
@@ -7534,13 +9310,13 @@
           <a:p>
             <a:r>
               <a:rPr lang="is-IS" dirty="0"/>
-              <a:t>3-way kidney chains considered optimal.</a:t>
+              <a:t>3-way exchange kidney chains considered optimal.</a:t>
             </a:r>
           </a:p>
           <a:p>
             <a:r>
               <a:rPr lang="is-IS" dirty="0"/>
-              <a:t>Longest kidney chain ever: 12-way exchange.</a:t>
+              <a:t>Longest kidney chain ever: 6-way exchange.</a:t>
             </a:r>
             <a:endParaRPr lang="nb-NO" dirty="0"/>
           </a:p>
@@ -7622,7 +9398,7 @@
           </p:nvPr>
         </p:nvPicPr>
         <p:blipFill>
-          <a:blip r:embed="rId2">
+          <a:blip r:embed="rId3">
             <a:extLst>
               <a:ext uri="{28A0092B-C50C-407E-A947-70E740481C1C}">
                 <a14:useLocalDpi xmlns:a14="http://schemas.microsoft.com/office/drawing/2010/main" val="0"/>
@@ -7724,13 +9500,13 @@
           <a:p>
             <a:r>
               <a:rPr lang="is-IS" dirty="0"/>
-              <a:t>Object: Minimize the likelyhood of kidney being rejected by kidney transplant recipient.</a:t>
+              <a:t>Object: Minimize the likelihood of kidney being rejected by kidney transplant recipient.</a:t>
             </a:r>
           </a:p>
           <a:p>
             <a:r>
               <a:rPr lang="is-IS" dirty="0"/>
-              <a:t>Blood Type: </a:t>
+              <a:t>Blood type: </a:t>
             </a:r>
             <a:r>
               <a:rPr lang="is-IS" dirty="0">
@@ -8079,35 +9855,6 @@
               <a:rPr lang="is-IS" dirty="0"/>
               <a:t>Donor‘s Physical Condition: Age, BMI, eGFR, SBP, History of Smoking</a:t>
             </a:r>
-          </a:p>
-          <a:p>
-            <a:pPr lvl="1"/>
-            <a:endParaRPr lang="is-IS" dirty="0"/>
-          </a:p>
-          <a:p>
-            <a:pPr lvl="1"/>
-            <a:endParaRPr lang="is-IS" dirty="0">
-              <a:latin typeface="Calibri" panose="020F0502020204030204" pitchFamily="34" charset="0"/>
-              <a:cs typeface="Calibri" panose="020F0502020204030204" pitchFamily="34" charset="0"/>
-            </a:endParaRPr>
-          </a:p>
-          <a:p>
-            <a:pPr lvl="1"/>
-            <a:endParaRPr lang="is-IS" dirty="0">
-              <a:latin typeface="Calibri" panose="020F0502020204030204" pitchFamily="34" charset="0"/>
-              <a:cs typeface="Calibri" panose="020F0502020204030204" pitchFamily="34" charset="0"/>
-            </a:endParaRPr>
-          </a:p>
-          <a:p>
-            <a:pPr lvl="1"/>
-            <a:endParaRPr lang="is-IS" dirty="0">
-              <a:latin typeface="Calibri" panose="020F0502020204030204" pitchFamily="34" charset="0"/>
-              <a:cs typeface="Calibri" panose="020F0502020204030204" pitchFamily="34" charset="0"/>
-            </a:endParaRPr>
-          </a:p>
-          <a:p>
-            <a:pPr lvl="1"/>
-            <a:endParaRPr lang="nb-NO" dirty="0"/>
           </a:p>
         </p:txBody>
       </p:sp>
@@ -8214,19 +9961,21 @@
             <a:pPr lvl="1"/>
             <a:r>
               <a:rPr lang="is-IS" dirty="0"/>
+              <a:t>HLA-C</a:t>
+            </a:r>
+          </a:p>
+          <a:p>
+            <a:pPr lvl="1"/>
+            <a:r>
+              <a:rPr lang="is-IS" dirty="0"/>
               <a:t>HLA-DR</a:t>
             </a:r>
           </a:p>
           <a:p>
-            <a:pPr lvl="1"/>
             <a:r>
               <a:rPr lang="is-IS" dirty="0"/>
               <a:t>Transplants performed even though several HLA mismatches exist</a:t>
             </a:r>
-          </a:p>
-          <a:p>
-            <a:pPr lvl="1"/>
-            <a:endParaRPr lang="is-IS" dirty="0"/>
           </a:p>
         </p:txBody>
       </p:sp>
@@ -8359,6 +10108,13 @@
             </a:r>
           </a:p>
           <a:p>
+            <a:pPr lvl="1"/>
+            <a:r>
+              <a:rPr lang="is-IS" dirty="0"/>
+              <a:t>eGFR – Dutch study</a:t>
+            </a:r>
+          </a:p>
+          <a:p>
             <a:r>
               <a:rPr lang="is-IS" dirty="0"/>
               <a:t>Missing:</a:t>
@@ -8368,20 +10124,8 @@
             <a:pPr lvl="1"/>
             <a:r>
               <a:rPr lang="is-IS" dirty="0"/>
-              <a:t>HLA mismatches – deCode</a:t>
-            </a:r>
-          </a:p>
-          <a:p>
-            <a:pPr lvl="1"/>
-            <a:r>
-              <a:rPr lang="is-IS" dirty="0"/>
-              <a:t>eGFR – Landspítalinn</a:t>
-            </a:r>
-            <a:endParaRPr lang="nb-NO" dirty="0"/>
-          </a:p>
-          <a:p>
-            <a:pPr lvl="1"/>
-            <a:endParaRPr lang="is-IS" dirty="0"/>
+              <a:t>HLA distribution amongs the Icelandic population – deCode</a:t>
+            </a:r>
           </a:p>
         </p:txBody>
       </p:sp>
@@ -8463,9 +10207,15 @@
         <p:spPr/>
         <p:txBody>
           <a:bodyPr>
-            <a:normAutofit fontScale="92500" lnSpcReduction="20000"/>
+            <a:normAutofit fontScale="85000" lnSpcReduction="20000"/>
           </a:bodyPr>
           <a:lstStyle/>
+          <a:p>
+            <a:r>
+              <a:rPr lang="is-IS" dirty="0"/>
+              <a:t>Preprocessing</a:t>
+            </a:r>
+          </a:p>
           <a:p>
             <a:r>
               <a:rPr lang="is-IS" dirty="0"/>
@@ -8692,7 +10442,7 @@
           </p:nvPr>
         </p:nvPicPr>
         <p:blipFill>
-          <a:blip r:embed="rId2">
+          <a:blip r:embed="rId3">
             <a:extLst>
               <a:ext uri="{28A0092B-C50C-407E-A947-70E740481C1C}">
                 <a14:useLocalDpi xmlns:a14="http://schemas.microsoft.com/office/drawing/2010/main" val="0"/>
@@ -8741,7 +10491,7 @@
           </p:nvPr>
         </p:nvPicPr>
         <p:blipFill>
-          <a:blip r:embed="rId3">
+          <a:blip r:embed="rId4">
             <a:extLst>
               <a:ext uri="{28A0092B-C50C-407E-A947-70E740481C1C}">
                 <a14:useLocalDpi xmlns:a14="http://schemas.microsoft.com/office/drawing/2010/main" val="0"/>
@@ -9079,4 +10829,299 @@
     </a:ext>
   </a:extLst>
 </a:theme>
+</file>
+
+<file path=ppt/theme/theme2.xml><?xml version="1.0" encoding="utf-8"?>
+<a:theme xmlns:a="http://schemas.openxmlformats.org/drawingml/2006/main" name="Office Theme">
+  <a:themeElements>
+    <a:clrScheme name="Office">
+      <a:dk1>
+        <a:sysClr val="windowText" lastClr="000000"/>
+      </a:dk1>
+      <a:lt1>
+        <a:sysClr val="window" lastClr="FFFFFF"/>
+      </a:lt1>
+      <a:dk2>
+        <a:srgbClr val="44546A"/>
+      </a:dk2>
+      <a:lt2>
+        <a:srgbClr val="E7E6E6"/>
+      </a:lt2>
+      <a:accent1>
+        <a:srgbClr val="4472C4"/>
+      </a:accent1>
+      <a:accent2>
+        <a:srgbClr val="ED7D31"/>
+      </a:accent2>
+      <a:accent3>
+        <a:srgbClr val="A5A5A5"/>
+      </a:accent3>
+      <a:accent4>
+        <a:srgbClr val="FFC000"/>
+      </a:accent4>
+      <a:accent5>
+        <a:srgbClr val="5B9BD5"/>
+      </a:accent5>
+      <a:accent6>
+        <a:srgbClr val="70AD47"/>
+      </a:accent6>
+      <a:hlink>
+        <a:srgbClr val="0563C1"/>
+      </a:hlink>
+      <a:folHlink>
+        <a:srgbClr val="954F72"/>
+      </a:folHlink>
+    </a:clrScheme>
+    <a:fontScheme name="Office">
+      <a:majorFont>
+        <a:latin typeface="Calibri Light" panose="020F0302020204030204"/>
+        <a:ea typeface=""/>
+        <a:cs typeface=""/>
+        <a:font script="Jpan" typeface="游ゴシック Light"/>
+        <a:font script="Hang" typeface="맑은 고딕"/>
+        <a:font script="Hans" typeface="等线 Light"/>
+        <a:font script="Hant" typeface="新細明體"/>
+        <a:font script="Arab" typeface="Times New Roman"/>
+        <a:font script="Hebr" typeface="Times New Roman"/>
+        <a:font script="Thai" typeface="Angsana New"/>
+        <a:font script="Ethi" typeface="Nyala"/>
+        <a:font script="Beng" typeface="Vrinda"/>
+        <a:font script="Gujr" typeface="Shruti"/>
+        <a:font script="Khmr" typeface="MoolBoran"/>
+        <a:font script="Knda" typeface="Tunga"/>
+        <a:font script="Guru" typeface="Raavi"/>
+        <a:font script="Cans" typeface="Euphemia"/>
+        <a:font script="Cher" typeface="Plantagenet Cherokee"/>
+        <a:font script="Yiii" typeface="Microsoft Yi Baiti"/>
+        <a:font script="Tibt" typeface="Microsoft Himalaya"/>
+        <a:font script="Thaa" typeface="MV Boli"/>
+        <a:font script="Deva" typeface="Mangal"/>
+        <a:font script="Telu" typeface="Gautami"/>
+        <a:font script="Taml" typeface="Latha"/>
+        <a:font script="Syrc" typeface="Estrangelo Edessa"/>
+        <a:font script="Orya" typeface="Kalinga"/>
+        <a:font script="Mlym" typeface="Kartika"/>
+        <a:font script="Laoo" typeface="DokChampa"/>
+        <a:font script="Sinh" typeface="Iskoola Pota"/>
+        <a:font script="Mong" typeface="Mongolian Baiti"/>
+        <a:font script="Viet" typeface="Times New Roman"/>
+        <a:font script="Uigh" typeface="Microsoft Uighur"/>
+        <a:font script="Geor" typeface="Sylfaen"/>
+        <a:font script="Armn" typeface="Arial"/>
+        <a:font script="Bugi" typeface="Leelawadee UI"/>
+        <a:font script="Bopo" typeface="Microsoft JhengHei"/>
+        <a:font script="Java" typeface="Javanese Text"/>
+        <a:font script="Lisu" typeface="Segoe UI"/>
+        <a:font script="Mymr" typeface="Myanmar Text"/>
+        <a:font script="Nkoo" typeface="Ebrima"/>
+        <a:font script="Olck" typeface="Nirmala UI"/>
+        <a:font script="Osma" typeface="Ebrima"/>
+        <a:font script="Phag" typeface="Phagspa"/>
+        <a:font script="Syrn" typeface="Estrangelo Edessa"/>
+        <a:font script="Syrj" typeface="Estrangelo Edessa"/>
+        <a:font script="Syre" typeface="Estrangelo Edessa"/>
+        <a:font script="Sora" typeface="Nirmala UI"/>
+        <a:font script="Tale" typeface="Microsoft Tai Le"/>
+        <a:font script="Talu" typeface="Microsoft New Tai Lue"/>
+        <a:font script="Tfng" typeface="Ebrima"/>
+      </a:majorFont>
+      <a:minorFont>
+        <a:latin typeface="Calibri" panose="020F0502020204030204"/>
+        <a:ea typeface=""/>
+        <a:cs typeface=""/>
+        <a:font script="Jpan" typeface="游ゴシック"/>
+        <a:font script="Hang" typeface="맑은 고딕"/>
+        <a:font script="Hans" typeface="等线"/>
+        <a:font script="Hant" typeface="新細明體"/>
+        <a:font script="Arab" typeface="Arial"/>
+        <a:font script="Hebr" typeface="Arial"/>
+        <a:font script="Thai" typeface="Cordia New"/>
+        <a:font script="Ethi" typeface="Nyala"/>
+        <a:font script="Beng" typeface="Vrinda"/>
+        <a:font script="Gujr" typeface="Shruti"/>
+        <a:font script="Khmr" typeface="DaunPenh"/>
+        <a:font script="Knda" typeface="Tunga"/>
+        <a:font script="Guru" typeface="Raavi"/>
+        <a:font script="Cans" typeface="Euphemia"/>
+        <a:font script="Cher" typeface="Plantagenet Cherokee"/>
+        <a:font script="Yiii" typeface="Microsoft Yi Baiti"/>
+        <a:font script="Tibt" typeface="Microsoft Himalaya"/>
+        <a:font script="Thaa" typeface="MV Boli"/>
+        <a:font script="Deva" typeface="Mangal"/>
+        <a:font script="Telu" typeface="Gautami"/>
+        <a:font script="Taml" typeface="Latha"/>
+        <a:font script="Syrc" typeface="Estrangelo Edessa"/>
+        <a:font script="Orya" typeface="Kalinga"/>
+        <a:font script="Mlym" typeface="Kartika"/>
+        <a:font script="Laoo" typeface="DokChampa"/>
+        <a:font script="Sinh" typeface="Iskoola Pota"/>
+        <a:font script="Mong" typeface="Mongolian Baiti"/>
+        <a:font script="Viet" typeface="Arial"/>
+        <a:font script="Uigh" typeface="Microsoft Uighur"/>
+        <a:font script="Geor" typeface="Sylfaen"/>
+        <a:font script="Armn" typeface="Arial"/>
+        <a:font script="Bugi" typeface="Leelawadee UI"/>
+        <a:font script="Bopo" typeface="Microsoft JhengHei"/>
+        <a:font script="Java" typeface="Javanese Text"/>
+        <a:font script="Lisu" typeface="Segoe UI"/>
+        <a:font script="Mymr" typeface="Myanmar Text"/>
+        <a:font script="Nkoo" typeface="Ebrima"/>
+        <a:font script="Olck" typeface="Nirmala UI"/>
+        <a:font script="Osma" typeface="Ebrima"/>
+        <a:font script="Phag" typeface="Phagspa"/>
+        <a:font script="Syrn" typeface="Estrangelo Edessa"/>
+        <a:font script="Syrj" typeface="Estrangelo Edessa"/>
+        <a:font script="Syre" typeface="Estrangelo Edessa"/>
+        <a:font script="Sora" typeface="Nirmala UI"/>
+        <a:font script="Tale" typeface="Microsoft Tai Le"/>
+        <a:font script="Talu" typeface="Microsoft New Tai Lue"/>
+        <a:font script="Tfng" typeface="Ebrima"/>
+      </a:minorFont>
+    </a:fontScheme>
+    <a:fmtScheme name="Office">
+      <a:fillStyleLst>
+        <a:solidFill>
+          <a:schemeClr val="phClr"/>
+        </a:solidFill>
+        <a:gradFill rotWithShape="1">
+          <a:gsLst>
+            <a:gs pos="0">
+              <a:schemeClr val="phClr">
+                <a:lumMod val="110000"/>
+                <a:satMod val="105000"/>
+                <a:tint val="67000"/>
+              </a:schemeClr>
+            </a:gs>
+            <a:gs pos="50000">
+              <a:schemeClr val="phClr">
+                <a:lumMod val="105000"/>
+                <a:satMod val="103000"/>
+                <a:tint val="73000"/>
+              </a:schemeClr>
+            </a:gs>
+            <a:gs pos="100000">
+              <a:schemeClr val="phClr">
+                <a:lumMod val="105000"/>
+                <a:satMod val="109000"/>
+                <a:tint val="81000"/>
+              </a:schemeClr>
+            </a:gs>
+          </a:gsLst>
+          <a:lin ang="5400000" scaled="0"/>
+        </a:gradFill>
+        <a:gradFill rotWithShape="1">
+          <a:gsLst>
+            <a:gs pos="0">
+              <a:schemeClr val="phClr">
+                <a:satMod val="103000"/>
+                <a:lumMod val="102000"/>
+                <a:tint val="94000"/>
+              </a:schemeClr>
+            </a:gs>
+            <a:gs pos="50000">
+              <a:schemeClr val="phClr">
+                <a:satMod val="110000"/>
+                <a:lumMod val="100000"/>
+                <a:shade val="100000"/>
+              </a:schemeClr>
+            </a:gs>
+            <a:gs pos="100000">
+              <a:schemeClr val="phClr">
+                <a:lumMod val="99000"/>
+                <a:satMod val="120000"/>
+                <a:shade val="78000"/>
+              </a:schemeClr>
+            </a:gs>
+          </a:gsLst>
+          <a:lin ang="5400000" scaled="0"/>
+        </a:gradFill>
+      </a:fillStyleLst>
+      <a:lnStyleLst>
+        <a:ln w="6350" cap="flat" cmpd="sng" algn="ctr">
+          <a:solidFill>
+            <a:schemeClr val="phClr"/>
+          </a:solidFill>
+          <a:prstDash val="solid"/>
+          <a:miter lim="800000"/>
+        </a:ln>
+        <a:ln w="12700" cap="flat" cmpd="sng" algn="ctr">
+          <a:solidFill>
+            <a:schemeClr val="phClr"/>
+          </a:solidFill>
+          <a:prstDash val="solid"/>
+          <a:miter lim="800000"/>
+        </a:ln>
+        <a:ln w="19050" cap="flat" cmpd="sng" algn="ctr">
+          <a:solidFill>
+            <a:schemeClr val="phClr"/>
+          </a:solidFill>
+          <a:prstDash val="solid"/>
+          <a:miter lim="800000"/>
+        </a:ln>
+      </a:lnStyleLst>
+      <a:effectStyleLst>
+        <a:effectStyle>
+          <a:effectLst/>
+        </a:effectStyle>
+        <a:effectStyle>
+          <a:effectLst/>
+        </a:effectStyle>
+        <a:effectStyle>
+          <a:effectLst>
+            <a:outerShdw blurRad="57150" dist="19050" dir="5400000" algn="ctr" rotWithShape="0">
+              <a:srgbClr val="000000">
+                <a:alpha val="63000"/>
+              </a:srgbClr>
+            </a:outerShdw>
+          </a:effectLst>
+        </a:effectStyle>
+      </a:effectStyleLst>
+      <a:bgFillStyleLst>
+        <a:solidFill>
+          <a:schemeClr val="phClr"/>
+        </a:solidFill>
+        <a:solidFill>
+          <a:schemeClr val="phClr">
+            <a:tint val="95000"/>
+            <a:satMod val="170000"/>
+          </a:schemeClr>
+        </a:solidFill>
+        <a:gradFill rotWithShape="1">
+          <a:gsLst>
+            <a:gs pos="0">
+              <a:schemeClr val="phClr">
+                <a:tint val="93000"/>
+                <a:satMod val="150000"/>
+                <a:shade val="98000"/>
+                <a:lumMod val="102000"/>
+              </a:schemeClr>
+            </a:gs>
+            <a:gs pos="50000">
+              <a:schemeClr val="phClr">
+                <a:tint val="98000"/>
+                <a:satMod val="130000"/>
+                <a:shade val="90000"/>
+                <a:lumMod val="103000"/>
+              </a:schemeClr>
+            </a:gs>
+            <a:gs pos="100000">
+              <a:schemeClr val="phClr">
+                <a:shade val="63000"/>
+                <a:satMod val="120000"/>
+              </a:schemeClr>
+            </a:gs>
+          </a:gsLst>
+          <a:lin ang="5400000" scaled="0"/>
+        </a:gradFill>
+      </a:bgFillStyleLst>
+    </a:fmtScheme>
+  </a:themeElements>
+  <a:objectDefaults/>
+  <a:extraClrSchemeLst/>
+  <a:extLst>
+    <a:ext uri="{05A4C25C-085E-4340-85A3-A5531E510DB2}">
+      <thm15:themeFamily xmlns:thm15="http://schemas.microsoft.com/office/thememl/2012/main" name="Office Theme" id="{62F939B6-93AF-4DB8-9C6B-D6C7DFDC589F}" vid="{4A3C46E8-61CC-4603-A589-7422A47A8E4A}"/>
+    </a:ext>
+  </a:extLst>
+</a:theme>
 </file>